--- a/docs/isbi2017/figs/table1.pptx
+++ b/docs/isbi2017/figs/table1.pptx
@@ -6,6 +6,8 @@
   </p:sldMasterIdLst>
   <p:sldIdLst>
     <p:sldId id="256" r:id="rId15"/>
+    <p:sldId id="257" r:id="rId16"/>
+    <p:sldId id="258" r:id="rId17"/>
   </p:sldIdLst>
   <p:sldSz cx="12192000" cy="6858000"/>
   <p:notesSz cx="6858000" cy="9144000"/>
@@ -241,7 +243,7 @@
           <a:p>
             <a:fld id="{6F96E66E-0992-4AC8-B371-9FF0420BE4E2}" type="datetimeFigureOut">
               <a:rPr lang="en-US" smtClean="0"/>
-              <a:t>11/4/2016</a:t>
+              <a:t>11/7/2016</a:t>
             </a:fld>
             <a:endParaRPr lang="en-US"/>
           </a:p>
@@ -409,7 +411,7 @@
           <a:p>
             <a:fld id="{6F96E66E-0992-4AC8-B371-9FF0420BE4E2}" type="datetimeFigureOut">
               <a:rPr lang="en-US" smtClean="0"/>
-              <a:t>11/4/2016</a:t>
+              <a:t>11/7/2016</a:t>
             </a:fld>
             <a:endParaRPr lang="en-US"/>
           </a:p>
@@ -587,7 +589,7 @@
           <a:p>
             <a:fld id="{6F96E66E-0992-4AC8-B371-9FF0420BE4E2}" type="datetimeFigureOut">
               <a:rPr lang="en-US" smtClean="0"/>
-              <a:t>11/4/2016</a:t>
+              <a:t>11/7/2016</a:t>
             </a:fld>
             <a:endParaRPr lang="en-US"/>
           </a:p>
@@ -755,7 +757,7 @@
           <a:p>
             <a:fld id="{6F96E66E-0992-4AC8-B371-9FF0420BE4E2}" type="datetimeFigureOut">
               <a:rPr lang="en-US" smtClean="0"/>
-              <a:t>11/4/2016</a:t>
+              <a:t>11/7/2016</a:t>
             </a:fld>
             <a:endParaRPr lang="en-US"/>
           </a:p>
@@ -1000,7 +1002,7 @@
           <a:p>
             <a:fld id="{6F96E66E-0992-4AC8-B371-9FF0420BE4E2}" type="datetimeFigureOut">
               <a:rPr lang="en-US" smtClean="0"/>
-              <a:t>11/4/2016</a:t>
+              <a:t>11/7/2016</a:t>
             </a:fld>
             <a:endParaRPr lang="en-US"/>
           </a:p>
@@ -1229,7 +1231,7 @@
           <a:p>
             <a:fld id="{6F96E66E-0992-4AC8-B371-9FF0420BE4E2}" type="datetimeFigureOut">
               <a:rPr lang="en-US" smtClean="0"/>
-              <a:t>11/4/2016</a:t>
+              <a:t>11/7/2016</a:t>
             </a:fld>
             <a:endParaRPr lang="en-US"/>
           </a:p>
@@ -1593,7 +1595,7 @@
           <a:p>
             <a:fld id="{6F96E66E-0992-4AC8-B371-9FF0420BE4E2}" type="datetimeFigureOut">
               <a:rPr lang="en-US" smtClean="0"/>
-              <a:t>11/4/2016</a:t>
+              <a:t>11/7/2016</a:t>
             </a:fld>
             <a:endParaRPr lang="en-US"/>
           </a:p>
@@ -1710,7 +1712,7 @@
           <a:p>
             <a:fld id="{6F96E66E-0992-4AC8-B371-9FF0420BE4E2}" type="datetimeFigureOut">
               <a:rPr lang="en-US" smtClean="0"/>
-              <a:t>11/4/2016</a:t>
+              <a:t>11/7/2016</a:t>
             </a:fld>
             <a:endParaRPr lang="en-US"/>
           </a:p>
@@ -1805,7 +1807,7 @@
           <a:p>
             <a:fld id="{6F96E66E-0992-4AC8-B371-9FF0420BE4E2}" type="datetimeFigureOut">
               <a:rPr lang="en-US" smtClean="0"/>
-              <a:t>11/4/2016</a:t>
+              <a:t>11/7/2016</a:t>
             </a:fld>
             <a:endParaRPr lang="en-US"/>
           </a:p>
@@ -2080,7 +2082,7 @@
           <a:p>
             <a:fld id="{6F96E66E-0992-4AC8-B371-9FF0420BE4E2}" type="datetimeFigureOut">
               <a:rPr lang="en-US" smtClean="0"/>
-              <a:t>11/4/2016</a:t>
+              <a:t>11/7/2016</a:t>
             </a:fld>
             <a:endParaRPr lang="en-US"/>
           </a:p>
@@ -2332,7 +2334,7 @@
           <a:p>
             <a:fld id="{6F96E66E-0992-4AC8-B371-9FF0420BE4E2}" type="datetimeFigureOut">
               <a:rPr lang="en-US" smtClean="0"/>
-              <a:t>11/4/2016</a:t>
+              <a:t>11/7/2016</a:t>
             </a:fld>
             <a:endParaRPr lang="en-US"/>
           </a:p>
@@ -2543,7 +2545,7 @@
           <a:p>
             <a:fld id="{6F96E66E-0992-4AC8-B371-9FF0420BE4E2}" type="datetimeFigureOut">
               <a:rPr lang="en-US" smtClean="0"/>
-              <a:t>11/4/2016</a:t>
+              <a:t>11/7/2016</a:t>
             </a:fld>
             <a:endParaRPr lang="en-US"/>
           </a:p>
@@ -5117,6 +5119,4621 @@
 </p:sld>
 </file>
 
+<file path=ppt/slides/slide2.xml><?xml version="1.0" encoding="utf-8"?>
+<p:sld xmlns:a="http://schemas.openxmlformats.org/drawingml/2006/main" xmlns:r="http://schemas.openxmlformats.org/officeDocument/2006/relationships" xmlns:p="http://schemas.openxmlformats.org/presentationml/2006/main">
+  <p:cSld>
+    <p:spTree>
+      <p:nvGrpSpPr>
+        <p:cNvPr id="1" name=""/>
+        <p:cNvGrpSpPr/>
+        <p:nvPr/>
+      </p:nvGrpSpPr>
+      <p:grpSpPr>
+        <a:xfrm>
+          <a:off x="0" y="0"/>
+          <a:ext cx="0" cy="0"/>
+          <a:chOff x="0" y="0"/>
+          <a:chExt cx="0" cy="0"/>
+        </a:xfrm>
+      </p:grpSpPr>
+      <p:graphicFrame>
+        <p:nvGraphicFramePr>
+          <p:cNvPr id="4" name="Content Placeholder 3"/>
+          <p:cNvGraphicFramePr>
+            <a:graphicFrameLocks/>
+          </p:cNvGraphicFramePr>
+          <p:nvPr>
+            <p:extLst>
+              <p:ext uri="{D42A27DB-BD31-4B8C-83A1-F6EECF244321}">
+                <p14:modId xmlns:p14="http://schemas.microsoft.com/office/powerpoint/2010/main" val="2088418826"/>
+              </p:ext>
+            </p:extLst>
+          </p:nvPr>
+        </p:nvGraphicFramePr>
+        <p:xfrm>
+          <a:off x="157313" y="369331"/>
+          <a:ext cx="3141663" cy="1164972"/>
+        </p:xfrm>
+        <a:graphic>
+          <a:graphicData uri="http://schemas.openxmlformats.org/drawingml/2006/table">
+            <a:tbl>
+              <a:tblPr>
+                <a:tableStyleId>{616DA210-FB5B-4158-B5E0-FEB733F419BA}</a:tableStyleId>
+              </a:tblPr>
+              <a:tblGrid>
+                <a:gridCol w="627063">
+                  <a:extLst>
+                    <a:ext uri="{9D8B030D-6E8A-4147-A177-3AD203B41FA5}">
+                      <a16:colId xmlns:a16="http://schemas.microsoft.com/office/drawing/2014/main" val="3465125765"/>
+                    </a:ext>
+                  </a:extLst>
+                </a:gridCol>
+                <a:gridCol w="419100">
+                  <a:extLst>
+                    <a:ext uri="{9D8B030D-6E8A-4147-A177-3AD203B41FA5}">
+                      <a16:colId xmlns:a16="http://schemas.microsoft.com/office/drawing/2014/main" val="3524040281"/>
+                    </a:ext>
+                  </a:extLst>
+                </a:gridCol>
+                <a:gridCol w="419100">
+                  <a:extLst>
+                    <a:ext uri="{9D8B030D-6E8A-4147-A177-3AD203B41FA5}">
+                      <a16:colId xmlns:a16="http://schemas.microsoft.com/office/drawing/2014/main" val="2382365763"/>
+                    </a:ext>
+                  </a:extLst>
+                </a:gridCol>
+                <a:gridCol w="419100">
+                  <a:extLst>
+                    <a:ext uri="{9D8B030D-6E8A-4147-A177-3AD203B41FA5}">
+                      <a16:colId xmlns:a16="http://schemas.microsoft.com/office/drawing/2014/main" val="1692592935"/>
+                    </a:ext>
+                  </a:extLst>
+                </a:gridCol>
+                <a:gridCol w="419100">
+                  <a:extLst>
+                    <a:ext uri="{9D8B030D-6E8A-4147-A177-3AD203B41FA5}">
+                      <a16:colId xmlns:a16="http://schemas.microsoft.com/office/drawing/2014/main" val="3410493377"/>
+                    </a:ext>
+                  </a:extLst>
+                </a:gridCol>
+                <a:gridCol w="419100">
+                  <a:extLst>
+                    <a:ext uri="{9D8B030D-6E8A-4147-A177-3AD203B41FA5}">
+                      <a16:colId xmlns:a16="http://schemas.microsoft.com/office/drawing/2014/main" val="3839489703"/>
+                    </a:ext>
+                  </a:extLst>
+                </a:gridCol>
+                <a:gridCol w="419100">
+                  <a:extLst>
+                    <a:ext uri="{9D8B030D-6E8A-4147-A177-3AD203B41FA5}">
+                      <a16:colId xmlns:a16="http://schemas.microsoft.com/office/drawing/2014/main" val="728519582"/>
+                    </a:ext>
+                  </a:extLst>
+                </a:gridCol>
+              </a:tblGrid>
+              <a:tr h="194162">
+                <a:tc>
+                  <a:txBody>
+                    <a:bodyPr/>
+                    <a:lstStyle/>
+                    <a:p>
+                      <a:pPr algn="ctr" fontAlgn="b"/>
+                      <a:r>
+                        <a:rPr lang="en-US" sz="1100" u="none" strike="noStrike" dirty="0">
+                          <a:effectLst/>
+                          <a:latin typeface="Times New Roman" panose="02020603050405020304" pitchFamily="18" charset="0"/>
+                          <a:cs typeface="Times New Roman" panose="02020603050405020304" pitchFamily="18" charset="0"/>
+                        </a:rPr>
+                        <a:t> </a:t>
+                      </a:r>
+                      <a:endParaRPr lang="en-US" sz="1100" b="0" i="0" u="none" strike="noStrike" dirty="0">
+                        <a:solidFill>
+                          <a:srgbClr val="000000"/>
+                        </a:solidFill>
+                        <a:effectLst/>
+                        <a:latin typeface="Times New Roman" panose="02020603050405020304" pitchFamily="18" charset="0"/>
+                        <a:cs typeface="Times New Roman" panose="02020603050405020304" pitchFamily="18" charset="0"/>
+                      </a:endParaRPr>
+                    </a:p>
+                  </a:txBody>
+                  <a:tcPr marL="0" marR="0" marT="0" marB="0" anchor="b"/>
+                </a:tc>
+                <a:tc gridSpan="3">
+                  <a:txBody>
+                    <a:bodyPr/>
+                    <a:lstStyle/>
+                    <a:p>
+                      <a:pPr algn="ctr" fontAlgn="b"/>
+                      <a:r>
+                        <a:rPr lang="en-US" sz="1100" u="none" strike="noStrike" dirty="0">
+                          <a:effectLst/>
+                          <a:latin typeface="Times New Roman" panose="02020603050405020304" pitchFamily="18" charset="0"/>
+                          <a:cs typeface="Times New Roman" panose="02020603050405020304" pitchFamily="18" charset="0"/>
+                        </a:rPr>
+                        <a:t>Across Subjects</a:t>
+                      </a:r>
+                      <a:endParaRPr lang="en-US" sz="1100" b="0" i="0" u="none" strike="noStrike" dirty="0">
+                        <a:solidFill>
+                          <a:srgbClr val="000000"/>
+                        </a:solidFill>
+                        <a:effectLst/>
+                        <a:latin typeface="Times New Roman" panose="02020603050405020304" pitchFamily="18" charset="0"/>
+                        <a:cs typeface="Times New Roman" panose="02020603050405020304" pitchFamily="18" charset="0"/>
+                      </a:endParaRPr>
+                    </a:p>
+                  </a:txBody>
+                  <a:tcPr marL="0" marR="0" marT="0" marB="0" anchor="b"/>
+                </a:tc>
+                <a:tc hMerge="1">
+                  <a:txBody>
+                    <a:bodyPr/>
+                    <a:lstStyle/>
+                    <a:p>
+                      <a:endParaRPr lang="en-US"/>
+                    </a:p>
+                  </a:txBody>
+                  <a:tcPr/>
+                </a:tc>
+                <a:tc hMerge="1">
+                  <a:txBody>
+                    <a:bodyPr/>
+                    <a:lstStyle/>
+                    <a:p>
+                      <a:endParaRPr lang="en-US"/>
+                    </a:p>
+                  </a:txBody>
+                  <a:tcPr/>
+                </a:tc>
+                <a:tc gridSpan="3">
+                  <a:txBody>
+                    <a:bodyPr/>
+                    <a:lstStyle/>
+                    <a:p>
+                      <a:pPr algn="ctr" fontAlgn="b"/>
+                      <a:r>
+                        <a:rPr lang="en-US" sz="1100" u="none" strike="noStrike" dirty="0">
+                          <a:effectLst/>
+                          <a:latin typeface="Times New Roman" panose="02020603050405020304" pitchFamily="18" charset="0"/>
+                          <a:cs typeface="Times New Roman" panose="02020603050405020304" pitchFamily="18" charset="0"/>
+                        </a:rPr>
+                        <a:t>Across Sessions</a:t>
+                      </a:r>
+                      <a:endParaRPr lang="en-US" sz="1100" b="0" i="0" u="none" strike="noStrike" dirty="0">
+                        <a:solidFill>
+                          <a:srgbClr val="000000"/>
+                        </a:solidFill>
+                        <a:effectLst/>
+                        <a:latin typeface="Times New Roman" panose="02020603050405020304" pitchFamily="18" charset="0"/>
+                        <a:cs typeface="Times New Roman" panose="02020603050405020304" pitchFamily="18" charset="0"/>
+                      </a:endParaRPr>
+                    </a:p>
+                  </a:txBody>
+                  <a:tcPr marL="0" marR="0" marT="0" marB="0" anchor="b"/>
+                </a:tc>
+                <a:tc hMerge="1">
+                  <a:txBody>
+                    <a:bodyPr/>
+                    <a:lstStyle/>
+                    <a:p>
+                      <a:endParaRPr lang="en-US"/>
+                    </a:p>
+                  </a:txBody>
+                  <a:tcPr/>
+                </a:tc>
+                <a:tc hMerge="1">
+                  <a:txBody>
+                    <a:bodyPr/>
+                    <a:lstStyle/>
+                    <a:p>
+                      <a:endParaRPr lang="en-US"/>
+                    </a:p>
+                  </a:txBody>
+                  <a:tcPr/>
+                </a:tc>
+                <a:extLst>
+                  <a:ext uri="{0D108BD9-81ED-4DB2-BD59-A6C34878D82A}">
+                    <a16:rowId xmlns:a16="http://schemas.microsoft.com/office/drawing/2014/main" val="3110020006"/>
+                  </a:ext>
+                </a:extLst>
+              </a:tr>
+              <a:tr h="194162">
+                <a:tc>
+                  <a:txBody>
+                    <a:bodyPr/>
+                    <a:lstStyle/>
+                    <a:p>
+                      <a:pPr algn="ctr" fontAlgn="b"/>
+                      <a:r>
+                        <a:rPr lang="en-US" sz="1100" u="none" strike="noStrike" dirty="0">
+                          <a:effectLst/>
+                          <a:latin typeface="Times New Roman" panose="02020603050405020304" pitchFamily="18" charset="0"/>
+                          <a:cs typeface="Times New Roman" panose="02020603050405020304" pitchFamily="18" charset="0"/>
+                        </a:rPr>
+                        <a:t> </a:t>
+                      </a:r>
+                      <a:endParaRPr lang="en-US" sz="1100" b="0" i="0" u="none" strike="noStrike" dirty="0">
+                        <a:solidFill>
+                          <a:srgbClr val="000000"/>
+                        </a:solidFill>
+                        <a:effectLst/>
+                        <a:latin typeface="Times New Roman" panose="02020603050405020304" pitchFamily="18" charset="0"/>
+                        <a:cs typeface="Times New Roman" panose="02020603050405020304" pitchFamily="18" charset="0"/>
+                      </a:endParaRPr>
+                    </a:p>
+                  </a:txBody>
+                  <a:tcPr marL="0" marR="0" marT="0" marB="0" anchor="b"/>
+                </a:tc>
+                <a:tc>
+                  <a:txBody>
+                    <a:bodyPr/>
+                    <a:lstStyle/>
+                    <a:p>
+                      <a:pPr algn="ctr" fontAlgn="b"/>
+                      <a:r>
+                        <a:rPr lang="en-US" sz="1100" u="none" strike="noStrike" dirty="0">
+                          <a:effectLst/>
+                          <a:latin typeface="Times New Roman" panose="02020603050405020304" pitchFamily="18" charset="0"/>
+                          <a:cs typeface="Times New Roman" panose="02020603050405020304" pitchFamily="18" charset="0"/>
+                        </a:rPr>
+                        <a:t>PRE</a:t>
+                      </a:r>
+                      <a:endParaRPr lang="en-US" sz="1100" b="1" i="0" u="none" strike="noStrike" dirty="0">
+                        <a:solidFill>
+                          <a:srgbClr val="000000"/>
+                        </a:solidFill>
+                        <a:effectLst/>
+                        <a:latin typeface="Times New Roman" panose="02020603050405020304" pitchFamily="18" charset="0"/>
+                        <a:cs typeface="Times New Roman" panose="02020603050405020304" pitchFamily="18" charset="0"/>
+                      </a:endParaRPr>
+                    </a:p>
+                  </a:txBody>
+                  <a:tcPr marL="0" marR="0" marT="0" marB="0" anchor="b"/>
+                </a:tc>
+                <a:tc>
+                  <a:txBody>
+                    <a:bodyPr/>
+                    <a:lstStyle/>
+                    <a:p>
+                      <a:pPr algn="ctr" fontAlgn="b"/>
+                      <a:r>
+                        <a:rPr lang="en-US" sz="1100" u="none" strike="noStrike" dirty="0">
+                          <a:effectLst/>
+                          <a:latin typeface="Times New Roman" panose="02020603050405020304" pitchFamily="18" charset="0"/>
+                          <a:cs typeface="Times New Roman" panose="02020603050405020304" pitchFamily="18" charset="0"/>
+                        </a:rPr>
+                        <a:t>MTG</a:t>
+                      </a:r>
+                      <a:endParaRPr lang="en-US" sz="1100" b="1" i="0" u="none" strike="noStrike" dirty="0">
+                        <a:solidFill>
+                          <a:srgbClr val="000000"/>
+                        </a:solidFill>
+                        <a:effectLst/>
+                        <a:latin typeface="Times New Roman" panose="02020603050405020304" pitchFamily="18" charset="0"/>
+                        <a:cs typeface="Times New Roman" panose="02020603050405020304" pitchFamily="18" charset="0"/>
+                      </a:endParaRPr>
+                    </a:p>
+                  </a:txBody>
+                  <a:tcPr marL="0" marR="0" marT="0" marB="0" anchor="b"/>
+                </a:tc>
+                <a:tc>
+                  <a:txBody>
+                    <a:bodyPr/>
+                    <a:lstStyle/>
+                    <a:p>
+                      <a:pPr algn="ctr" fontAlgn="b"/>
+                      <a:r>
+                        <a:rPr lang="en-US" sz="1100" u="none" strike="noStrike" dirty="0">
+                          <a:effectLst/>
+                          <a:latin typeface="Times New Roman" panose="02020603050405020304" pitchFamily="18" charset="0"/>
+                          <a:cs typeface="Times New Roman" panose="02020603050405020304" pitchFamily="18" charset="0"/>
+                        </a:rPr>
+                        <a:t>MFG</a:t>
+                      </a:r>
+                      <a:endParaRPr lang="en-US" sz="1100" b="1" i="0" u="none" strike="noStrike" dirty="0">
+                        <a:solidFill>
+                          <a:srgbClr val="000000"/>
+                        </a:solidFill>
+                        <a:effectLst/>
+                        <a:latin typeface="Times New Roman" panose="02020603050405020304" pitchFamily="18" charset="0"/>
+                        <a:cs typeface="Times New Roman" panose="02020603050405020304" pitchFamily="18" charset="0"/>
+                      </a:endParaRPr>
+                    </a:p>
+                  </a:txBody>
+                  <a:tcPr marL="0" marR="0" marT="0" marB="0" anchor="b"/>
+                </a:tc>
+                <a:tc>
+                  <a:txBody>
+                    <a:bodyPr/>
+                    <a:lstStyle/>
+                    <a:p>
+                      <a:pPr algn="ctr" fontAlgn="b"/>
+                      <a:r>
+                        <a:rPr lang="en-US" sz="1100" u="none" strike="noStrike" dirty="0">
+                          <a:effectLst/>
+                          <a:latin typeface="Times New Roman" panose="02020603050405020304" pitchFamily="18" charset="0"/>
+                          <a:cs typeface="Times New Roman" panose="02020603050405020304" pitchFamily="18" charset="0"/>
+                        </a:rPr>
+                        <a:t>PRE</a:t>
+                      </a:r>
+                      <a:endParaRPr lang="en-US" sz="1100" b="1" i="0" u="none" strike="noStrike" dirty="0">
+                        <a:solidFill>
+                          <a:srgbClr val="000000"/>
+                        </a:solidFill>
+                        <a:effectLst/>
+                        <a:latin typeface="Times New Roman" panose="02020603050405020304" pitchFamily="18" charset="0"/>
+                        <a:cs typeface="Times New Roman" panose="02020603050405020304" pitchFamily="18" charset="0"/>
+                      </a:endParaRPr>
+                    </a:p>
+                  </a:txBody>
+                  <a:tcPr marL="0" marR="0" marT="0" marB="0" anchor="b"/>
+                </a:tc>
+                <a:tc>
+                  <a:txBody>
+                    <a:bodyPr/>
+                    <a:lstStyle/>
+                    <a:p>
+                      <a:pPr algn="ctr" fontAlgn="b"/>
+                      <a:r>
+                        <a:rPr lang="en-US" sz="1100" u="none" strike="noStrike" dirty="0">
+                          <a:effectLst/>
+                          <a:latin typeface="Times New Roman" panose="02020603050405020304" pitchFamily="18" charset="0"/>
+                          <a:cs typeface="Times New Roman" panose="02020603050405020304" pitchFamily="18" charset="0"/>
+                        </a:rPr>
+                        <a:t>MTG</a:t>
+                      </a:r>
+                      <a:endParaRPr lang="en-US" sz="1100" b="1" i="0" u="none" strike="noStrike" dirty="0">
+                        <a:solidFill>
+                          <a:srgbClr val="000000"/>
+                        </a:solidFill>
+                        <a:effectLst/>
+                        <a:latin typeface="Times New Roman" panose="02020603050405020304" pitchFamily="18" charset="0"/>
+                        <a:cs typeface="Times New Roman" panose="02020603050405020304" pitchFamily="18" charset="0"/>
+                      </a:endParaRPr>
+                    </a:p>
+                  </a:txBody>
+                  <a:tcPr marL="0" marR="0" marT="0" marB="0" anchor="b"/>
+                </a:tc>
+                <a:tc>
+                  <a:txBody>
+                    <a:bodyPr/>
+                    <a:lstStyle/>
+                    <a:p>
+                      <a:pPr algn="ctr" fontAlgn="b"/>
+                      <a:r>
+                        <a:rPr lang="en-US" sz="1100" u="none" strike="noStrike" dirty="0">
+                          <a:effectLst/>
+                          <a:latin typeface="Times New Roman" panose="02020603050405020304" pitchFamily="18" charset="0"/>
+                          <a:cs typeface="Times New Roman" panose="02020603050405020304" pitchFamily="18" charset="0"/>
+                        </a:rPr>
+                        <a:t>MFG</a:t>
+                      </a:r>
+                      <a:endParaRPr lang="en-US" sz="1100" b="1" i="0" u="none" strike="noStrike" dirty="0">
+                        <a:solidFill>
+                          <a:srgbClr val="000000"/>
+                        </a:solidFill>
+                        <a:effectLst/>
+                        <a:latin typeface="Times New Roman" panose="02020603050405020304" pitchFamily="18" charset="0"/>
+                        <a:cs typeface="Times New Roman" panose="02020603050405020304" pitchFamily="18" charset="0"/>
+                      </a:endParaRPr>
+                    </a:p>
+                  </a:txBody>
+                  <a:tcPr marL="0" marR="0" marT="0" marB="0" anchor="b"/>
+                </a:tc>
+                <a:extLst>
+                  <a:ext uri="{0D108BD9-81ED-4DB2-BD59-A6C34878D82A}">
+                    <a16:rowId xmlns:a16="http://schemas.microsoft.com/office/drawing/2014/main" val="2952413943"/>
+                  </a:ext>
+                </a:extLst>
+              </a:tr>
+              <a:tr h="194162">
+                <a:tc>
+                  <a:txBody>
+                    <a:bodyPr/>
+                    <a:lstStyle/>
+                    <a:p>
+                      <a:pPr algn="ctr" fontAlgn="b"/>
+                      <a:r>
+                        <a:rPr lang="en-US" sz="1100" u="none" strike="noStrike" dirty="0">
+                          <a:effectLst/>
+                          <a:latin typeface="Times New Roman" panose="02020603050405020304" pitchFamily="18" charset="0"/>
+                          <a:cs typeface="Times New Roman" panose="02020603050405020304" pitchFamily="18" charset="0"/>
+                        </a:rPr>
+                        <a:t>Geodesic</a:t>
+                      </a:r>
+                      <a:endParaRPr lang="en-US" sz="1100" b="1" i="0" u="none" strike="noStrike" dirty="0">
+                        <a:solidFill>
+                          <a:srgbClr val="000000"/>
+                        </a:solidFill>
+                        <a:effectLst/>
+                        <a:latin typeface="Times New Roman" panose="02020603050405020304" pitchFamily="18" charset="0"/>
+                        <a:cs typeface="Times New Roman" panose="02020603050405020304" pitchFamily="18" charset="0"/>
+                      </a:endParaRPr>
+                    </a:p>
+                  </a:txBody>
+                  <a:tcPr marL="0" marR="0" marT="0" marB="0" anchor="b"/>
+                </a:tc>
+                <a:tc>
+                  <a:txBody>
+                    <a:bodyPr/>
+                    <a:lstStyle/>
+                    <a:p>
+                      <a:pPr algn="ctr" fontAlgn="b"/>
+                      <a:r>
+                        <a:rPr lang="en-US" sz="1100" u="none" strike="noStrike" dirty="0">
+                          <a:solidFill>
+                            <a:srgbClr val="FF0000"/>
+                          </a:solidFill>
+                          <a:effectLst/>
+                          <a:latin typeface="Times New Roman" panose="02020603050405020304" pitchFamily="18" charset="0"/>
+                          <a:cs typeface="Times New Roman" panose="02020603050405020304" pitchFamily="18" charset="0"/>
+                        </a:rPr>
+                        <a:t>0.7901</a:t>
+                      </a:r>
+                      <a:endParaRPr lang="en-US" sz="1100" b="0" i="0" u="none" strike="noStrike" dirty="0">
+                        <a:solidFill>
+                          <a:srgbClr val="FF0000"/>
+                        </a:solidFill>
+                        <a:effectLst/>
+                        <a:latin typeface="Times New Roman" panose="02020603050405020304" pitchFamily="18" charset="0"/>
+                        <a:cs typeface="Times New Roman" panose="02020603050405020304" pitchFamily="18" charset="0"/>
+                      </a:endParaRPr>
+                    </a:p>
+                  </a:txBody>
+                  <a:tcPr marL="0" marR="0" marT="0" marB="0" anchor="b"/>
+                </a:tc>
+                <a:tc>
+                  <a:txBody>
+                    <a:bodyPr/>
+                    <a:lstStyle/>
+                    <a:p>
+                      <a:pPr algn="ctr" fontAlgn="b"/>
+                      <a:r>
+                        <a:rPr lang="en-US" sz="1100" u="none" strike="noStrike" dirty="0">
+                          <a:solidFill>
+                            <a:srgbClr val="FF0000"/>
+                          </a:solidFill>
+                          <a:effectLst/>
+                          <a:latin typeface="Times New Roman" panose="02020603050405020304" pitchFamily="18" charset="0"/>
+                          <a:cs typeface="Times New Roman" panose="02020603050405020304" pitchFamily="18" charset="0"/>
+                        </a:rPr>
+                        <a:t>0.6130</a:t>
+                      </a:r>
+                      <a:endParaRPr lang="en-US" sz="1100" b="0" i="0" u="none" strike="noStrike" dirty="0">
+                        <a:solidFill>
+                          <a:srgbClr val="FF0000"/>
+                        </a:solidFill>
+                        <a:effectLst/>
+                        <a:latin typeface="Times New Roman" panose="02020603050405020304" pitchFamily="18" charset="0"/>
+                        <a:cs typeface="Times New Roman" panose="02020603050405020304" pitchFamily="18" charset="0"/>
+                      </a:endParaRPr>
+                    </a:p>
+                  </a:txBody>
+                  <a:tcPr marL="0" marR="0" marT="0" marB="0" anchor="b"/>
+                </a:tc>
+                <a:tc>
+                  <a:txBody>
+                    <a:bodyPr/>
+                    <a:lstStyle/>
+                    <a:p>
+                      <a:pPr algn="ctr" fontAlgn="b"/>
+                      <a:r>
+                        <a:rPr lang="en-US" sz="1100" u="none" strike="noStrike" dirty="0">
+                          <a:solidFill>
+                            <a:srgbClr val="FF0000"/>
+                          </a:solidFill>
+                          <a:effectLst/>
+                          <a:latin typeface="Times New Roman" panose="02020603050405020304" pitchFamily="18" charset="0"/>
+                          <a:cs typeface="Times New Roman" panose="02020603050405020304" pitchFamily="18" charset="0"/>
+                        </a:rPr>
+                        <a:t>0.8037</a:t>
+                      </a:r>
+                      <a:endParaRPr lang="en-US" sz="1100" b="0" i="0" u="none" strike="noStrike" dirty="0">
+                        <a:solidFill>
+                          <a:srgbClr val="FF0000"/>
+                        </a:solidFill>
+                        <a:effectLst/>
+                        <a:latin typeface="Times New Roman" panose="02020603050405020304" pitchFamily="18" charset="0"/>
+                        <a:cs typeface="Times New Roman" panose="02020603050405020304" pitchFamily="18" charset="0"/>
+                      </a:endParaRPr>
+                    </a:p>
+                  </a:txBody>
+                  <a:tcPr marL="0" marR="0" marT="0" marB="0" anchor="b"/>
+                </a:tc>
+                <a:tc>
+                  <a:txBody>
+                    <a:bodyPr/>
+                    <a:lstStyle/>
+                    <a:p>
+                      <a:pPr algn="ctr" fontAlgn="b"/>
+                      <a:r>
+                        <a:rPr lang="en-US" sz="1100" u="none" strike="noStrike" dirty="0">
+                          <a:solidFill>
+                            <a:srgbClr val="FF0000"/>
+                          </a:solidFill>
+                          <a:effectLst/>
+                          <a:latin typeface="Times New Roman" panose="02020603050405020304" pitchFamily="18" charset="0"/>
+                          <a:cs typeface="Times New Roman" panose="02020603050405020304" pitchFamily="18" charset="0"/>
+                        </a:rPr>
+                        <a:t>0.8740</a:t>
+                      </a:r>
+                      <a:endParaRPr lang="en-US" sz="1100" b="0" i="0" u="none" strike="noStrike" dirty="0">
+                        <a:solidFill>
+                          <a:srgbClr val="FF0000"/>
+                        </a:solidFill>
+                        <a:effectLst/>
+                        <a:latin typeface="Times New Roman" panose="02020603050405020304" pitchFamily="18" charset="0"/>
+                        <a:cs typeface="Times New Roman" panose="02020603050405020304" pitchFamily="18" charset="0"/>
+                      </a:endParaRPr>
+                    </a:p>
+                  </a:txBody>
+                  <a:tcPr marL="0" marR="0" marT="0" marB="0" anchor="b"/>
+                </a:tc>
+                <a:tc>
+                  <a:txBody>
+                    <a:bodyPr/>
+                    <a:lstStyle/>
+                    <a:p>
+                      <a:pPr algn="ctr" fontAlgn="b"/>
+                      <a:r>
+                        <a:rPr lang="en-US" sz="1100" u="none" strike="noStrike" dirty="0">
+                          <a:effectLst/>
+                          <a:latin typeface="Times New Roman" panose="02020603050405020304" pitchFamily="18" charset="0"/>
+                          <a:cs typeface="Times New Roman" panose="02020603050405020304" pitchFamily="18" charset="0"/>
+                        </a:rPr>
+                        <a:t>0.7714</a:t>
+                      </a:r>
+                      <a:endParaRPr lang="en-US" sz="1100" b="0" i="0" u="none" strike="noStrike" dirty="0">
+                        <a:solidFill>
+                          <a:srgbClr val="000000"/>
+                        </a:solidFill>
+                        <a:effectLst/>
+                        <a:latin typeface="Times New Roman" panose="02020603050405020304" pitchFamily="18" charset="0"/>
+                        <a:cs typeface="Times New Roman" panose="02020603050405020304" pitchFamily="18" charset="0"/>
+                      </a:endParaRPr>
+                    </a:p>
+                  </a:txBody>
+                  <a:tcPr marL="0" marR="0" marT="0" marB="0" anchor="b"/>
+                </a:tc>
+                <a:tc>
+                  <a:txBody>
+                    <a:bodyPr/>
+                    <a:lstStyle/>
+                    <a:p>
+                      <a:pPr algn="ctr" fontAlgn="b"/>
+                      <a:r>
+                        <a:rPr lang="en-US" sz="1100" u="none" strike="noStrike" dirty="0">
+                          <a:solidFill>
+                            <a:srgbClr val="FF0000"/>
+                          </a:solidFill>
+                          <a:effectLst/>
+                          <a:latin typeface="Times New Roman" panose="02020603050405020304" pitchFamily="18" charset="0"/>
+                          <a:cs typeface="Times New Roman" panose="02020603050405020304" pitchFamily="18" charset="0"/>
+                        </a:rPr>
+                        <a:t>0.8954</a:t>
+                      </a:r>
+                      <a:endParaRPr lang="en-US" sz="1100" b="0" i="0" u="none" strike="noStrike" dirty="0">
+                        <a:solidFill>
+                          <a:srgbClr val="FF0000"/>
+                        </a:solidFill>
+                        <a:effectLst/>
+                        <a:latin typeface="Times New Roman" panose="02020603050405020304" pitchFamily="18" charset="0"/>
+                        <a:cs typeface="Times New Roman" panose="02020603050405020304" pitchFamily="18" charset="0"/>
+                      </a:endParaRPr>
+                    </a:p>
+                  </a:txBody>
+                  <a:tcPr marL="0" marR="0" marT="0" marB="0" anchor="b"/>
+                </a:tc>
+                <a:extLst>
+                  <a:ext uri="{0D108BD9-81ED-4DB2-BD59-A6C34878D82A}">
+                    <a16:rowId xmlns:a16="http://schemas.microsoft.com/office/drawing/2014/main" val="3353724999"/>
+                  </a:ext>
+                </a:extLst>
+              </a:tr>
+              <a:tr h="194162">
+                <a:tc>
+                  <a:txBody>
+                    <a:bodyPr/>
+                    <a:lstStyle/>
+                    <a:p>
+                      <a:pPr algn="l" fontAlgn="b"/>
+                      <a:r>
+                        <a:rPr lang="en-US" sz="1100" u="none" strike="noStrike" dirty="0">
+                          <a:effectLst/>
+                          <a:latin typeface="Times New Roman" panose="02020603050405020304" pitchFamily="18" charset="0"/>
+                          <a:cs typeface="Times New Roman" panose="02020603050405020304" pitchFamily="18" charset="0"/>
+                        </a:rPr>
+                        <a:t> Euclidean</a:t>
+                      </a:r>
+                      <a:endParaRPr lang="en-US" sz="1100" b="0" i="0" u="none" strike="noStrike" dirty="0">
+                        <a:solidFill>
+                          <a:srgbClr val="000000"/>
+                        </a:solidFill>
+                        <a:effectLst/>
+                        <a:latin typeface="Times New Roman" panose="02020603050405020304" pitchFamily="18" charset="0"/>
+                        <a:cs typeface="Times New Roman" panose="02020603050405020304" pitchFamily="18" charset="0"/>
+                      </a:endParaRPr>
+                    </a:p>
+                  </a:txBody>
+                  <a:tcPr marL="0" marR="0" marT="0" marB="0"/>
+                </a:tc>
+                <a:tc>
+                  <a:txBody>
+                    <a:bodyPr/>
+                    <a:lstStyle/>
+                    <a:p>
+                      <a:pPr algn="ctr" fontAlgn="b"/>
+                      <a:r>
+                        <a:rPr lang="en-US" sz="1100" u="none" strike="noStrike" dirty="0">
+                          <a:effectLst/>
+                          <a:latin typeface="Times New Roman" panose="02020603050405020304" pitchFamily="18" charset="0"/>
+                          <a:cs typeface="Times New Roman" panose="02020603050405020304" pitchFamily="18" charset="0"/>
+                        </a:rPr>
+                        <a:t>0.7751</a:t>
+                      </a:r>
+                      <a:endParaRPr lang="en-US" sz="1100" b="0" i="0" u="none" strike="noStrike" dirty="0">
+                        <a:solidFill>
+                          <a:srgbClr val="000000"/>
+                        </a:solidFill>
+                        <a:effectLst/>
+                        <a:latin typeface="Times New Roman" panose="02020603050405020304" pitchFamily="18" charset="0"/>
+                        <a:cs typeface="Times New Roman" panose="02020603050405020304" pitchFamily="18" charset="0"/>
+                      </a:endParaRPr>
+                    </a:p>
+                  </a:txBody>
+                  <a:tcPr marL="0" marR="0" marT="0" marB="0" anchor="b"/>
+                </a:tc>
+                <a:tc>
+                  <a:txBody>
+                    <a:bodyPr/>
+                    <a:lstStyle/>
+                    <a:p>
+                      <a:pPr algn="ctr" fontAlgn="b"/>
+                      <a:r>
+                        <a:rPr lang="en-US" sz="1100" u="none" strike="noStrike" dirty="0">
+                          <a:effectLst/>
+                          <a:latin typeface="Times New Roman" panose="02020603050405020304" pitchFamily="18" charset="0"/>
+                          <a:cs typeface="Times New Roman" panose="02020603050405020304" pitchFamily="18" charset="0"/>
+                        </a:rPr>
+                        <a:t>0.5639</a:t>
+                      </a:r>
+                      <a:endParaRPr lang="en-US" sz="1100" b="0" i="0" u="none" strike="noStrike" dirty="0">
+                        <a:solidFill>
+                          <a:srgbClr val="000000"/>
+                        </a:solidFill>
+                        <a:effectLst/>
+                        <a:latin typeface="Times New Roman" panose="02020603050405020304" pitchFamily="18" charset="0"/>
+                        <a:cs typeface="Times New Roman" panose="02020603050405020304" pitchFamily="18" charset="0"/>
+                      </a:endParaRPr>
+                    </a:p>
+                  </a:txBody>
+                  <a:tcPr marL="0" marR="0" marT="0" marB="0" anchor="b"/>
+                </a:tc>
+                <a:tc>
+                  <a:txBody>
+                    <a:bodyPr/>
+                    <a:lstStyle/>
+                    <a:p>
+                      <a:pPr algn="ctr" fontAlgn="b"/>
+                      <a:r>
+                        <a:rPr lang="en-US" sz="1100" u="none" strike="noStrike" dirty="0">
+                          <a:effectLst/>
+                          <a:latin typeface="Times New Roman" panose="02020603050405020304" pitchFamily="18" charset="0"/>
+                          <a:cs typeface="Times New Roman" panose="02020603050405020304" pitchFamily="18" charset="0"/>
+                        </a:rPr>
+                        <a:t>0.7564</a:t>
+                      </a:r>
+                      <a:endParaRPr lang="en-US" sz="1100" b="0" i="0" u="none" strike="noStrike" dirty="0">
+                        <a:solidFill>
+                          <a:srgbClr val="000000"/>
+                        </a:solidFill>
+                        <a:effectLst/>
+                        <a:latin typeface="Times New Roman" panose="02020603050405020304" pitchFamily="18" charset="0"/>
+                        <a:cs typeface="Times New Roman" panose="02020603050405020304" pitchFamily="18" charset="0"/>
+                      </a:endParaRPr>
+                    </a:p>
+                  </a:txBody>
+                  <a:tcPr marL="0" marR="0" marT="0" marB="0" anchor="b"/>
+                </a:tc>
+                <a:tc>
+                  <a:txBody>
+                    <a:bodyPr/>
+                    <a:lstStyle/>
+                    <a:p>
+                      <a:pPr algn="ctr" fontAlgn="b"/>
+                      <a:r>
+                        <a:rPr lang="en-US" sz="1100" u="none" strike="noStrike" dirty="0">
+                          <a:effectLst/>
+                          <a:latin typeface="Times New Roman" panose="02020603050405020304" pitchFamily="18" charset="0"/>
+                          <a:cs typeface="Times New Roman" panose="02020603050405020304" pitchFamily="18" charset="0"/>
+                        </a:rPr>
+                        <a:t>0.8664</a:t>
+                      </a:r>
+                      <a:endParaRPr lang="en-US" sz="1100" b="0" i="0" u="none" strike="noStrike" dirty="0">
+                        <a:solidFill>
+                          <a:srgbClr val="000000"/>
+                        </a:solidFill>
+                        <a:effectLst/>
+                        <a:latin typeface="Times New Roman" panose="02020603050405020304" pitchFamily="18" charset="0"/>
+                        <a:cs typeface="Times New Roman" panose="02020603050405020304" pitchFamily="18" charset="0"/>
+                      </a:endParaRPr>
+                    </a:p>
+                  </a:txBody>
+                  <a:tcPr marL="0" marR="0" marT="0" marB="0" anchor="b"/>
+                </a:tc>
+                <a:tc>
+                  <a:txBody>
+                    <a:bodyPr/>
+                    <a:lstStyle/>
+                    <a:p>
+                      <a:pPr algn="ctr" fontAlgn="b"/>
+                      <a:r>
+                        <a:rPr lang="en-US" sz="1100" u="none" strike="noStrike" dirty="0">
+                          <a:effectLst/>
+                          <a:latin typeface="Times New Roman" panose="02020603050405020304" pitchFamily="18" charset="0"/>
+                          <a:cs typeface="Times New Roman" panose="02020603050405020304" pitchFamily="18" charset="0"/>
+                        </a:rPr>
+                        <a:t>0.7618</a:t>
+                      </a:r>
+                      <a:endParaRPr lang="en-US" sz="1100" b="0" i="0" u="none" strike="noStrike" dirty="0">
+                        <a:solidFill>
+                          <a:srgbClr val="000000"/>
+                        </a:solidFill>
+                        <a:effectLst/>
+                        <a:latin typeface="Times New Roman" panose="02020603050405020304" pitchFamily="18" charset="0"/>
+                        <a:cs typeface="Times New Roman" panose="02020603050405020304" pitchFamily="18" charset="0"/>
+                      </a:endParaRPr>
+                    </a:p>
+                  </a:txBody>
+                  <a:tcPr marL="0" marR="0" marT="0" marB="0" anchor="b"/>
+                </a:tc>
+                <a:tc>
+                  <a:txBody>
+                    <a:bodyPr/>
+                    <a:lstStyle/>
+                    <a:p>
+                      <a:pPr algn="ctr" fontAlgn="b"/>
+                      <a:r>
+                        <a:rPr lang="en-US" sz="1100" u="none" strike="noStrike" dirty="0">
+                          <a:effectLst/>
+                          <a:latin typeface="Times New Roman" panose="02020603050405020304" pitchFamily="18" charset="0"/>
+                          <a:cs typeface="Times New Roman" panose="02020603050405020304" pitchFamily="18" charset="0"/>
+                        </a:rPr>
+                        <a:t>0.8736</a:t>
+                      </a:r>
+                      <a:endParaRPr lang="en-US" sz="1100" b="0" i="0" u="none" strike="noStrike" dirty="0">
+                        <a:solidFill>
+                          <a:srgbClr val="000000"/>
+                        </a:solidFill>
+                        <a:effectLst/>
+                        <a:latin typeface="Times New Roman" panose="02020603050405020304" pitchFamily="18" charset="0"/>
+                        <a:cs typeface="Times New Roman" panose="02020603050405020304" pitchFamily="18" charset="0"/>
+                      </a:endParaRPr>
+                    </a:p>
+                  </a:txBody>
+                  <a:tcPr marL="0" marR="0" marT="0" marB="0" anchor="b"/>
+                </a:tc>
+                <a:extLst>
+                  <a:ext uri="{0D108BD9-81ED-4DB2-BD59-A6C34878D82A}">
+                    <a16:rowId xmlns:a16="http://schemas.microsoft.com/office/drawing/2014/main" val="3068418972"/>
+                  </a:ext>
+                </a:extLst>
+              </a:tr>
+              <a:tr h="194162">
+                <a:tc>
+                  <a:txBody>
+                    <a:bodyPr/>
+                    <a:lstStyle/>
+                    <a:p>
+                      <a:pPr algn="ctr" fontAlgn="b"/>
+                      <a:r>
+                        <a:rPr lang="en-US" sz="1100" u="none" strike="noStrike" dirty="0" err="1">
+                          <a:effectLst/>
+                          <a:latin typeface="Times New Roman" panose="02020603050405020304" pitchFamily="18" charset="0"/>
+                          <a:cs typeface="Times New Roman" panose="02020603050405020304" pitchFamily="18" charset="0"/>
+                        </a:rPr>
+                        <a:t>Exp</a:t>
+                      </a:r>
+                      <a:r>
+                        <a:rPr lang="en-US" sz="1100" u="none" strike="noStrike" baseline="0" dirty="0">
+                          <a:effectLst/>
+                          <a:latin typeface="Times New Roman" panose="02020603050405020304" pitchFamily="18" charset="0"/>
+                          <a:cs typeface="Times New Roman" panose="02020603050405020304" pitchFamily="18" charset="0"/>
+                        </a:rPr>
+                        <a:t> Ker</a:t>
+                      </a:r>
+                      <a:endParaRPr lang="en-US" sz="1100" b="1" i="0" u="none" strike="noStrike" dirty="0">
+                        <a:solidFill>
+                          <a:srgbClr val="000000"/>
+                        </a:solidFill>
+                        <a:effectLst/>
+                        <a:latin typeface="Times New Roman" panose="02020603050405020304" pitchFamily="18" charset="0"/>
+                        <a:cs typeface="Times New Roman" panose="02020603050405020304" pitchFamily="18" charset="0"/>
+                      </a:endParaRPr>
+                    </a:p>
+                  </a:txBody>
+                  <a:tcPr marL="0" marR="0" marT="0" marB="0" anchor="b"/>
+                </a:tc>
+                <a:tc>
+                  <a:txBody>
+                    <a:bodyPr/>
+                    <a:lstStyle/>
+                    <a:p>
+                      <a:pPr algn="ctr" fontAlgn="b"/>
+                      <a:r>
+                        <a:rPr lang="en-US" sz="1100" u="none" strike="noStrike" dirty="0">
+                          <a:effectLst/>
+                          <a:latin typeface="Times New Roman" panose="02020603050405020304" pitchFamily="18" charset="0"/>
+                          <a:cs typeface="Times New Roman" panose="02020603050405020304" pitchFamily="18" charset="0"/>
+                        </a:rPr>
+                        <a:t>0.7783</a:t>
+                      </a:r>
+                      <a:endParaRPr lang="en-US" sz="1100" b="0" i="0" u="none" strike="noStrike" dirty="0">
+                        <a:solidFill>
+                          <a:srgbClr val="000000"/>
+                        </a:solidFill>
+                        <a:effectLst/>
+                        <a:latin typeface="Times New Roman" panose="02020603050405020304" pitchFamily="18" charset="0"/>
+                        <a:cs typeface="Times New Roman" panose="02020603050405020304" pitchFamily="18" charset="0"/>
+                      </a:endParaRPr>
+                    </a:p>
+                  </a:txBody>
+                  <a:tcPr marL="0" marR="0" marT="0" marB="0" anchor="b"/>
+                </a:tc>
+                <a:tc>
+                  <a:txBody>
+                    <a:bodyPr/>
+                    <a:lstStyle/>
+                    <a:p>
+                      <a:pPr algn="ctr" fontAlgn="b"/>
+                      <a:r>
+                        <a:rPr lang="en-US" sz="1100" u="none" strike="noStrike" dirty="0">
+                          <a:effectLst/>
+                          <a:latin typeface="Times New Roman" panose="02020603050405020304" pitchFamily="18" charset="0"/>
+                          <a:cs typeface="Times New Roman" panose="02020603050405020304" pitchFamily="18" charset="0"/>
+                        </a:rPr>
+                        <a:t>0.5841</a:t>
+                      </a:r>
+                      <a:endParaRPr lang="en-US" sz="1100" b="0" i="0" u="none" strike="noStrike" dirty="0">
+                        <a:solidFill>
+                          <a:srgbClr val="000000"/>
+                        </a:solidFill>
+                        <a:effectLst/>
+                        <a:latin typeface="Times New Roman" panose="02020603050405020304" pitchFamily="18" charset="0"/>
+                        <a:cs typeface="Times New Roman" panose="02020603050405020304" pitchFamily="18" charset="0"/>
+                      </a:endParaRPr>
+                    </a:p>
+                  </a:txBody>
+                  <a:tcPr marL="0" marR="0" marT="0" marB="0" anchor="b"/>
+                </a:tc>
+                <a:tc>
+                  <a:txBody>
+                    <a:bodyPr/>
+                    <a:lstStyle/>
+                    <a:p>
+                      <a:pPr algn="ctr" fontAlgn="b"/>
+                      <a:r>
+                        <a:rPr lang="en-US" sz="1100" u="none" strike="noStrike" dirty="0">
+                          <a:effectLst/>
+                          <a:latin typeface="Times New Roman" panose="02020603050405020304" pitchFamily="18" charset="0"/>
+                          <a:cs typeface="Times New Roman" panose="02020603050405020304" pitchFamily="18" charset="0"/>
+                        </a:rPr>
+                        <a:t>0.7772</a:t>
+                      </a:r>
+                      <a:endParaRPr lang="en-US" sz="1100" b="0" i="0" u="none" strike="noStrike" dirty="0">
+                        <a:solidFill>
+                          <a:srgbClr val="000000"/>
+                        </a:solidFill>
+                        <a:effectLst/>
+                        <a:latin typeface="Times New Roman" panose="02020603050405020304" pitchFamily="18" charset="0"/>
+                        <a:cs typeface="Times New Roman" panose="02020603050405020304" pitchFamily="18" charset="0"/>
+                      </a:endParaRPr>
+                    </a:p>
+                  </a:txBody>
+                  <a:tcPr marL="0" marR="0" marT="0" marB="0" anchor="b"/>
+                </a:tc>
+                <a:tc>
+                  <a:txBody>
+                    <a:bodyPr/>
+                    <a:lstStyle/>
+                    <a:p>
+                      <a:pPr algn="ctr" fontAlgn="b"/>
+                      <a:r>
+                        <a:rPr lang="en-US" sz="1100" u="none" strike="noStrike" dirty="0">
+                          <a:effectLst/>
+                          <a:latin typeface="Times New Roman" panose="02020603050405020304" pitchFamily="18" charset="0"/>
+                          <a:cs typeface="Times New Roman" panose="02020603050405020304" pitchFamily="18" charset="0"/>
+                        </a:rPr>
+                        <a:t>0.8726</a:t>
+                      </a:r>
+                      <a:endParaRPr lang="en-US" sz="1100" b="0" i="0" u="none" strike="noStrike" dirty="0">
+                        <a:solidFill>
+                          <a:srgbClr val="000000"/>
+                        </a:solidFill>
+                        <a:effectLst/>
+                        <a:latin typeface="Times New Roman" panose="02020603050405020304" pitchFamily="18" charset="0"/>
+                        <a:cs typeface="Times New Roman" panose="02020603050405020304" pitchFamily="18" charset="0"/>
+                      </a:endParaRPr>
+                    </a:p>
+                  </a:txBody>
+                  <a:tcPr marL="0" marR="0" marT="0" marB="0" anchor="b"/>
+                </a:tc>
+                <a:tc>
+                  <a:txBody>
+                    <a:bodyPr/>
+                    <a:lstStyle/>
+                    <a:p>
+                      <a:pPr algn="ctr" fontAlgn="b"/>
+                      <a:r>
+                        <a:rPr lang="en-US" sz="1100" u="none" strike="noStrike" dirty="0">
+                          <a:solidFill>
+                            <a:srgbClr val="FF0000"/>
+                          </a:solidFill>
+                          <a:effectLst/>
+                          <a:latin typeface="Times New Roman" panose="02020603050405020304" pitchFamily="18" charset="0"/>
+                          <a:cs typeface="Times New Roman" panose="02020603050405020304" pitchFamily="18" charset="0"/>
+                        </a:rPr>
+                        <a:t>0.7782</a:t>
+                      </a:r>
+                      <a:endParaRPr lang="en-US" sz="1100" b="0" i="0" u="none" strike="noStrike" dirty="0">
+                        <a:solidFill>
+                          <a:srgbClr val="FF0000"/>
+                        </a:solidFill>
+                        <a:effectLst/>
+                        <a:latin typeface="Times New Roman" panose="02020603050405020304" pitchFamily="18" charset="0"/>
+                        <a:cs typeface="Times New Roman" panose="02020603050405020304" pitchFamily="18" charset="0"/>
+                      </a:endParaRPr>
+                    </a:p>
+                  </a:txBody>
+                  <a:tcPr marL="0" marR="0" marT="0" marB="0" anchor="b"/>
+                </a:tc>
+                <a:tc>
+                  <a:txBody>
+                    <a:bodyPr/>
+                    <a:lstStyle/>
+                    <a:p>
+                      <a:pPr algn="ctr" fontAlgn="b"/>
+                      <a:r>
+                        <a:rPr lang="en-US" sz="1100" u="none" strike="noStrike" dirty="0">
+                          <a:effectLst/>
+                          <a:latin typeface="Times New Roman" panose="02020603050405020304" pitchFamily="18" charset="0"/>
+                          <a:cs typeface="Times New Roman" panose="02020603050405020304" pitchFamily="18" charset="0"/>
+                        </a:rPr>
+                        <a:t>0.8880</a:t>
+                      </a:r>
+                      <a:endParaRPr lang="en-US" sz="1100" b="0" i="0" u="none" strike="noStrike" dirty="0">
+                        <a:solidFill>
+                          <a:srgbClr val="000000"/>
+                        </a:solidFill>
+                        <a:effectLst/>
+                        <a:latin typeface="Times New Roman" panose="02020603050405020304" pitchFamily="18" charset="0"/>
+                        <a:cs typeface="Times New Roman" panose="02020603050405020304" pitchFamily="18" charset="0"/>
+                      </a:endParaRPr>
+                    </a:p>
+                  </a:txBody>
+                  <a:tcPr marL="0" marR="0" marT="0" marB="0" anchor="b"/>
+                </a:tc>
+                <a:extLst>
+                  <a:ext uri="{0D108BD9-81ED-4DB2-BD59-A6C34878D82A}">
+                    <a16:rowId xmlns:a16="http://schemas.microsoft.com/office/drawing/2014/main" val="1425259477"/>
+                  </a:ext>
+                </a:extLst>
+              </a:tr>
+              <a:tr h="194162">
+                <a:tc>
+                  <a:txBody>
+                    <a:bodyPr/>
+                    <a:lstStyle/>
+                    <a:p>
+                      <a:pPr algn="ctr" fontAlgn="b"/>
+                      <a:r>
+                        <a:rPr lang="en-US" sz="1100" u="none" strike="noStrike" dirty="0">
+                          <a:effectLst/>
+                          <a:latin typeface="Times New Roman" panose="02020603050405020304" pitchFamily="18" charset="0"/>
+                          <a:cs typeface="Times New Roman" panose="02020603050405020304" pitchFamily="18" charset="0"/>
+                        </a:rPr>
+                        <a:t>Fun Conn</a:t>
+                      </a:r>
+                      <a:endParaRPr lang="en-US" sz="1100" b="1" i="0" u="none" strike="noStrike" dirty="0">
+                        <a:solidFill>
+                          <a:srgbClr val="000000"/>
+                        </a:solidFill>
+                        <a:effectLst/>
+                        <a:latin typeface="Times New Roman" panose="02020603050405020304" pitchFamily="18" charset="0"/>
+                        <a:cs typeface="Times New Roman" panose="02020603050405020304" pitchFamily="18" charset="0"/>
+                      </a:endParaRPr>
+                    </a:p>
+                  </a:txBody>
+                  <a:tcPr marL="0" marR="0" marT="0" marB="0" anchor="b"/>
+                </a:tc>
+                <a:tc>
+                  <a:txBody>
+                    <a:bodyPr/>
+                    <a:lstStyle/>
+                    <a:p>
+                      <a:pPr algn="ctr" fontAlgn="b"/>
+                      <a:r>
+                        <a:rPr lang="en-US" sz="1100" u="none" strike="noStrike" dirty="0">
+                          <a:effectLst/>
+                          <a:latin typeface="Times New Roman" panose="02020603050405020304" pitchFamily="18" charset="0"/>
+                          <a:cs typeface="Times New Roman" panose="02020603050405020304" pitchFamily="18" charset="0"/>
+                        </a:rPr>
+                        <a:t>0.6478</a:t>
+                      </a:r>
+                      <a:endParaRPr lang="en-US" sz="1100" b="0" i="0" u="none" strike="noStrike" dirty="0">
+                        <a:solidFill>
+                          <a:srgbClr val="000000"/>
+                        </a:solidFill>
+                        <a:effectLst/>
+                        <a:latin typeface="Times New Roman" panose="02020603050405020304" pitchFamily="18" charset="0"/>
+                        <a:cs typeface="Times New Roman" panose="02020603050405020304" pitchFamily="18" charset="0"/>
+                      </a:endParaRPr>
+                    </a:p>
+                  </a:txBody>
+                  <a:tcPr marL="0" marR="0" marT="0" marB="0" anchor="b"/>
+                </a:tc>
+                <a:tc>
+                  <a:txBody>
+                    <a:bodyPr/>
+                    <a:lstStyle/>
+                    <a:p>
+                      <a:pPr algn="ctr" fontAlgn="b"/>
+                      <a:r>
+                        <a:rPr lang="en-US" sz="1100" u="none" strike="noStrike" dirty="0">
+                          <a:effectLst/>
+                          <a:latin typeface="Times New Roman" panose="02020603050405020304" pitchFamily="18" charset="0"/>
+                          <a:cs typeface="Times New Roman" panose="02020603050405020304" pitchFamily="18" charset="0"/>
+                        </a:rPr>
+                        <a:t>0.2984</a:t>
+                      </a:r>
+                      <a:endParaRPr lang="en-US" sz="1100" b="0" i="0" u="none" strike="noStrike" dirty="0">
+                        <a:solidFill>
+                          <a:srgbClr val="000000"/>
+                        </a:solidFill>
+                        <a:effectLst/>
+                        <a:latin typeface="Times New Roman" panose="02020603050405020304" pitchFamily="18" charset="0"/>
+                        <a:cs typeface="Times New Roman" panose="02020603050405020304" pitchFamily="18" charset="0"/>
+                      </a:endParaRPr>
+                    </a:p>
+                  </a:txBody>
+                  <a:tcPr marL="0" marR="0" marT="0" marB="0" anchor="b"/>
+                </a:tc>
+                <a:tc>
+                  <a:txBody>
+                    <a:bodyPr/>
+                    <a:lstStyle/>
+                    <a:p>
+                      <a:pPr algn="ctr" fontAlgn="b"/>
+                      <a:r>
+                        <a:rPr lang="en-US" sz="1100" u="none" strike="noStrike" dirty="0">
+                          <a:effectLst/>
+                          <a:latin typeface="Times New Roman" panose="02020603050405020304" pitchFamily="18" charset="0"/>
+                          <a:cs typeface="Times New Roman" panose="02020603050405020304" pitchFamily="18" charset="0"/>
+                        </a:rPr>
+                        <a:t>0.6279</a:t>
+                      </a:r>
+                      <a:endParaRPr lang="en-US" sz="1100" b="0" i="0" u="none" strike="noStrike" dirty="0">
+                        <a:solidFill>
+                          <a:srgbClr val="000000"/>
+                        </a:solidFill>
+                        <a:effectLst/>
+                        <a:latin typeface="Times New Roman" panose="02020603050405020304" pitchFamily="18" charset="0"/>
+                        <a:cs typeface="Times New Roman" panose="02020603050405020304" pitchFamily="18" charset="0"/>
+                      </a:endParaRPr>
+                    </a:p>
+                  </a:txBody>
+                  <a:tcPr marL="0" marR="0" marT="0" marB="0" anchor="b"/>
+                </a:tc>
+                <a:tc>
+                  <a:txBody>
+                    <a:bodyPr/>
+                    <a:lstStyle/>
+                    <a:p>
+                      <a:pPr algn="ctr" fontAlgn="b"/>
+                      <a:r>
+                        <a:rPr lang="en-US" sz="1100" u="none" strike="noStrike" dirty="0">
+                          <a:effectLst/>
+                          <a:latin typeface="Times New Roman" panose="02020603050405020304" pitchFamily="18" charset="0"/>
+                          <a:cs typeface="Times New Roman" panose="02020603050405020304" pitchFamily="18" charset="0"/>
+                        </a:rPr>
+                        <a:t>0.7561</a:t>
+                      </a:r>
+                      <a:endParaRPr lang="en-US" sz="1100" b="0" i="0" u="none" strike="noStrike" dirty="0">
+                        <a:solidFill>
+                          <a:srgbClr val="000000"/>
+                        </a:solidFill>
+                        <a:effectLst/>
+                        <a:latin typeface="Times New Roman" panose="02020603050405020304" pitchFamily="18" charset="0"/>
+                        <a:cs typeface="Times New Roman" panose="02020603050405020304" pitchFamily="18" charset="0"/>
+                      </a:endParaRPr>
+                    </a:p>
+                  </a:txBody>
+                  <a:tcPr marL="0" marR="0" marT="0" marB="0" anchor="b"/>
+                </a:tc>
+                <a:tc>
+                  <a:txBody>
+                    <a:bodyPr/>
+                    <a:lstStyle/>
+                    <a:p>
+                      <a:pPr algn="ctr" fontAlgn="b"/>
+                      <a:r>
+                        <a:rPr lang="en-US" sz="1100" u="none" strike="noStrike" dirty="0">
+                          <a:effectLst/>
+                          <a:latin typeface="Times New Roman" panose="02020603050405020304" pitchFamily="18" charset="0"/>
+                          <a:cs typeface="Times New Roman" panose="02020603050405020304" pitchFamily="18" charset="0"/>
+                        </a:rPr>
+                        <a:t>0.6427</a:t>
+                      </a:r>
+                      <a:endParaRPr lang="en-US" sz="1100" b="0" i="0" u="none" strike="noStrike" dirty="0">
+                        <a:solidFill>
+                          <a:srgbClr val="000000"/>
+                        </a:solidFill>
+                        <a:effectLst/>
+                        <a:latin typeface="Times New Roman" panose="02020603050405020304" pitchFamily="18" charset="0"/>
+                        <a:cs typeface="Times New Roman" panose="02020603050405020304" pitchFamily="18" charset="0"/>
+                      </a:endParaRPr>
+                    </a:p>
+                  </a:txBody>
+                  <a:tcPr marL="0" marR="0" marT="0" marB="0" anchor="b"/>
+                </a:tc>
+                <a:tc>
+                  <a:txBody>
+                    <a:bodyPr/>
+                    <a:lstStyle/>
+                    <a:p>
+                      <a:pPr algn="ctr" fontAlgn="b"/>
+                      <a:r>
+                        <a:rPr lang="en-US" sz="1100" u="none" strike="noStrike" dirty="0">
+                          <a:effectLst/>
+                          <a:latin typeface="Times New Roman" panose="02020603050405020304" pitchFamily="18" charset="0"/>
+                          <a:cs typeface="Times New Roman" panose="02020603050405020304" pitchFamily="18" charset="0"/>
+                        </a:rPr>
+                        <a:t>0.7528</a:t>
+                      </a:r>
+                      <a:endParaRPr lang="en-US" sz="1100" b="0" i="0" u="none" strike="noStrike" dirty="0">
+                        <a:solidFill>
+                          <a:srgbClr val="000000"/>
+                        </a:solidFill>
+                        <a:effectLst/>
+                        <a:latin typeface="Times New Roman" panose="02020603050405020304" pitchFamily="18" charset="0"/>
+                        <a:cs typeface="Times New Roman" panose="02020603050405020304" pitchFamily="18" charset="0"/>
+                      </a:endParaRPr>
+                    </a:p>
+                  </a:txBody>
+                  <a:tcPr marL="0" marR="0" marT="0" marB="0" anchor="b"/>
+                </a:tc>
+                <a:extLst>
+                  <a:ext uri="{0D108BD9-81ED-4DB2-BD59-A6C34878D82A}">
+                    <a16:rowId xmlns:a16="http://schemas.microsoft.com/office/drawing/2014/main" val="2944680689"/>
+                  </a:ext>
+                </a:extLst>
+              </a:tr>
+            </a:tbl>
+          </a:graphicData>
+        </a:graphic>
+      </p:graphicFrame>
+      <p:graphicFrame>
+        <p:nvGraphicFramePr>
+          <p:cNvPr id="5" name="Table 4"/>
+          <p:cNvGraphicFramePr>
+            <a:graphicFrameLocks noGrp="1"/>
+          </p:cNvGraphicFramePr>
+          <p:nvPr>
+            <p:extLst>
+              <p:ext uri="{D42A27DB-BD31-4B8C-83A1-F6EECF244321}">
+                <p14:modId xmlns:p14="http://schemas.microsoft.com/office/powerpoint/2010/main" val="2812225642"/>
+              </p:ext>
+            </p:extLst>
+          </p:nvPr>
+        </p:nvGraphicFramePr>
+        <p:xfrm>
+          <a:off x="3304940" y="369331"/>
+          <a:ext cx="2514600" cy="1164972"/>
+        </p:xfrm>
+        <a:graphic>
+          <a:graphicData uri="http://schemas.openxmlformats.org/drawingml/2006/table">
+            <a:tbl>
+              <a:tblPr>
+                <a:tableStyleId>{616DA210-FB5B-4158-B5E0-FEB733F419BA}</a:tableStyleId>
+              </a:tblPr>
+              <a:tblGrid>
+                <a:gridCol w="419100">
+                  <a:extLst>
+                    <a:ext uri="{9D8B030D-6E8A-4147-A177-3AD203B41FA5}">
+                      <a16:colId xmlns:a16="http://schemas.microsoft.com/office/drawing/2014/main" val="1795574344"/>
+                    </a:ext>
+                  </a:extLst>
+                </a:gridCol>
+                <a:gridCol w="419100">
+                  <a:extLst>
+                    <a:ext uri="{9D8B030D-6E8A-4147-A177-3AD203B41FA5}">
+                      <a16:colId xmlns:a16="http://schemas.microsoft.com/office/drawing/2014/main" val="3229255292"/>
+                    </a:ext>
+                  </a:extLst>
+                </a:gridCol>
+                <a:gridCol w="419100">
+                  <a:extLst>
+                    <a:ext uri="{9D8B030D-6E8A-4147-A177-3AD203B41FA5}">
+                      <a16:colId xmlns:a16="http://schemas.microsoft.com/office/drawing/2014/main" val="93836132"/>
+                    </a:ext>
+                  </a:extLst>
+                </a:gridCol>
+                <a:gridCol w="419100">
+                  <a:extLst>
+                    <a:ext uri="{9D8B030D-6E8A-4147-A177-3AD203B41FA5}">
+                      <a16:colId xmlns:a16="http://schemas.microsoft.com/office/drawing/2014/main" val="454724856"/>
+                    </a:ext>
+                  </a:extLst>
+                </a:gridCol>
+                <a:gridCol w="419100">
+                  <a:extLst>
+                    <a:ext uri="{9D8B030D-6E8A-4147-A177-3AD203B41FA5}">
+                      <a16:colId xmlns:a16="http://schemas.microsoft.com/office/drawing/2014/main" val="1668938615"/>
+                    </a:ext>
+                  </a:extLst>
+                </a:gridCol>
+                <a:gridCol w="419100">
+                  <a:extLst>
+                    <a:ext uri="{9D8B030D-6E8A-4147-A177-3AD203B41FA5}">
+                      <a16:colId xmlns:a16="http://schemas.microsoft.com/office/drawing/2014/main" val="3870426133"/>
+                    </a:ext>
+                  </a:extLst>
+                </a:gridCol>
+              </a:tblGrid>
+              <a:tr h="194162">
+                <a:tc gridSpan="3">
+                  <a:txBody>
+                    <a:bodyPr/>
+                    <a:lstStyle/>
+                    <a:p>
+                      <a:pPr algn="ctr" fontAlgn="b"/>
+                      <a:r>
+                        <a:rPr lang="en-US" sz="1100" u="none" strike="noStrike" dirty="0">
+                          <a:effectLst/>
+                          <a:latin typeface="Times New Roman" panose="02020603050405020304" pitchFamily="18" charset="0"/>
+                          <a:cs typeface="Times New Roman" panose="02020603050405020304" pitchFamily="18" charset="0"/>
+                        </a:rPr>
+                        <a:t>Across Subjects</a:t>
+                      </a:r>
+                      <a:endParaRPr lang="en-US" sz="1100" b="0" i="0" u="none" strike="noStrike" dirty="0">
+                        <a:solidFill>
+                          <a:srgbClr val="000000"/>
+                        </a:solidFill>
+                        <a:effectLst/>
+                        <a:latin typeface="Times New Roman" panose="02020603050405020304" pitchFamily="18" charset="0"/>
+                        <a:cs typeface="Times New Roman" panose="02020603050405020304" pitchFamily="18" charset="0"/>
+                      </a:endParaRPr>
+                    </a:p>
+                  </a:txBody>
+                  <a:tcPr marL="0" marR="0" marT="0" marB="0" anchor="b"/>
+                </a:tc>
+                <a:tc hMerge="1">
+                  <a:txBody>
+                    <a:bodyPr/>
+                    <a:lstStyle/>
+                    <a:p>
+                      <a:endParaRPr lang="en-US"/>
+                    </a:p>
+                  </a:txBody>
+                  <a:tcPr/>
+                </a:tc>
+                <a:tc hMerge="1">
+                  <a:txBody>
+                    <a:bodyPr/>
+                    <a:lstStyle/>
+                    <a:p>
+                      <a:endParaRPr lang="en-US"/>
+                    </a:p>
+                  </a:txBody>
+                  <a:tcPr/>
+                </a:tc>
+                <a:tc gridSpan="3">
+                  <a:txBody>
+                    <a:bodyPr/>
+                    <a:lstStyle/>
+                    <a:p>
+                      <a:pPr algn="ctr" fontAlgn="b"/>
+                      <a:r>
+                        <a:rPr lang="en-US" sz="1100" u="none" strike="noStrike" dirty="0">
+                          <a:effectLst/>
+                          <a:latin typeface="Times New Roman" panose="02020603050405020304" pitchFamily="18" charset="0"/>
+                          <a:cs typeface="Times New Roman" panose="02020603050405020304" pitchFamily="18" charset="0"/>
+                        </a:rPr>
+                        <a:t>Across Sessions</a:t>
+                      </a:r>
+                      <a:endParaRPr lang="en-US" sz="1100" b="0" i="0" u="none" strike="noStrike" dirty="0">
+                        <a:solidFill>
+                          <a:srgbClr val="000000"/>
+                        </a:solidFill>
+                        <a:effectLst/>
+                        <a:latin typeface="Times New Roman" panose="02020603050405020304" pitchFamily="18" charset="0"/>
+                        <a:cs typeface="Times New Roman" panose="02020603050405020304" pitchFamily="18" charset="0"/>
+                      </a:endParaRPr>
+                    </a:p>
+                  </a:txBody>
+                  <a:tcPr marL="0" marR="0" marT="0" marB="0" anchor="b"/>
+                </a:tc>
+                <a:tc hMerge="1">
+                  <a:txBody>
+                    <a:bodyPr/>
+                    <a:lstStyle/>
+                    <a:p>
+                      <a:endParaRPr lang="en-US"/>
+                    </a:p>
+                  </a:txBody>
+                  <a:tcPr/>
+                </a:tc>
+                <a:tc hMerge="1">
+                  <a:txBody>
+                    <a:bodyPr/>
+                    <a:lstStyle/>
+                    <a:p>
+                      <a:endParaRPr lang="en-US"/>
+                    </a:p>
+                  </a:txBody>
+                  <a:tcPr/>
+                </a:tc>
+                <a:extLst>
+                  <a:ext uri="{0D108BD9-81ED-4DB2-BD59-A6C34878D82A}">
+                    <a16:rowId xmlns:a16="http://schemas.microsoft.com/office/drawing/2014/main" val="1281324877"/>
+                  </a:ext>
+                </a:extLst>
+              </a:tr>
+              <a:tr h="194162">
+                <a:tc>
+                  <a:txBody>
+                    <a:bodyPr/>
+                    <a:lstStyle/>
+                    <a:p>
+                      <a:pPr algn="ctr" fontAlgn="b"/>
+                      <a:r>
+                        <a:rPr lang="en-US" sz="1100" u="none" strike="noStrike" dirty="0">
+                          <a:effectLst/>
+                          <a:latin typeface="Times New Roman" panose="02020603050405020304" pitchFamily="18" charset="0"/>
+                          <a:cs typeface="Times New Roman" panose="02020603050405020304" pitchFamily="18" charset="0"/>
+                        </a:rPr>
+                        <a:t>PRE</a:t>
+                      </a:r>
+                      <a:endParaRPr lang="en-US" sz="1100" b="1" i="0" u="none" strike="noStrike" dirty="0">
+                        <a:solidFill>
+                          <a:srgbClr val="000000"/>
+                        </a:solidFill>
+                        <a:effectLst/>
+                        <a:latin typeface="Times New Roman" panose="02020603050405020304" pitchFamily="18" charset="0"/>
+                        <a:cs typeface="Times New Roman" panose="02020603050405020304" pitchFamily="18" charset="0"/>
+                      </a:endParaRPr>
+                    </a:p>
+                  </a:txBody>
+                  <a:tcPr marL="0" marR="0" marT="0" marB="0" anchor="b"/>
+                </a:tc>
+                <a:tc>
+                  <a:txBody>
+                    <a:bodyPr/>
+                    <a:lstStyle/>
+                    <a:p>
+                      <a:pPr algn="ctr" fontAlgn="b"/>
+                      <a:r>
+                        <a:rPr lang="en-US" sz="1100" u="none" strike="noStrike" dirty="0">
+                          <a:effectLst/>
+                          <a:latin typeface="Times New Roman" panose="02020603050405020304" pitchFamily="18" charset="0"/>
+                          <a:cs typeface="Times New Roman" panose="02020603050405020304" pitchFamily="18" charset="0"/>
+                        </a:rPr>
+                        <a:t>MTG</a:t>
+                      </a:r>
+                      <a:endParaRPr lang="en-US" sz="1100" b="1" i="0" u="none" strike="noStrike" dirty="0">
+                        <a:solidFill>
+                          <a:srgbClr val="000000"/>
+                        </a:solidFill>
+                        <a:effectLst/>
+                        <a:latin typeface="Times New Roman" panose="02020603050405020304" pitchFamily="18" charset="0"/>
+                        <a:cs typeface="Times New Roman" panose="02020603050405020304" pitchFamily="18" charset="0"/>
+                      </a:endParaRPr>
+                    </a:p>
+                  </a:txBody>
+                  <a:tcPr marL="0" marR="0" marT="0" marB="0" anchor="b"/>
+                </a:tc>
+                <a:tc>
+                  <a:txBody>
+                    <a:bodyPr/>
+                    <a:lstStyle/>
+                    <a:p>
+                      <a:pPr algn="ctr" fontAlgn="b"/>
+                      <a:r>
+                        <a:rPr lang="en-US" sz="1100" u="none" strike="noStrike" dirty="0">
+                          <a:effectLst/>
+                          <a:latin typeface="Times New Roman" panose="02020603050405020304" pitchFamily="18" charset="0"/>
+                          <a:cs typeface="Times New Roman" panose="02020603050405020304" pitchFamily="18" charset="0"/>
+                        </a:rPr>
+                        <a:t>MFG</a:t>
+                      </a:r>
+                      <a:endParaRPr lang="en-US" sz="1100" b="1" i="0" u="none" strike="noStrike" dirty="0">
+                        <a:solidFill>
+                          <a:srgbClr val="000000"/>
+                        </a:solidFill>
+                        <a:effectLst/>
+                        <a:latin typeface="Times New Roman" panose="02020603050405020304" pitchFamily="18" charset="0"/>
+                        <a:cs typeface="Times New Roman" panose="02020603050405020304" pitchFamily="18" charset="0"/>
+                      </a:endParaRPr>
+                    </a:p>
+                  </a:txBody>
+                  <a:tcPr marL="0" marR="0" marT="0" marB="0" anchor="b"/>
+                </a:tc>
+                <a:tc>
+                  <a:txBody>
+                    <a:bodyPr/>
+                    <a:lstStyle/>
+                    <a:p>
+                      <a:pPr algn="ctr" fontAlgn="b"/>
+                      <a:r>
+                        <a:rPr lang="en-US" sz="1100" u="none" strike="noStrike" dirty="0">
+                          <a:effectLst/>
+                          <a:latin typeface="Times New Roman" panose="02020603050405020304" pitchFamily="18" charset="0"/>
+                          <a:cs typeface="Times New Roman" panose="02020603050405020304" pitchFamily="18" charset="0"/>
+                        </a:rPr>
+                        <a:t>PRE</a:t>
+                      </a:r>
+                      <a:endParaRPr lang="en-US" sz="1100" b="1" i="0" u="none" strike="noStrike" dirty="0">
+                        <a:solidFill>
+                          <a:srgbClr val="000000"/>
+                        </a:solidFill>
+                        <a:effectLst/>
+                        <a:latin typeface="Times New Roman" panose="02020603050405020304" pitchFamily="18" charset="0"/>
+                        <a:cs typeface="Times New Roman" panose="02020603050405020304" pitchFamily="18" charset="0"/>
+                      </a:endParaRPr>
+                    </a:p>
+                  </a:txBody>
+                  <a:tcPr marL="0" marR="0" marT="0" marB="0" anchor="b"/>
+                </a:tc>
+                <a:tc>
+                  <a:txBody>
+                    <a:bodyPr/>
+                    <a:lstStyle/>
+                    <a:p>
+                      <a:pPr algn="ctr" fontAlgn="b"/>
+                      <a:r>
+                        <a:rPr lang="en-US" sz="1100" u="none" strike="noStrike">
+                          <a:effectLst/>
+                          <a:latin typeface="Times New Roman" panose="02020603050405020304" pitchFamily="18" charset="0"/>
+                          <a:cs typeface="Times New Roman" panose="02020603050405020304" pitchFamily="18" charset="0"/>
+                        </a:rPr>
+                        <a:t>MTG</a:t>
+                      </a:r>
+                      <a:endParaRPr lang="en-US" sz="1100" b="1" i="0" u="none" strike="noStrike">
+                        <a:solidFill>
+                          <a:srgbClr val="000000"/>
+                        </a:solidFill>
+                        <a:effectLst/>
+                        <a:latin typeface="Times New Roman" panose="02020603050405020304" pitchFamily="18" charset="0"/>
+                        <a:cs typeface="Times New Roman" panose="02020603050405020304" pitchFamily="18" charset="0"/>
+                      </a:endParaRPr>
+                    </a:p>
+                  </a:txBody>
+                  <a:tcPr marL="0" marR="0" marT="0" marB="0" anchor="b"/>
+                </a:tc>
+                <a:tc>
+                  <a:txBody>
+                    <a:bodyPr/>
+                    <a:lstStyle/>
+                    <a:p>
+                      <a:pPr algn="ctr" fontAlgn="b"/>
+                      <a:r>
+                        <a:rPr lang="en-US" sz="1100" u="none" strike="noStrike" dirty="0">
+                          <a:effectLst/>
+                          <a:latin typeface="Times New Roman" panose="02020603050405020304" pitchFamily="18" charset="0"/>
+                          <a:cs typeface="Times New Roman" panose="02020603050405020304" pitchFamily="18" charset="0"/>
+                        </a:rPr>
+                        <a:t>MFG</a:t>
+                      </a:r>
+                      <a:endParaRPr lang="en-US" sz="1100" b="1" i="0" u="none" strike="noStrike" dirty="0">
+                        <a:solidFill>
+                          <a:srgbClr val="000000"/>
+                        </a:solidFill>
+                        <a:effectLst/>
+                        <a:latin typeface="Times New Roman" panose="02020603050405020304" pitchFamily="18" charset="0"/>
+                        <a:cs typeface="Times New Roman" panose="02020603050405020304" pitchFamily="18" charset="0"/>
+                      </a:endParaRPr>
+                    </a:p>
+                  </a:txBody>
+                  <a:tcPr marL="0" marR="0" marT="0" marB="0" anchor="b"/>
+                </a:tc>
+                <a:extLst>
+                  <a:ext uri="{0D108BD9-81ED-4DB2-BD59-A6C34878D82A}">
+                    <a16:rowId xmlns:a16="http://schemas.microsoft.com/office/drawing/2014/main" val="2736478541"/>
+                  </a:ext>
+                </a:extLst>
+              </a:tr>
+              <a:tr h="194162">
+                <a:tc>
+                  <a:txBody>
+                    <a:bodyPr/>
+                    <a:lstStyle/>
+                    <a:p>
+                      <a:pPr algn="ctr" fontAlgn="b"/>
+                      <a:r>
+                        <a:rPr lang="en-US" sz="1100" u="none" strike="noStrike" dirty="0">
+                          <a:solidFill>
+                            <a:srgbClr val="FF0000"/>
+                          </a:solidFill>
+                          <a:effectLst/>
+                          <a:latin typeface="Times New Roman" panose="02020603050405020304" pitchFamily="18" charset="0"/>
+                          <a:cs typeface="Times New Roman" panose="02020603050405020304" pitchFamily="18" charset="0"/>
+                        </a:rPr>
+                        <a:t>0.8986</a:t>
+                      </a:r>
+                      <a:endParaRPr lang="en-US" sz="1100" b="0" i="0" u="none" strike="noStrike" dirty="0">
+                        <a:solidFill>
+                          <a:srgbClr val="FF0000"/>
+                        </a:solidFill>
+                        <a:effectLst/>
+                        <a:latin typeface="Times New Roman" panose="02020603050405020304" pitchFamily="18" charset="0"/>
+                        <a:cs typeface="Times New Roman" panose="02020603050405020304" pitchFamily="18" charset="0"/>
+                      </a:endParaRPr>
+                    </a:p>
+                  </a:txBody>
+                  <a:tcPr marL="0" marR="0" marT="0" marB="0" anchor="b"/>
+                </a:tc>
+                <a:tc>
+                  <a:txBody>
+                    <a:bodyPr/>
+                    <a:lstStyle/>
+                    <a:p>
+                      <a:pPr algn="ctr" fontAlgn="b"/>
+                      <a:r>
+                        <a:rPr lang="en-US" sz="1100" b="0" i="0" u="none" strike="noStrike" dirty="0">
+                          <a:solidFill>
+                            <a:srgbClr val="FF0000"/>
+                          </a:solidFill>
+                          <a:effectLst/>
+                          <a:latin typeface="Times New Roman" panose="02020603050405020304" pitchFamily="18" charset="0"/>
+                          <a:cs typeface="Times New Roman" panose="02020603050405020304" pitchFamily="18" charset="0"/>
+                        </a:rPr>
+                        <a:t>0.9090</a:t>
+                      </a:r>
+                    </a:p>
+                  </a:txBody>
+                  <a:tcPr marL="0" marR="0" marT="0" marB="0" anchor="b"/>
+                </a:tc>
+                <a:tc>
+                  <a:txBody>
+                    <a:bodyPr/>
+                    <a:lstStyle/>
+                    <a:p>
+                      <a:pPr algn="ctr" fontAlgn="b"/>
+                      <a:r>
+                        <a:rPr lang="en-US" sz="1100" b="0" i="0" u="none" strike="noStrike" dirty="0">
+                          <a:solidFill>
+                            <a:srgbClr val="FF0000"/>
+                          </a:solidFill>
+                          <a:effectLst/>
+                          <a:latin typeface="Times New Roman" panose="02020603050405020304" pitchFamily="18" charset="0"/>
+                          <a:cs typeface="Times New Roman" panose="02020603050405020304" pitchFamily="18" charset="0"/>
+                        </a:rPr>
+                        <a:t>0.9257</a:t>
+                      </a:r>
+                    </a:p>
+                  </a:txBody>
+                  <a:tcPr marL="0" marR="0" marT="0" marB="0" anchor="b"/>
+                </a:tc>
+                <a:tc>
+                  <a:txBody>
+                    <a:bodyPr/>
+                    <a:lstStyle/>
+                    <a:p>
+                      <a:pPr algn="ctr" fontAlgn="b"/>
+                      <a:r>
+                        <a:rPr lang="en-US" sz="1100" u="none" strike="noStrike" dirty="0">
+                          <a:solidFill>
+                            <a:srgbClr val="FF0000"/>
+                          </a:solidFill>
+                          <a:effectLst/>
+                          <a:latin typeface="Times New Roman" panose="02020603050405020304" pitchFamily="18" charset="0"/>
+                          <a:cs typeface="Times New Roman" panose="02020603050405020304" pitchFamily="18" charset="0"/>
+                        </a:rPr>
+                        <a:t>0.9429</a:t>
+                      </a:r>
+                      <a:endParaRPr lang="en-US" sz="1100" b="0" i="0" u="none" strike="noStrike" dirty="0">
+                        <a:solidFill>
+                          <a:srgbClr val="FF0000"/>
+                        </a:solidFill>
+                        <a:effectLst/>
+                        <a:latin typeface="Times New Roman" panose="02020603050405020304" pitchFamily="18" charset="0"/>
+                        <a:cs typeface="Times New Roman" panose="02020603050405020304" pitchFamily="18" charset="0"/>
+                      </a:endParaRPr>
+                    </a:p>
+                  </a:txBody>
+                  <a:tcPr marL="0" marR="0" marT="0" marB="0" anchor="b"/>
+                </a:tc>
+                <a:tc>
+                  <a:txBody>
+                    <a:bodyPr/>
+                    <a:lstStyle/>
+                    <a:p>
+                      <a:pPr algn="ctr" fontAlgn="b"/>
+                      <a:r>
+                        <a:rPr lang="en-US" sz="1100" b="0" i="0" u="none" strike="noStrike" dirty="0">
+                          <a:solidFill>
+                            <a:srgbClr val="FF0000"/>
+                          </a:solidFill>
+                          <a:effectLst/>
+                          <a:latin typeface="Times New Roman" panose="02020603050405020304" pitchFamily="18" charset="0"/>
+                          <a:cs typeface="Times New Roman" panose="02020603050405020304" pitchFamily="18" charset="0"/>
+                        </a:rPr>
+                        <a:t>0.9473</a:t>
+                      </a:r>
+                    </a:p>
+                  </a:txBody>
+                  <a:tcPr marL="0" marR="0" marT="0" marB="0" anchor="b"/>
+                </a:tc>
+                <a:tc>
+                  <a:txBody>
+                    <a:bodyPr/>
+                    <a:lstStyle/>
+                    <a:p>
+                      <a:pPr algn="ctr" fontAlgn="b"/>
+                      <a:r>
+                        <a:rPr lang="en-US" sz="1100" b="0" i="0" u="none" strike="noStrike" dirty="0">
+                          <a:solidFill>
+                            <a:srgbClr val="FF0000"/>
+                          </a:solidFill>
+                          <a:effectLst/>
+                          <a:latin typeface="Times New Roman" panose="02020603050405020304" pitchFamily="18" charset="0"/>
+                          <a:cs typeface="Times New Roman" panose="02020603050405020304" pitchFamily="18" charset="0"/>
+                        </a:rPr>
+                        <a:t>0.9613</a:t>
+                      </a:r>
+                    </a:p>
+                  </a:txBody>
+                  <a:tcPr marL="0" marR="0" marT="0" marB="0" anchor="b"/>
+                </a:tc>
+                <a:extLst>
+                  <a:ext uri="{0D108BD9-81ED-4DB2-BD59-A6C34878D82A}">
+                    <a16:rowId xmlns:a16="http://schemas.microsoft.com/office/drawing/2014/main" val="2015474771"/>
+                  </a:ext>
+                </a:extLst>
+              </a:tr>
+              <a:tr h="194162">
+                <a:tc>
+                  <a:txBody>
+                    <a:bodyPr/>
+                    <a:lstStyle/>
+                    <a:p>
+                      <a:pPr algn="ctr" fontAlgn="b"/>
+                      <a:r>
+                        <a:rPr lang="en-US" sz="1100" b="0" i="0" u="none" strike="noStrike" dirty="0">
+                          <a:solidFill>
+                            <a:srgbClr val="000000"/>
+                          </a:solidFill>
+                          <a:effectLst/>
+                          <a:latin typeface="Times New Roman" panose="02020603050405020304" pitchFamily="18" charset="0"/>
+                          <a:cs typeface="Times New Roman" panose="02020603050405020304" pitchFamily="18" charset="0"/>
+                        </a:rPr>
+                        <a:t>0.8834</a:t>
+                      </a:r>
+                    </a:p>
+                  </a:txBody>
+                  <a:tcPr marL="0" marR="0" marT="0" marB="0" anchor="b"/>
+                </a:tc>
+                <a:tc>
+                  <a:txBody>
+                    <a:bodyPr/>
+                    <a:lstStyle/>
+                    <a:p>
+                      <a:pPr algn="ctr" fontAlgn="b"/>
+                      <a:r>
+                        <a:rPr lang="en-US" sz="1100" b="0" i="0" u="none" strike="noStrike" dirty="0">
+                          <a:solidFill>
+                            <a:srgbClr val="000000"/>
+                          </a:solidFill>
+                          <a:effectLst/>
+                          <a:latin typeface="Times New Roman" panose="02020603050405020304" pitchFamily="18" charset="0"/>
+                          <a:cs typeface="Times New Roman" panose="02020603050405020304" pitchFamily="18" charset="0"/>
+                        </a:rPr>
+                        <a:t>0.8940</a:t>
+                      </a:r>
+                    </a:p>
+                  </a:txBody>
+                  <a:tcPr marL="0" marR="0" marT="0" marB="0" anchor="b"/>
+                </a:tc>
+                <a:tc>
+                  <a:txBody>
+                    <a:bodyPr/>
+                    <a:lstStyle/>
+                    <a:p>
+                      <a:pPr algn="ctr" fontAlgn="b"/>
+                      <a:r>
+                        <a:rPr lang="en-US" sz="1100" u="none" strike="noStrike" dirty="0">
+                          <a:effectLst/>
+                          <a:latin typeface="Times New Roman" panose="02020603050405020304" pitchFamily="18" charset="0"/>
+                          <a:cs typeface="Times New Roman" panose="02020603050405020304" pitchFamily="18" charset="0"/>
+                        </a:rPr>
+                        <a:t>0.8978</a:t>
+                      </a:r>
+                      <a:endParaRPr lang="en-US" sz="1100" b="0" i="0" u="none" strike="noStrike" dirty="0">
+                        <a:solidFill>
+                          <a:srgbClr val="000000"/>
+                        </a:solidFill>
+                        <a:effectLst/>
+                        <a:latin typeface="Times New Roman" panose="02020603050405020304" pitchFamily="18" charset="0"/>
+                        <a:cs typeface="Times New Roman" panose="02020603050405020304" pitchFamily="18" charset="0"/>
+                      </a:endParaRPr>
+                    </a:p>
+                  </a:txBody>
+                  <a:tcPr marL="0" marR="0" marT="0" marB="0" anchor="b"/>
+                </a:tc>
+                <a:tc>
+                  <a:txBody>
+                    <a:bodyPr/>
+                    <a:lstStyle/>
+                    <a:p>
+                      <a:pPr algn="ctr" fontAlgn="b"/>
+                      <a:r>
+                        <a:rPr lang="en-US" sz="1100" u="none" strike="noStrike" dirty="0">
+                          <a:effectLst/>
+                          <a:latin typeface="Times New Roman" panose="02020603050405020304" pitchFamily="18" charset="0"/>
+                          <a:cs typeface="Times New Roman" panose="02020603050405020304" pitchFamily="18" charset="0"/>
+                        </a:rPr>
+                        <a:t>0.9332</a:t>
+                      </a:r>
+                      <a:endParaRPr lang="en-US" sz="1100" b="0" i="0" u="none" strike="noStrike" dirty="0">
+                        <a:solidFill>
+                          <a:srgbClr val="000000"/>
+                        </a:solidFill>
+                        <a:effectLst/>
+                        <a:latin typeface="Times New Roman" panose="02020603050405020304" pitchFamily="18" charset="0"/>
+                        <a:cs typeface="Times New Roman" panose="02020603050405020304" pitchFamily="18" charset="0"/>
+                      </a:endParaRPr>
+                    </a:p>
+                  </a:txBody>
+                  <a:tcPr marL="0" marR="0" marT="0" marB="0" anchor="b"/>
+                </a:tc>
+                <a:tc>
+                  <a:txBody>
+                    <a:bodyPr/>
+                    <a:lstStyle/>
+                    <a:p>
+                      <a:pPr algn="ctr" fontAlgn="b"/>
+                      <a:r>
+                        <a:rPr lang="en-US" sz="1100" b="0" i="0" u="none" strike="noStrike" dirty="0">
+                          <a:solidFill>
+                            <a:srgbClr val="000000"/>
+                          </a:solidFill>
+                          <a:effectLst/>
+                          <a:latin typeface="Times New Roman" panose="02020603050405020304" pitchFamily="18" charset="0"/>
+                          <a:cs typeface="Times New Roman" panose="02020603050405020304" pitchFamily="18" charset="0"/>
+                        </a:rPr>
+                        <a:t>0.9403</a:t>
+                      </a:r>
+                    </a:p>
+                  </a:txBody>
+                  <a:tcPr marL="0" marR="0" marT="0" marB="0" anchor="b"/>
+                </a:tc>
+                <a:tc>
+                  <a:txBody>
+                    <a:bodyPr/>
+                    <a:lstStyle/>
+                    <a:p>
+                      <a:pPr algn="ctr" fontAlgn="b"/>
+                      <a:r>
+                        <a:rPr lang="en-US" sz="1100" b="0" i="0" u="none" strike="noStrike" dirty="0">
+                          <a:solidFill>
+                            <a:srgbClr val="000000"/>
+                          </a:solidFill>
+                          <a:effectLst/>
+                          <a:latin typeface="Times New Roman" panose="02020603050405020304" pitchFamily="18" charset="0"/>
+                          <a:cs typeface="Times New Roman" panose="02020603050405020304" pitchFamily="18" charset="0"/>
+                        </a:rPr>
+                        <a:t>0.9483</a:t>
+                      </a:r>
+                    </a:p>
+                  </a:txBody>
+                  <a:tcPr marL="0" marR="0" marT="0" marB="0" anchor="b"/>
+                </a:tc>
+                <a:extLst>
+                  <a:ext uri="{0D108BD9-81ED-4DB2-BD59-A6C34878D82A}">
+                    <a16:rowId xmlns:a16="http://schemas.microsoft.com/office/drawing/2014/main" val="1584494603"/>
+                  </a:ext>
+                </a:extLst>
+              </a:tr>
+              <a:tr h="194162">
+                <a:tc>
+                  <a:txBody>
+                    <a:bodyPr/>
+                    <a:lstStyle/>
+                    <a:p>
+                      <a:pPr algn="ctr" fontAlgn="b"/>
+                      <a:r>
+                        <a:rPr lang="en-US" sz="1100" u="none" strike="noStrike" dirty="0">
+                          <a:effectLst/>
+                          <a:latin typeface="Times New Roman" panose="02020603050405020304" pitchFamily="18" charset="0"/>
+                          <a:cs typeface="Times New Roman" panose="02020603050405020304" pitchFamily="18" charset="0"/>
+                        </a:rPr>
+                        <a:t>0.8754</a:t>
+                      </a:r>
+                      <a:endParaRPr lang="en-US" sz="1100" b="0" i="0" u="none" strike="noStrike" dirty="0">
+                        <a:solidFill>
+                          <a:srgbClr val="000000"/>
+                        </a:solidFill>
+                        <a:effectLst/>
+                        <a:latin typeface="Times New Roman" panose="02020603050405020304" pitchFamily="18" charset="0"/>
+                        <a:cs typeface="Times New Roman" panose="02020603050405020304" pitchFamily="18" charset="0"/>
+                      </a:endParaRPr>
+                    </a:p>
+                  </a:txBody>
+                  <a:tcPr marL="0" marR="0" marT="0" marB="0" anchor="b"/>
+                </a:tc>
+                <a:tc>
+                  <a:txBody>
+                    <a:bodyPr/>
+                    <a:lstStyle/>
+                    <a:p>
+                      <a:pPr algn="ctr" fontAlgn="b"/>
+                      <a:r>
+                        <a:rPr lang="en-US" sz="1100" b="0" i="0" u="none" strike="noStrike" dirty="0">
+                          <a:solidFill>
+                            <a:srgbClr val="000000"/>
+                          </a:solidFill>
+                          <a:effectLst/>
+                          <a:latin typeface="Times New Roman" panose="02020603050405020304" pitchFamily="18" charset="0"/>
+                          <a:cs typeface="Times New Roman" panose="02020603050405020304" pitchFamily="18" charset="0"/>
+                        </a:rPr>
+                        <a:t>0.8863</a:t>
+                      </a:r>
+                    </a:p>
+                  </a:txBody>
+                  <a:tcPr marL="0" marR="0" marT="0" marB="0" anchor="b"/>
+                </a:tc>
+                <a:tc>
+                  <a:txBody>
+                    <a:bodyPr/>
+                    <a:lstStyle/>
+                    <a:p>
+                      <a:pPr algn="ctr" fontAlgn="b"/>
+                      <a:r>
+                        <a:rPr lang="en-US" sz="1100" b="0" i="0" u="none" strike="noStrike" dirty="0">
+                          <a:solidFill>
+                            <a:srgbClr val="000000"/>
+                          </a:solidFill>
+                          <a:effectLst/>
+                          <a:latin typeface="Times New Roman" panose="02020603050405020304" pitchFamily="18" charset="0"/>
+                          <a:cs typeface="Times New Roman" panose="02020603050405020304" pitchFamily="18" charset="0"/>
+                        </a:rPr>
+                        <a:t>0.8666</a:t>
+                      </a:r>
+                    </a:p>
+                  </a:txBody>
+                  <a:tcPr marL="0" marR="0" marT="0" marB="0" anchor="b"/>
+                </a:tc>
+                <a:tc>
+                  <a:txBody>
+                    <a:bodyPr/>
+                    <a:lstStyle/>
+                    <a:p>
+                      <a:pPr algn="ctr" fontAlgn="b"/>
+                      <a:r>
+                        <a:rPr lang="en-US" sz="1100" u="none" strike="noStrike" dirty="0">
+                          <a:effectLst/>
+                          <a:latin typeface="Times New Roman" panose="02020603050405020304" pitchFamily="18" charset="0"/>
+                          <a:cs typeface="Times New Roman" panose="02020603050405020304" pitchFamily="18" charset="0"/>
+                        </a:rPr>
+                        <a:t>0.9280</a:t>
+                      </a:r>
+                      <a:endParaRPr lang="en-US" sz="1100" b="0" i="0" u="none" strike="noStrike" dirty="0">
+                        <a:solidFill>
+                          <a:srgbClr val="000000"/>
+                        </a:solidFill>
+                        <a:effectLst/>
+                        <a:latin typeface="Times New Roman" panose="02020603050405020304" pitchFamily="18" charset="0"/>
+                        <a:cs typeface="Times New Roman" panose="02020603050405020304" pitchFamily="18" charset="0"/>
+                      </a:endParaRPr>
+                    </a:p>
+                  </a:txBody>
+                  <a:tcPr marL="0" marR="0" marT="0" marB="0" anchor="b"/>
+                </a:tc>
+                <a:tc>
+                  <a:txBody>
+                    <a:bodyPr/>
+                    <a:lstStyle/>
+                    <a:p>
+                      <a:pPr algn="ctr" fontAlgn="b"/>
+                      <a:r>
+                        <a:rPr lang="en-US" sz="1100" b="0" i="0" u="none" strike="noStrike" dirty="0">
+                          <a:solidFill>
+                            <a:srgbClr val="000000"/>
+                          </a:solidFill>
+                          <a:effectLst/>
+                          <a:latin typeface="Times New Roman" panose="02020603050405020304" pitchFamily="18" charset="0"/>
+                          <a:cs typeface="Times New Roman" panose="02020603050405020304" pitchFamily="18" charset="0"/>
+                        </a:rPr>
+                        <a:t>0.9380</a:t>
+                      </a:r>
+                    </a:p>
+                  </a:txBody>
+                  <a:tcPr marL="0" marR="0" marT="0" marB="0" anchor="b"/>
+                </a:tc>
+                <a:tc>
+                  <a:txBody>
+                    <a:bodyPr/>
+                    <a:lstStyle/>
+                    <a:p>
+                      <a:pPr algn="ctr" fontAlgn="b"/>
+                      <a:r>
+                        <a:rPr lang="en-US" sz="1100" b="0" i="0" u="none" strike="noStrike" dirty="0">
+                          <a:solidFill>
+                            <a:srgbClr val="000000"/>
+                          </a:solidFill>
+                          <a:effectLst/>
+                          <a:latin typeface="Times New Roman" panose="02020603050405020304" pitchFamily="18" charset="0"/>
+                          <a:cs typeface="Times New Roman" panose="02020603050405020304" pitchFamily="18" charset="0"/>
+                        </a:rPr>
+                        <a:t>0.9358</a:t>
+                      </a:r>
+                    </a:p>
+                  </a:txBody>
+                  <a:tcPr marL="0" marR="0" marT="0" marB="0" anchor="b"/>
+                </a:tc>
+                <a:extLst>
+                  <a:ext uri="{0D108BD9-81ED-4DB2-BD59-A6C34878D82A}">
+                    <a16:rowId xmlns:a16="http://schemas.microsoft.com/office/drawing/2014/main" val="1686287627"/>
+                  </a:ext>
+                </a:extLst>
+              </a:tr>
+              <a:tr h="194162">
+                <a:tc>
+                  <a:txBody>
+                    <a:bodyPr/>
+                    <a:lstStyle/>
+                    <a:p>
+                      <a:pPr algn="ctr" fontAlgn="b"/>
+                      <a:r>
+                        <a:rPr lang="en-US" sz="1100" u="none" strike="noStrike" dirty="0">
+                          <a:effectLst/>
+                          <a:latin typeface="Times New Roman" panose="02020603050405020304" pitchFamily="18" charset="0"/>
+                          <a:cs typeface="Times New Roman" panose="02020603050405020304" pitchFamily="18" charset="0"/>
+                        </a:rPr>
+                        <a:t>0.6477</a:t>
+                      </a:r>
+                      <a:endParaRPr lang="en-US" sz="1100" b="0" i="0" u="none" strike="noStrike" dirty="0">
+                        <a:solidFill>
+                          <a:srgbClr val="000000"/>
+                        </a:solidFill>
+                        <a:effectLst/>
+                        <a:latin typeface="Times New Roman" panose="02020603050405020304" pitchFamily="18" charset="0"/>
+                        <a:cs typeface="Times New Roman" panose="02020603050405020304" pitchFamily="18" charset="0"/>
+                      </a:endParaRPr>
+                    </a:p>
+                  </a:txBody>
+                  <a:tcPr marL="0" marR="0" marT="0" marB="0" anchor="b"/>
+                </a:tc>
+                <a:tc>
+                  <a:txBody>
+                    <a:bodyPr/>
+                    <a:lstStyle/>
+                    <a:p>
+                      <a:pPr algn="ctr" fontAlgn="b"/>
+                      <a:r>
+                        <a:rPr lang="en-US" sz="1100" b="0" i="0" u="none" strike="noStrike" dirty="0">
+                          <a:solidFill>
+                            <a:srgbClr val="000000"/>
+                          </a:solidFill>
+                          <a:effectLst/>
+                          <a:latin typeface="Times New Roman" panose="02020603050405020304" pitchFamily="18" charset="0"/>
+                          <a:cs typeface="Times New Roman" panose="02020603050405020304" pitchFamily="18" charset="0"/>
+                        </a:rPr>
+                        <a:t>0.8125</a:t>
+                      </a:r>
+                    </a:p>
+                  </a:txBody>
+                  <a:tcPr marL="0" marR="0" marT="0" marB="0" anchor="b"/>
+                </a:tc>
+                <a:tc>
+                  <a:txBody>
+                    <a:bodyPr/>
+                    <a:lstStyle/>
+                    <a:p>
+                      <a:pPr algn="ctr" fontAlgn="b"/>
+                      <a:r>
+                        <a:rPr lang="en-US" sz="1100" u="none" strike="noStrike" dirty="0">
+                          <a:effectLst/>
+                          <a:latin typeface="Times New Roman" panose="02020603050405020304" pitchFamily="18" charset="0"/>
+                          <a:cs typeface="Times New Roman" panose="02020603050405020304" pitchFamily="18" charset="0"/>
+                        </a:rPr>
+                        <a:t>0.6629</a:t>
+                      </a:r>
+                      <a:endParaRPr lang="en-US" sz="1100" b="0" i="0" u="none" strike="noStrike" dirty="0">
+                        <a:solidFill>
+                          <a:srgbClr val="000000"/>
+                        </a:solidFill>
+                        <a:effectLst/>
+                        <a:latin typeface="Times New Roman" panose="02020603050405020304" pitchFamily="18" charset="0"/>
+                        <a:cs typeface="Times New Roman" panose="02020603050405020304" pitchFamily="18" charset="0"/>
+                      </a:endParaRPr>
+                    </a:p>
+                  </a:txBody>
+                  <a:tcPr marL="0" marR="0" marT="0" marB="0" anchor="b"/>
+                </a:tc>
+                <a:tc>
+                  <a:txBody>
+                    <a:bodyPr/>
+                    <a:lstStyle/>
+                    <a:p>
+                      <a:pPr algn="ctr" fontAlgn="b"/>
+                      <a:r>
+                        <a:rPr lang="en-US" sz="1100" u="none" strike="noStrike" dirty="0">
+                          <a:effectLst/>
+                          <a:latin typeface="Times New Roman" panose="02020603050405020304" pitchFamily="18" charset="0"/>
+                          <a:cs typeface="Times New Roman" panose="02020603050405020304" pitchFamily="18" charset="0"/>
+                        </a:rPr>
+                        <a:t>0.8371</a:t>
+                      </a:r>
+                      <a:endParaRPr lang="en-US" sz="1100" b="0" i="0" u="none" strike="noStrike" dirty="0">
+                        <a:solidFill>
+                          <a:srgbClr val="000000"/>
+                        </a:solidFill>
+                        <a:effectLst/>
+                        <a:latin typeface="Times New Roman" panose="02020603050405020304" pitchFamily="18" charset="0"/>
+                        <a:cs typeface="Times New Roman" panose="02020603050405020304" pitchFamily="18" charset="0"/>
+                      </a:endParaRPr>
+                    </a:p>
+                  </a:txBody>
+                  <a:tcPr marL="0" marR="0" marT="0" marB="0" anchor="b"/>
+                </a:tc>
+                <a:tc>
+                  <a:txBody>
+                    <a:bodyPr/>
+                    <a:lstStyle/>
+                    <a:p>
+                      <a:pPr algn="ctr" fontAlgn="b"/>
+                      <a:r>
+                        <a:rPr lang="en-US" sz="1100" b="0" i="0" u="none" strike="noStrike" dirty="0">
+                          <a:solidFill>
+                            <a:srgbClr val="000000"/>
+                          </a:solidFill>
+                          <a:effectLst/>
+                          <a:latin typeface="Times New Roman" panose="02020603050405020304" pitchFamily="18" charset="0"/>
+                          <a:cs typeface="Times New Roman" panose="02020603050405020304" pitchFamily="18" charset="0"/>
+                        </a:rPr>
+                        <a:t>0.8942</a:t>
+                      </a:r>
+                    </a:p>
+                  </a:txBody>
+                  <a:tcPr marL="0" marR="0" marT="0" marB="0" anchor="b"/>
+                </a:tc>
+                <a:tc>
+                  <a:txBody>
+                    <a:bodyPr/>
+                    <a:lstStyle/>
+                    <a:p>
+                      <a:pPr algn="ctr" fontAlgn="b"/>
+                      <a:r>
+                        <a:rPr lang="en-US" sz="1100" b="0" i="0" u="none" strike="noStrike" dirty="0">
+                          <a:solidFill>
+                            <a:srgbClr val="000000"/>
+                          </a:solidFill>
+                          <a:effectLst/>
+                          <a:latin typeface="Times New Roman" panose="02020603050405020304" pitchFamily="18" charset="0"/>
+                          <a:cs typeface="Times New Roman" panose="02020603050405020304" pitchFamily="18" charset="0"/>
+                        </a:rPr>
+                        <a:t>0.8208</a:t>
+                      </a:r>
+                    </a:p>
+                  </a:txBody>
+                  <a:tcPr marL="0" marR="0" marT="0" marB="0" anchor="b"/>
+                </a:tc>
+                <a:extLst>
+                  <a:ext uri="{0D108BD9-81ED-4DB2-BD59-A6C34878D82A}">
+                    <a16:rowId xmlns:a16="http://schemas.microsoft.com/office/drawing/2014/main" val="1632202869"/>
+                  </a:ext>
+                </a:extLst>
+              </a:tr>
+            </a:tbl>
+          </a:graphicData>
+        </a:graphic>
+      </p:graphicFrame>
+      <p:sp>
+        <p:nvSpPr>
+          <p:cNvPr id="6" name="TextBox 5"/>
+          <p:cNvSpPr txBox="1"/>
+          <p:nvPr/>
+        </p:nvSpPr>
+        <p:spPr>
+          <a:xfrm>
+            <a:off x="1459584" y="61555"/>
+            <a:ext cx="1566454" cy="307777"/>
+          </a:xfrm>
+          <a:prstGeom prst="rect">
+            <a:avLst/>
+          </a:prstGeom>
+          <a:noFill/>
+        </p:spPr>
+        <p:txBody>
+          <a:bodyPr wrap="none" rtlCol="0">
+            <a:spAutoFit/>
+          </a:bodyPr>
+          <a:lstStyle/>
+          <a:p>
+            <a:r>
+              <a:rPr lang="en-US" sz="1400" dirty="0">
+                <a:latin typeface="Times New Roman" panose="02020603050405020304" pitchFamily="18" charset="0"/>
+                <a:cs typeface="Times New Roman" panose="02020603050405020304" pitchFamily="18" charset="0"/>
+              </a:rPr>
+              <a:t>Spectral Clustering</a:t>
+            </a:r>
+          </a:p>
+        </p:txBody>
+      </p:sp>
+      <p:sp>
+        <p:nvSpPr>
+          <p:cNvPr id="7" name="TextBox 6"/>
+          <p:cNvSpPr txBox="1"/>
+          <p:nvPr/>
+        </p:nvSpPr>
+        <p:spPr>
+          <a:xfrm>
+            <a:off x="3869103" y="61555"/>
+            <a:ext cx="1386918" cy="307777"/>
+          </a:xfrm>
+          <a:prstGeom prst="rect">
+            <a:avLst/>
+          </a:prstGeom>
+          <a:noFill/>
+        </p:spPr>
+        <p:txBody>
+          <a:bodyPr wrap="none" rtlCol="0">
+            <a:spAutoFit/>
+          </a:bodyPr>
+          <a:lstStyle/>
+          <a:p>
+            <a:r>
+              <a:rPr lang="en-US" sz="1400" dirty="0">
+                <a:latin typeface="Times New Roman" panose="02020603050405020304" pitchFamily="18" charset="0"/>
+                <a:cs typeface="Times New Roman" panose="02020603050405020304" pitchFamily="18" charset="0"/>
+              </a:rPr>
+              <a:t>Region Growing</a:t>
+            </a:r>
+          </a:p>
+        </p:txBody>
+      </p:sp>
+    </p:spTree>
+    <p:extLst>
+      <p:ext uri="{BB962C8B-B14F-4D97-AF65-F5344CB8AC3E}">
+        <p14:creationId xmlns:p14="http://schemas.microsoft.com/office/powerpoint/2010/main" val="3525591873"/>
+      </p:ext>
+    </p:extLst>
+  </p:cSld>
+  <p:clrMapOvr>
+    <a:masterClrMapping/>
+  </p:clrMapOvr>
+</p:sld>
+</file>
+
+<file path=ppt/slides/slide3.xml><?xml version="1.0" encoding="utf-8"?>
+<p:sld xmlns:a="http://schemas.openxmlformats.org/drawingml/2006/main" xmlns:r="http://schemas.openxmlformats.org/officeDocument/2006/relationships" xmlns:p="http://schemas.openxmlformats.org/presentationml/2006/main">
+  <p:cSld>
+    <p:spTree>
+      <p:nvGrpSpPr>
+        <p:cNvPr id="1" name=""/>
+        <p:cNvGrpSpPr/>
+        <p:nvPr/>
+      </p:nvGrpSpPr>
+      <p:grpSpPr>
+        <a:xfrm>
+          <a:off x="0" y="0"/>
+          <a:ext cx="0" cy="0"/>
+          <a:chOff x="0" y="0"/>
+          <a:chExt cx="0" cy="0"/>
+        </a:xfrm>
+      </p:grpSpPr>
+      <p:graphicFrame>
+        <p:nvGraphicFramePr>
+          <p:cNvPr id="4" name="Content Placeholder 3"/>
+          <p:cNvGraphicFramePr>
+            <a:graphicFrameLocks/>
+          </p:cNvGraphicFramePr>
+          <p:nvPr>
+            <p:extLst>
+              <p:ext uri="{D42A27DB-BD31-4B8C-83A1-F6EECF244321}">
+                <p14:modId xmlns:p14="http://schemas.microsoft.com/office/powerpoint/2010/main" val="1846847057"/>
+              </p:ext>
+            </p:extLst>
+          </p:nvPr>
+        </p:nvGraphicFramePr>
+        <p:xfrm>
+          <a:off x="157313" y="369331"/>
+          <a:ext cx="3141663" cy="1164972"/>
+        </p:xfrm>
+        <a:graphic>
+          <a:graphicData uri="http://schemas.openxmlformats.org/drawingml/2006/table">
+            <a:tbl>
+              <a:tblPr>
+                <a:tableStyleId>{616DA210-FB5B-4158-B5E0-FEB733F419BA}</a:tableStyleId>
+              </a:tblPr>
+              <a:tblGrid>
+                <a:gridCol w="627063">
+                  <a:extLst>
+                    <a:ext uri="{9D8B030D-6E8A-4147-A177-3AD203B41FA5}">
+                      <a16:colId xmlns:a16="http://schemas.microsoft.com/office/drawing/2014/main" val="3465125765"/>
+                    </a:ext>
+                  </a:extLst>
+                </a:gridCol>
+                <a:gridCol w="419100">
+                  <a:extLst>
+                    <a:ext uri="{9D8B030D-6E8A-4147-A177-3AD203B41FA5}">
+                      <a16:colId xmlns:a16="http://schemas.microsoft.com/office/drawing/2014/main" val="3524040281"/>
+                    </a:ext>
+                  </a:extLst>
+                </a:gridCol>
+                <a:gridCol w="419100">
+                  <a:extLst>
+                    <a:ext uri="{9D8B030D-6E8A-4147-A177-3AD203B41FA5}">
+                      <a16:colId xmlns:a16="http://schemas.microsoft.com/office/drawing/2014/main" val="2382365763"/>
+                    </a:ext>
+                  </a:extLst>
+                </a:gridCol>
+                <a:gridCol w="419100">
+                  <a:extLst>
+                    <a:ext uri="{9D8B030D-6E8A-4147-A177-3AD203B41FA5}">
+                      <a16:colId xmlns:a16="http://schemas.microsoft.com/office/drawing/2014/main" val="1692592935"/>
+                    </a:ext>
+                  </a:extLst>
+                </a:gridCol>
+                <a:gridCol w="419100">
+                  <a:extLst>
+                    <a:ext uri="{9D8B030D-6E8A-4147-A177-3AD203B41FA5}">
+                      <a16:colId xmlns:a16="http://schemas.microsoft.com/office/drawing/2014/main" val="3410493377"/>
+                    </a:ext>
+                  </a:extLst>
+                </a:gridCol>
+                <a:gridCol w="419100">
+                  <a:extLst>
+                    <a:ext uri="{9D8B030D-6E8A-4147-A177-3AD203B41FA5}">
+                      <a16:colId xmlns:a16="http://schemas.microsoft.com/office/drawing/2014/main" val="3839489703"/>
+                    </a:ext>
+                  </a:extLst>
+                </a:gridCol>
+                <a:gridCol w="419100">
+                  <a:extLst>
+                    <a:ext uri="{9D8B030D-6E8A-4147-A177-3AD203B41FA5}">
+                      <a16:colId xmlns:a16="http://schemas.microsoft.com/office/drawing/2014/main" val="728519582"/>
+                    </a:ext>
+                  </a:extLst>
+                </a:gridCol>
+              </a:tblGrid>
+              <a:tr h="194162">
+                <a:tc>
+                  <a:txBody>
+                    <a:bodyPr/>
+                    <a:lstStyle/>
+                    <a:p>
+                      <a:pPr algn="ctr" fontAlgn="b"/>
+                      <a:r>
+                        <a:rPr lang="en-US" sz="1100" u="none" strike="noStrike" dirty="0">
+                          <a:effectLst/>
+                          <a:latin typeface="Times New Roman" panose="02020603050405020304" pitchFamily="18" charset="0"/>
+                          <a:cs typeface="Times New Roman" panose="02020603050405020304" pitchFamily="18" charset="0"/>
+                        </a:rPr>
+                        <a:t> </a:t>
+                      </a:r>
+                      <a:endParaRPr lang="en-US" sz="1100" b="0" i="0" u="none" strike="noStrike" dirty="0">
+                        <a:solidFill>
+                          <a:srgbClr val="000000"/>
+                        </a:solidFill>
+                        <a:effectLst/>
+                        <a:latin typeface="Times New Roman" panose="02020603050405020304" pitchFamily="18" charset="0"/>
+                        <a:cs typeface="Times New Roman" panose="02020603050405020304" pitchFamily="18" charset="0"/>
+                      </a:endParaRPr>
+                    </a:p>
+                  </a:txBody>
+                  <a:tcPr marL="0" marR="0" marT="0" marB="0" anchor="b"/>
+                </a:tc>
+                <a:tc gridSpan="3">
+                  <a:txBody>
+                    <a:bodyPr/>
+                    <a:lstStyle/>
+                    <a:p>
+                      <a:pPr algn="ctr" fontAlgn="b"/>
+                      <a:r>
+                        <a:rPr lang="en-US" sz="1100" u="none" strike="noStrike" dirty="0">
+                          <a:effectLst/>
+                          <a:latin typeface="Times New Roman" panose="02020603050405020304" pitchFamily="18" charset="0"/>
+                          <a:cs typeface="Times New Roman" panose="02020603050405020304" pitchFamily="18" charset="0"/>
+                        </a:rPr>
+                        <a:t>Across Subjects</a:t>
+                      </a:r>
+                      <a:endParaRPr lang="en-US" sz="1100" b="0" i="0" u="none" strike="noStrike" dirty="0">
+                        <a:solidFill>
+                          <a:srgbClr val="000000"/>
+                        </a:solidFill>
+                        <a:effectLst/>
+                        <a:latin typeface="Times New Roman" panose="02020603050405020304" pitchFamily="18" charset="0"/>
+                        <a:cs typeface="Times New Roman" panose="02020603050405020304" pitchFamily="18" charset="0"/>
+                      </a:endParaRPr>
+                    </a:p>
+                  </a:txBody>
+                  <a:tcPr marL="0" marR="0" marT="0" marB="0" anchor="b"/>
+                </a:tc>
+                <a:tc hMerge="1">
+                  <a:txBody>
+                    <a:bodyPr/>
+                    <a:lstStyle/>
+                    <a:p>
+                      <a:endParaRPr lang="en-US"/>
+                    </a:p>
+                  </a:txBody>
+                  <a:tcPr/>
+                </a:tc>
+                <a:tc hMerge="1">
+                  <a:txBody>
+                    <a:bodyPr/>
+                    <a:lstStyle/>
+                    <a:p>
+                      <a:endParaRPr lang="en-US"/>
+                    </a:p>
+                  </a:txBody>
+                  <a:tcPr/>
+                </a:tc>
+                <a:tc gridSpan="3">
+                  <a:txBody>
+                    <a:bodyPr/>
+                    <a:lstStyle/>
+                    <a:p>
+                      <a:pPr algn="ctr" fontAlgn="b"/>
+                      <a:r>
+                        <a:rPr lang="en-US" sz="1100" u="none" strike="noStrike" dirty="0">
+                          <a:effectLst/>
+                          <a:latin typeface="Times New Roman" panose="02020603050405020304" pitchFamily="18" charset="0"/>
+                          <a:cs typeface="Times New Roman" panose="02020603050405020304" pitchFamily="18" charset="0"/>
+                        </a:rPr>
+                        <a:t>Across Sessions</a:t>
+                      </a:r>
+                      <a:endParaRPr lang="en-US" sz="1100" b="0" i="0" u="none" strike="noStrike" dirty="0">
+                        <a:solidFill>
+                          <a:srgbClr val="000000"/>
+                        </a:solidFill>
+                        <a:effectLst/>
+                        <a:latin typeface="Times New Roman" panose="02020603050405020304" pitchFamily="18" charset="0"/>
+                        <a:cs typeface="Times New Roman" panose="02020603050405020304" pitchFamily="18" charset="0"/>
+                      </a:endParaRPr>
+                    </a:p>
+                  </a:txBody>
+                  <a:tcPr marL="0" marR="0" marT="0" marB="0" anchor="b"/>
+                </a:tc>
+                <a:tc hMerge="1">
+                  <a:txBody>
+                    <a:bodyPr/>
+                    <a:lstStyle/>
+                    <a:p>
+                      <a:endParaRPr lang="en-US"/>
+                    </a:p>
+                  </a:txBody>
+                  <a:tcPr/>
+                </a:tc>
+                <a:tc hMerge="1">
+                  <a:txBody>
+                    <a:bodyPr/>
+                    <a:lstStyle/>
+                    <a:p>
+                      <a:endParaRPr lang="en-US"/>
+                    </a:p>
+                  </a:txBody>
+                  <a:tcPr/>
+                </a:tc>
+                <a:extLst>
+                  <a:ext uri="{0D108BD9-81ED-4DB2-BD59-A6C34878D82A}">
+                    <a16:rowId xmlns:a16="http://schemas.microsoft.com/office/drawing/2014/main" val="3110020006"/>
+                  </a:ext>
+                </a:extLst>
+              </a:tr>
+              <a:tr h="194162">
+                <a:tc>
+                  <a:txBody>
+                    <a:bodyPr/>
+                    <a:lstStyle/>
+                    <a:p>
+                      <a:pPr algn="ctr" fontAlgn="b"/>
+                      <a:r>
+                        <a:rPr lang="en-US" sz="1100" u="none" strike="noStrike" dirty="0">
+                          <a:effectLst/>
+                          <a:latin typeface="Times New Roman" panose="02020603050405020304" pitchFamily="18" charset="0"/>
+                          <a:cs typeface="Times New Roman" panose="02020603050405020304" pitchFamily="18" charset="0"/>
+                        </a:rPr>
+                        <a:t> </a:t>
+                      </a:r>
+                      <a:endParaRPr lang="en-US" sz="1100" b="0" i="0" u="none" strike="noStrike" dirty="0">
+                        <a:solidFill>
+                          <a:srgbClr val="000000"/>
+                        </a:solidFill>
+                        <a:effectLst/>
+                        <a:latin typeface="Times New Roman" panose="02020603050405020304" pitchFamily="18" charset="0"/>
+                        <a:cs typeface="Times New Roman" panose="02020603050405020304" pitchFamily="18" charset="0"/>
+                      </a:endParaRPr>
+                    </a:p>
+                  </a:txBody>
+                  <a:tcPr marL="0" marR="0" marT="0" marB="0" anchor="b"/>
+                </a:tc>
+                <a:tc>
+                  <a:txBody>
+                    <a:bodyPr/>
+                    <a:lstStyle/>
+                    <a:p>
+                      <a:pPr algn="ctr" fontAlgn="b"/>
+                      <a:r>
+                        <a:rPr lang="en-US" sz="1100" u="none" strike="noStrike" dirty="0">
+                          <a:effectLst/>
+                          <a:latin typeface="Times New Roman" panose="02020603050405020304" pitchFamily="18" charset="0"/>
+                          <a:cs typeface="Times New Roman" panose="02020603050405020304" pitchFamily="18" charset="0"/>
+                        </a:rPr>
+                        <a:t>PRE</a:t>
+                      </a:r>
+                      <a:endParaRPr lang="en-US" sz="1100" b="1" i="0" u="none" strike="noStrike" dirty="0">
+                        <a:solidFill>
+                          <a:srgbClr val="000000"/>
+                        </a:solidFill>
+                        <a:effectLst/>
+                        <a:latin typeface="Times New Roman" panose="02020603050405020304" pitchFamily="18" charset="0"/>
+                        <a:cs typeface="Times New Roman" panose="02020603050405020304" pitchFamily="18" charset="0"/>
+                      </a:endParaRPr>
+                    </a:p>
+                  </a:txBody>
+                  <a:tcPr marL="0" marR="0" marT="0" marB="0" anchor="b"/>
+                </a:tc>
+                <a:tc>
+                  <a:txBody>
+                    <a:bodyPr/>
+                    <a:lstStyle/>
+                    <a:p>
+                      <a:pPr algn="ctr" fontAlgn="b"/>
+                      <a:r>
+                        <a:rPr lang="en-US" sz="1100" u="none" strike="noStrike" dirty="0">
+                          <a:effectLst/>
+                          <a:latin typeface="Times New Roman" panose="02020603050405020304" pitchFamily="18" charset="0"/>
+                          <a:cs typeface="Times New Roman" panose="02020603050405020304" pitchFamily="18" charset="0"/>
+                        </a:rPr>
+                        <a:t>MTG</a:t>
+                      </a:r>
+                      <a:endParaRPr lang="en-US" sz="1100" b="1" i="0" u="none" strike="noStrike" dirty="0">
+                        <a:solidFill>
+                          <a:srgbClr val="000000"/>
+                        </a:solidFill>
+                        <a:effectLst/>
+                        <a:latin typeface="Times New Roman" panose="02020603050405020304" pitchFamily="18" charset="0"/>
+                        <a:cs typeface="Times New Roman" panose="02020603050405020304" pitchFamily="18" charset="0"/>
+                      </a:endParaRPr>
+                    </a:p>
+                  </a:txBody>
+                  <a:tcPr marL="0" marR="0" marT="0" marB="0" anchor="b"/>
+                </a:tc>
+                <a:tc>
+                  <a:txBody>
+                    <a:bodyPr/>
+                    <a:lstStyle/>
+                    <a:p>
+                      <a:pPr algn="ctr" fontAlgn="b"/>
+                      <a:r>
+                        <a:rPr lang="en-US" sz="1100" u="none" strike="noStrike" dirty="0">
+                          <a:effectLst/>
+                          <a:latin typeface="Times New Roman" panose="02020603050405020304" pitchFamily="18" charset="0"/>
+                          <a:cs typeface="Times New Roman" panose="02020603050405020304" pitchFamily="18" charset="0"/>
+                        </a:rPr>
+                        <a:t>MFG</a:t>
+                      </a:r>
+                      <a:endParaRPr lang="en-US" sz="1100" b="1" i="0" u="none" strike="noStrike" dirty="0">
+                        <a:solidFill>
+                          <a:srgbClr val="000000"/>
+                        </a:solidFill>
+                        <a:effectLst/>
+                        <a:latin typeface="Times New Roman" panose="02020603050405020304" pitchFamily="18" charset="0"/>
+                        <a:cs typeface="Times New Roman" panose="02020603050405020304" pitchFamily="18" charset="0"/>
+                      </a:endParaRPr>
+                    </a:p>
+                  </a:txBody>
+                  <a:tcPr marL="0" marR="0" marT="0" marB="0" anchor="b"/>
+                </a:tc>
+                <a:tc>
+                  <a:txBody>
+                    <a:bodyPr/>
+                    <a:lstStyle/>
+                    <a:p>
+                      <a:pPr algn="ctr" fontAlgn="b"/>
+                      <a:r>
+                        <a:rPr lang="en-US" sz="1100" u="none" strike="noStrike" dirty="0">
+                          <a:effectLst/>
+                          <a:latin typeface="Times New Roman" panose="02020603050405020304" pitchFamily="18" charset="0"/>
+                          <a:cs typeface="Times New Roman" panose="02020603050405020304" pitchFamily="18" charset="0"/>
+                        </a:rPr>
+                        <a:t>PRE</a:t>
+                      </a:r>
+                      <a:endParaRPr lang="en-US" sz="1100" b="1" i="0" u="none" strike="noStrike" dirty="0">
+                        <a:solidFill>
+                          <a:srgbClr val="000000"/>
+                        </a:solidFill>
+                        <a:effectLst/>
+                        <a:latin typeface="Times New Roman" panose="02020603050405020304" pitchFamily="18" charset="0"/>
+                        <a:cs typeface="Times New Roman" panose="02020603050405020304" pitchFamily="18" charset="0"/>
+                      </a:endParaRPr>
+                    </a:p>
+                  </a:txBody>
+                  <a:tcPr marL="0" marR="0" marT="0" marB="0" anchor="b"/>
+                </a:tc>
+                <a:tc>
+                  <a:txBody>
+                    <a:bodyPr/>
+                    <a:lstStyle/>
+                    <a:p>
+                      <a:pPr algn="ctr" fontAlgn="b"/>
+                      <a:r>
+                        <a:rPr lang="en-US" sz="1100" u="none" strike="noStrike" dirty="0">
+                          <a:effectLst/>
+                          <a:latin typeface="Times New Roman" panose="02020603050405020304" pitchFamily="18" charset="0"/>
+                          <a:cs typeface="Times New Roman" panose="02020603050405020304" pitchFamily="18" charset="0"/>
+                        </a:rPr>
+                        <a:t>MTG</a:t>
+                      </a:r>
+                      <a:endParaRPr lang="en-US" sz="1100" b="1" i="0" u="none" strike="noStrike" dirty="0">
+                        <a:solidFill>
+                          <a:srgbClr val="000000"/>
+                        </a:solidFill>
+                        <a:effectLst/>
+                        <a:latin typeface="Times New Roman" panose="02020603050405020304" pitchFamily="18" charset="0"/>
+                        <a:cs typeface="Times New Roman" panose="02020603050405020304" pitchFamily="18" charset="0"/>
+                      </a:endParaRPr>
+                    </a:p>
+                  </a:txBody>
+                  <a:tcPr marL="0" marR="0" marT="0" marB="0" anchor="b"/>
+                </a:tc>
+                <a:tc>
+                  <a:txBody>
+                    <a:bodyPr/>
+                    <a:lstStyle/>
+                    <a:p>
+                      <a:pPr algn="ctr" fontAlgn="b"/>
+                      <a:r>
+                        <a:rPr lang="en-US" sz="1100" u="none" strike="noStrike" dirty="0">
+                          <a:effectLst/>
+                          <a:latin typeface="Times New Roman" panose="02020603050405020304" pitchFamily="18" charset="0"/>
+                          <a:cs typeface="Times New Roman" panose="02020603050405020304" pitchFamily="18" charset="0"/>
+                        </a:rPr>
+                        <a:t>MFG</a:t>
+                      </a:r>
+                      <a:endParaRPr lang="en-US" sz="1100" b="1" i="0" u="none" strike="noStrike" dirty="0">
+                        <a:solidFill>
+                          <a:srgbClr val="000000"/>
+                        </a:solidFill>
+                        <a:effectLst/>
+                        <a:latin typeface="Times New Roman" panose="02020603050405020304" pitchFamily="18" charset="0"/>
+                        <a:cs typeface="Times New Roman" panose="02020603050405020304" pitchFamily="18" charset="0"/>
+                      </a:endParaRPr>
+                    </a:p>
+                  </a:txBody>
+                  <a:tcPr marL="0" marR="0" marT="0" marB="0" anchor="b"/>
+                </a:tc>
+                <a:extLst>
+                  <a:ext uri="{0D108BD9-81ED-4DB2-BD59-A6C34878D82A}">
+                    <a16:rowId xmlns:a16="http://schemas.microsoft.com/office/drawing/2014/main" val="2952413943"/>
+                  </a:ext>
+                </a:extLst>
+              </a:tr>
+              <a:tr h="194162">
+                <a:tc>
+                  <a:txBody>
+                    <a:bodyPr/>
+                    <a:lstStyle/>
+                    <a:p>
+                      <a:pPr algn="ctr" fontAlgn="b"/>
+                      <a:r>
+                        <a:rPr lang="en-US" sz="1100" u="none" strike="noStrike" dirty="0">
+                          <a:effectLst/>
+                          <a:latin typeface="Times New Roman" panose="02020603050405020304" pitchFamily="18" charset="0"/>
+                          <a:cs typeface="Times New Roman" panose="02020603050405020304" pitchFamily="18" charset="0"/>
+                        </a:rPr>
+                        <a:t>Geodesic</a:t>
+                      </a:r>
+                      <a:endParaRPr lang="en-US" sz="1100" b="1" i="0" u="none" strike="noStrike" dirty="0">
+                        <a:solidFill>
+                          <a:srgbClr val="000000"/>
+                        </a:solidFill>
+                        <a:effectLst/>
+                        <a:latin typeface="Times New Roman" panose="02020603050405020304" pitchFamily="18" charset="0"/>
+                        <a:cs typeface="Times New Roman" panose="02020603050405020304" pitchFamily="18" charset="0"/>
+                      </a:endParaRPr>
+                    </a:p>
+                  </a:txBody>
+                  <a:tcPr marL="0" marR="0" marT="0" marB="0" anchor="b"/>
+                </a:tc>
+                <a:tc>
+                  <a:txBody>
+                    <a:bodyPr/>
+                    <a:lstStyle/>
+                    <a:p>
+                      <a:pPr algn="ctr" fontAlgn="b"/>
+                      <a:r>
+                        <a:rPr lang="en-US" sz="1100" u="none" strike="noStrike" dirty="0">
+                          <a:solidFill>
+                            <a:srgbClr val="FF0000"/>
+                          </a:solidFill>
+                          <a:effectLst/>
+                          <a:latin typeface="Times New Roman" panose="02020603050405020304" pitchFamily="18" charset="0"/>
+                          <a:cs typeface="Times New Roman" panose="02020603050405020304" pitchFamily="18" charset="0"/>
+                        </a:rPr>
+                        <a:t>0.7901</a:t>
+                      </a:r>
+                      <a:endParaRPr lang="en-US" sz="1100" b="0" i="0" u="none" strike="noStrike" dirty="0">
+                        <a:solidFill>
+                          <a:srgbClr val="FF0000"/>
+                        </a:solidFill>
+                        <a:effectLst/>
+                        <a:latin typeface="Times New Roman" panose="02020603050405020304" pitchFamily="18" charset="0"/>
+                        <a:cs typeface="Times New Roman" panose="02020603050405020304" pitchFamily="18" charset="0"/>
+                      </a:endParaRPr>
+                    </a:p>
+                  </a:txBody>
+                  <a:tcPr marL="0" marR="0" marT="0" marB="0" anchor="b"/>
+                </a:tc>
+                <a:tc>
+                  <a:txBody>
+                    <a:bodyPr/>
+                    <a:lstStyle/>
+                    <a:p>
+                      <a:pPr algn="ctr" fontAlgn="b"/>
+                      <a:r>
+                        <a:rPr lang="en-US" sz="1100" u="none" strike="noStrike" dirty="0">
+                          <a:solidFill>
+                            <a:srgbClr val="FF0000"/>
+                          </a:solidFill>
+                          <a:effectLst/>
+                          <a:latin typeface="Times New Roman" panose="02020603050405020304" pitchFamily="18" charset="0"/>
+                          <a:cs typeface="Times New Roman" panose="02020603050405020304" pitchFamily="18" charset="0"/>
+                        </a:rPr>
+                        <a:t>0.6130</a:t>
+                      </a:r>
+                      <a:endParaRPr lang="en-US" sz="1100" b="0" i="0" u="none" strike="noStrike" dirty="0">
+                        <a:solidFill>
+                          <a:srgbClr val="FF0000"/>
+                        </a:solidFill>
+                        <a:effectLst/>
+                        <a:latin typeface="Times New Roman" panose="02020603050405020304" pitchFamily="18" charset="0"/>
+                        <a:cs typeface="Times New Roman" panose="02020603050405020304" pitchFamily="18" charset="0"/>
+                      </a:endParaRPr>
+                    </a:p>
+                  </a:txBody>
+                  <a:tcPr marL="0" marR="0" marT="0" marB="0" anchor="b"/>
+                </a:tc>
+                <a:tc>
+                  <a:txBody>
+                    <a:bodyPr/>
+                    <a:lstStyle/>
+                    <a:p>
+                      <a:pPr algn="ctr" fontAlgn="b"/>
+                      <a:r>
+                        <a:rPr lang="en-US" sz="1100" u="none" strike="noStrike" dirty="0">
+                          <a:solidFill>
+                            <a:srgbClr val="FF0000"/>
+                          </a:solidFill>
+                          <a:effectLst/>
+                          <a:latin typeface="Times New Roman" panose="02020603050405020304" pitchFamily="18" charset="0"/>
+                          <a:cs typeface="Times New Roman" panose="02020603050405020304" pitchFamily="18" charset="0"/>
+                        </a:rPr>
+                        <a:t>0.8037</a:t>
+                      </a:r>
+                      <a:endParaRPr lang="en-US" sz="1100" b="0" i="0" u="none" strike="noStrike" dirty="0">
+                        <a:solidFill>
+                          <a:srgbClr val="FF0000"/>
+                        </a:solidFill>
+                        <a:effectLst/>
+                        <a:latin typeface="Times New Roman" panose="02020603050405020304" pitchFamily="18" charset="0"/>
+                        <a:cs typeface="Times New Roman" panose="02020603050405020304" pitchFamily="18" charset="0"/>
+                      </a:endParaRPr>
+                    </a:p>
+                  </a:txBody>
+                  <a:tcPr marL="0" marR="0" marT="0" marB="0" anchor="b"/>
+                </a:tc>
+                <a:tc>
+                  <a:txBody>
+                    <a:bodyPr/>
+                    <a:lstStyle/>
+                    <a:p>
+                      <a:pPr algn="ctr" fontAlgn="b"/>
+                      <a:r>
+                        <a:rPr lang="en-US" sz="1100" u="none" strike="noStrike" dirty="0">
+                          <a:solidFill>
+                            <a:srgbClr val="FF0000"/>
+                          </a:solidFill>
+                          <a:effectLst/>
+                          <a:latin typeface="Times New Roman" panose="02020603050405020304" pitchFamily="18" charset="0"/>
+                          <a:cs typeface="Times New Roman" panose="02020603050405020304" pitchFamily="18" charset="0"/>
+                        </a:rPr>
+                        <a:t>0.8740</a:t>
+                      </a:r>
+                      <a:endParaRPr lang="en-US" sz="1100" b="0" i="0" u="none" strike="noStrike" dirty="0">
+                        <a:solidFill>
+                          <a:srgbClr val="FF0000"/>
+                        </a:solidFill>
+                        <a:effectLst/>
+                        <a:latin typeface="Times New Roman" panose="02020603050405020304" pitchFamily="18" charset="0"/>
+                        <a:cs typeface="Times New Roman" panose="02020603050405020304" pitchFamily="18" charset="0"/>
+                      </a:endParaRPr>
+                    </a:p>
+                  </a:txBody>
+                  <a:tcPr marL="0" marR="0" marT="0" marB="0" anchor="b"/>
+                </a:tc>
+                <a:tc>
+                  <a:txBody>
+                    <a:bodyPr/>
+                    <a:lstStyle/>
+                    <a:p>
+                      <a:pPr algn="ctr" fontAlgn="b"/>
+                      <a:r>
+                        <a:rPr lang="en-US" sz="1100" u="none" strike="noStrike" dirty="0">
+                          <a:effectLst/>
+                          <a:latin typeface="Times New Roman" panose="02020603050405020304" pitchFamily="18" charset="0"/>
+                          <a:cs typeface="Times New Roman" panose="02020603050405020304" pitchFamily="18" charset="0"/>
+                        </a:rPr>
+                        <a:t>0.7714</a:t>
+                      </a:r>
+                      <a:endParaRPr lang="en-US" sz="1100" b="0" i="0" u="none" strike="noStrike" dirty="0">
+                        <a:solidFill>
+                          <a:srgbClr val="000000"/>
+                        </a:solidFill>
+                        <a:effectLst/>
+                        <a:latin typeface="Times New Roman" panose="02020603050405020304" pitchFamily="18" charset="0"/>
+                        <a:cs typeface="Times New Roman" panose="02020603050405020304" pitchFamily="18" charset="0"/>
+                      </a:endParaRPr>
+                    </a:p>
+                  </a:txBody>
+                  <a:tcPr marL="0" marR="0" marT="0" marB="0" anchor="b"/>
+                </a:tc>
+                <a:tc>
+                  <a:txBody>
+                    <a:bodyPr/>
+                    <a:lstStyle/>
+                    <a:p>
+                      <a:pPr algn="ctr" fontAlgn="b"/>
+                      <a:r>
+                        <a:rPr lang="en-US" sz="1100" u="none" strike="noStrike" dirty="0">
+                          <a:solidFill>
+                            <a:srgbClr val="FF0000"/>
+                          </a:solidFill>
+                          <a:effectLst/>
+                          <a:latin typeface="Times New Roman" panose="02020603050405020304" pitchFamily="18" charset="0"/>
+                          <a:cs typeface="Times New Roman" panose="02020603050405020304" pitchFamily="18" charset="0"/>
+                        </a:rPr>
+                        <a:t>0.8954</a:t>
+                      </a:r>
+                      <a:endParaRPr lang="en-US" sz="1100" b="0" i="0" u="none" strike="noStrike" dirty="0">
+                        <a:solidFill>
+                          <a:srgbClr val="FF0000"/>
+                        </a:solidFill>
+                        <a:effectLst/>
+                        <a:latin typeface="Times New Roman" panose="02020603050405020304" pitchFamily="18" charset="0"/>
+                        <a:cs typeface="Times New Roman" panose="02020603050405020304" pitchFamily="18" charset="0"/>
+                      </a:endParaRPr>
+                    </a:p>
+                  </a:txBody>
+                  <a:tcPr marL="0" marR="0" marT="0" marB="0" anchor="b"/>
+                </a:tc>
+                <a:extLst>
+                  <a:ext uri="{0D108BD9-81ED-4DB2-BD59-A6C34878D82A}">
+                    <a16:rowId xmlns:a16="http://schemas.microsoft.com/office/drawing/2014/main" val="3353724999"/>
+                  </a:ext>
+                </a:extLst>
+              </a:tr>
+              <a:tr h="194162">
+                <a:tc>
+                  <a:txBody>
+                    <a:bodyPr/>
+                    <a:lstStyle/>
+                    <a:p>
+                      <a:pPr algn="l" fontAlgn="b"/>
+                      <a:r>
+                        <a:rPr lang="en-US" sz="1100" u="none" strike="noStrike" dirty="0">
+                          <a:effectLst/>
+                          <a:latin typeface="Times New Roman" panose="02020603050405020304" pitchFamily="18" charset="0"/>
+                          <a:cs typeface="Times New Roman" panose="02020603050405020304" pitchFamily="18" charset="0"/>
+                        </a:rPr>
+                        <a:t> Euclidean</a:t>
+                      </a:r>
+                      <a:endParaRPr lang="en-US" sz="1100" b="0" i="0" u="none" strike="noStrike" dirty="0">
+                        <a:solidFill>
+                          <a:srgbClr val="000000"/>
+                        </a:solidFill>
+                        <a:effectLst/>
+                        <a:latin typeface="Times New Roman" panose="02020603050405020304" pitchFamily="18" charset="0"/>
+                        <a:cs typeface="Times New Roman" panose="02020603050405020304" pitchFamily="18" charset="0"/>
+                      </a:endParaRPr>
+                    </a:p>
+                  </a:txBody>
+                  <a:tcPr marL="0" marR="0" marT="0" marB="0"/>
+                </a:tc>
+                <a:tc>
+                  <a:txBody>
+                    <a:bodyPr/>
+                    <a:lstStyle/>
+                    <a:p>
+                      <a:pPr algn="ctr" fontAlgn="b"/>
+                      <a:r>
+                        <a:rPr lang="en-US" sz="1100" u="none" strike="noStrike" dirty="0">
+                          <a:effectLst/>
+                          <a:latin typeface="Times New Roman" panose="02020603050405020304" pitchFamily="18" charset="0"/>
+                          <a:cs typeface="Times New Roman" panose="02020603050405020304" pitchFamily="18" charset="0"/>
+                        </a:rPr>
+                        <a:t>0.7751</a:t>
+                      </a:r>
+                      <a:endParaRPr lang="en-US" sz="1100" b="0" i="0" u="none" strike="noStrike" dirty="0">
+                        <a:solidFill>
+                          <a:srgbClr val="000000"/>
+                        </a:solidFill>
+                        <a:effectLst/>
+                        <a:latin typeface="Times New Roman" panose="02020603050405020304" pitchFamily="18" charset="0"/>
+                        <a:cs typeface="Times New Roman" panose="02020603050405020304" pitchFamily="18" charset="0"/>
+                      </a:endParaRPr>
+                    </a:p>
+                  </a:txBody>
+                  <a:tcPr marL="0" marR="0" marT="0" marB="0" anchor="b"/>
+                </a:tc>
+                <a:tc>
+                  <a:txBody>
+                    <a:bodyPr/>
+                    <a:lstStyle/>
+                    <a:p>
+                      <a:pPr algn="ctr" fontAlgn="b"/>
+                      <a:r>
+                        <a:rPr lang="en-US" sz="1100" u="none" strike="noStrike" dirty="0">
+                          <a:effectLst/>
+                          <a:latin typeface="Times New Roman" panose="02020603050405020304" pitchFamily="18" charset="0"/>
+                          <a:cs typeface="Times New Roman" panose="02020603050405020304" pitchFamily="18" charset="0"/>
+                        </a:rPr>
+                        <a:t>0.5639</a:t>
+                      </a:r>
+                      <a:endParaRPr lang="en-US" sz="1100" b="0" i="0" u="none" strike="noStrike" dirty="0">
+                        <a:solidFill>
+                          <a:srgbClr val="000000"/>
+                        </a:solidFill>
+                        <a:effectLst/>
+                        <a:latin typeface="Times New Roman" panose="02020603050405020304" pitchFamily="18" charset="0"/>
+                        <a:cs typeface="Times New Roman" panose="02020603050405020304" pitchFamily="18" charset="0"/>
+                      </a:endParaRPr>
+                    </a:p>
+                  </a:txBody>
+                  <a:tcPr marL="0" marR="0" marT="0" marB="0" anchor="b"/>
+                </a:tc>
+                <a:tc>
+                  <a:txBody>
+                    <a:bodyPr/>
+                    <a:lstStyle/>
+                    <a:p>
+                      <a:pPr algn="ctr" fontAlgn="b"/>
+                      <a:r>
+                        <a:rPr lang="en-US" sz="1100" u="none" strike="noStrike" dirty="0">
+                          <a:effectLst/>
+                          <a:latin typeface="Times New Roman" panose="02020603050405020304" pitchFamily="18" charset="0"/>
+                          <a:cs typeface="Times New Roman" panose="02020603050405020304" pitchFamily="18" charset="0"/>
+                        </a:rPr>
+                        <a:t>0.7564</a:t>
+                      </a:r>
+                      <a:endParaRPr lang="en-US" sz="1100" b="0" i="0" u="none" strike="noStrike" dirty="0">
+                        <a:solidFill>
+                          <a:srgbClr val="000000"/>
+                        </a:solidFill>
+                        <a:effectLst/>
+                        <a:latin typeface="Times New Roman" panose="02020603050405020304" pitchFamily="18" charset="0"/>
+                        <a:cs typeface="Times New Roman" panose="02020603050405020304" pitchFamily="18" charset="0"/>
+                      </a:endParaRPr>
+                    </a:p>
+                  </a:txBody>
+                  <a:tcPr marL="0" marR="0" marT="0" marB="0" anchor="b"/>
+                </a:tc>
+                <a:tc>
+                  <a:txBody>
+                    <a:bodyPr/>
+                    <a:lstStyle/>
+                    <a:p>
+                      <a:pPr algn="ctr" fontAlgn="b"/>
+                      <a:r>
+                        <a:rPr lang="en-US" sz="1100" u="none" strike="noStrike" dirty="0">
+                          <a:effectLst/>
+                          <a:latin typeface="Times New Roman" panose="02020603050405020304" pitchFamily="18" charset="0"/>
+                          <a:cs typeface="Times New Roman" panose="02020603050405020304" pitchFamily="18" charset="0"/>
+                        </a:rPr>
+                        <a:t>0.8664</a:t>
+                      </a:r>
+                      <a:endParaRPr lang="en-US" sz="1100" b="0" i="0" u="none" strike="noStrike" dirty="0">
+                        <a:solidFill>
+                          <a:srgbClr val="000000"/>
+                        </a:solidFill>
+                        <a:effectLst/>
+                        <a:latin typeface="Times New Roman" panose="02020603050405020304" pitchFamily="18" charset="0"/>
+                        <a:cs typeface="Times New Roman" panose="02020603050405020304" pitchFamily="18" charset="0"/>
+                      </a:endParaRPr>
+                    </a:p>
+                  </a:txBody>
+                  <a:tcPr marL="0" marR="0" marT="0" marB="0" anchor="b"/>
+                </a:tc>
+                <a:tc>
+                  <a:txBody>
+                    <a:bodyPr/>
+                    <a:lstStyle/>
+                    <a:p>
+                      <a:pPr algn="ctr" fontAlgn="b"/>
+                      <a:r>
+                        <a:rPr lang="en-US" sz="1100" u="none" strike="noStrike" dirty="0">
+                          <a:effectLst/>
+                          <a:latin typeface="Times New Roman" panose="02020603050405020304" pitchFamily="18" charset="0"/>
+                          <a:cs typeface="Times New Roman" panose="02020603050405020304" pitchFamily="18" charset="0"/>
+                        </a:rPr>
+                        <a:t>0.7618</a:t>
+                      </a:r>
+                      <a:endParaRPr lang="en-US" sz="1100" b="0" i="0" u="none" strike="noStrike" dirty="0">
+                        <a:solidFill>
+                          <a:srgbClr val="000000"/>
+                        </a:solidFill>
+                        <a:effectLst/>
+                        <a:latin typeface="Times New Roman" panose="02020603050405020304" pitchFamily="18" charset="0"/>
+                        <a:cs typeface="Times New Roman" panose="02020603050405020304" pitchFamily="18" charset="0"/>
+                      </a:endParaRPr>
+                    </a:p>
+                  </a:txBody>
+                  <a:tcPr marL="0" marR="0" marT="0" marB="0" anchor="b"/>
+                </a:tc>
+                <a:tc>
+                  <a:txBody>
+                    <a:bodyPr/>
+                    <a:lstStyle/>
+                    <a:p>
+                      <a:pPr algn="ctr" fontAlgn="b"/>
+                      <a:r>
+                        <a:rPr lang="en-US" sz="1100" u="none" strike="noStrike" dirty="0">
+                          <a:effectLst/>
+                          <a:latin typeface="Times New Roman" panose="02020603050405020304" pitchFamily="18" charset="0"/>
+                          <a:cs typeface="Times New Roman" panose="02020603050405020304" pitchFamily="18" charset="0"/>
+                        </a:rPr>
+                        <a:t>0.8736</a:t>
+                      </a:r>
+                      <a:endParaRPr lang="en-US" sz="1100" b="0" i="0" u="none" strike="noStrike" dirty="0">
+                        <a:solidFill>
+                          <a:srgbClr val="000000"/>
+                        </a:solidFill>
+                        <a:effectLst/>
+                        <a:latin typeface="Times New Roman" panose="02020603050405020304" pitchFamily="18" charset="0"/>
+                        <a:cs typeface="Times New Roman" panose="02020603050405020304" pitchFamily="18" charset="0"/>
+                      </a:endParaRPr>
+                    </a:p>
+                  </a:txBody>
+                  <a:tcPr marL="0" marR="0" marT="0" marB="0" anchor="b"/>
+                </a:tc>
+                <a:extLst>
+                  <a:ext uri="{0D108BD9-81ED-4DB2-BD59-A6C34878D82A}">
+                    <a16:rowId xmlns:a16="http://schemas.microsoft.com/office/drawing/2014/main" val="3068418972"/>
+                  </a:ext>
+                </a:extLst>
+              </a:tr>
+              <a:tr h="194162">
+                <a:tc>
+                  <a:txBody>
+                    <a:bodyPr/>
+                    <a:lstStyle/>
+                    <a:p>
+                      <a:pPr algn="ctr" fontAlgn="b"/>
+                      <a:r>
+                        <a:rPr lang="en-US" sz="1100" u="none" strike="noStrike" dirty="0" err="1">
+                          <a:effectLst/>
+                          <a:latin typeface="Times New Roman" panose="02020603050405020304" pitchFamily="18" charset="0"/>
+                          <a:cs typeface="Times New Roman" panose="02020603050405020304" pitchFamily="18" charset="0"/>
+                        </a:rPr>
+                        <a:t>Exp</a:t>
+                      </a:r>
+                      <a:r>
+                        <a:rPr lang="en-US" sz="1100" u="none" strike="noStrike" baseline="0" dirty="0">
+                          <a:effectLst/>
+                          <a:latin typeface="Times New Roman" panose="02020603050405020304" pitchFamily="18" charset="0"/>
+                          <a:cs typeface="Times New Roman" panose="02020603050405020304" pitchFamily="18" charset="0"/>
+                        </a:rPr>
+                        <a:t> Ker</a:t>
+                      </a:r>
+                      <a:endParaRPr lang="en-US" sz="1100" b="1" i="0" u="none" strike="noStrike" dirty="0">
+                        <a:solidFill>
+                          <a:srgbClr val="000000"/>
+                        </a:solidFill>
+                        <a:effectLst/>
+                        <a:latin typeface="Times New Roman" panose="02020603050405020304" pitchFamily="18" charset="0"/>
+                        <a:cs typeface="Times New Roman" panose="02020603050405020304" pitchFamily="18" charset="0"/>
+                      </a:endParaRPr>
+                    </a:p>
+                  </a:txBody>
+                  <a:tcPr marL="0" marR="0" marT="0" marB="0" anchor="b"/>
+                </a:tc>
+                <a:tc>
+                  <a:txBody>
+                    <a:bodyPr/>
+                    <a:lstStyle/>
+                    <a:p>
+                      <a:pPr algn="ctr" fontAlgn="b"/>
+                      <a:r>
+                        <a:rPr lang="en-US" sz="1100" u="none" strike="noStrike" dirty="0">
+                          <a:effectLst/>
+                          <a:latin typeface="Times New Roman" panose="02020603050405020304" pitchFamily="18" charset="0"/>
+                          <a:cs typeface="Times New Roman" panose="02020603050405020304" pitchFamily="18" charset="0"/>
+                        </a:rPr>
+                        <a:t>0.7783</a:t>
+                      </a:r>
+                      <a:endParaRPr lang="en-US" sz="1100" b="0" i="0" u="none" strike="noStrike" dirty="0">
+                        <a:solidFill>
+                          <a:srgbClr val="000000"/>
+                        </a:solidFill>
+                        <a:effectLst/>
+                        <a:latin typeface="Times New Roman" panose="02020603050405020304" pitchFamily="18" charset="0"/>
+                        <a:cs typeface="Times New Roman" panose="02020603050405020304" pitchFamily="18" charset="0"/>
+                      </a:endParaRPr>
+                    </a:p>
+                  </a:txBody>
+                  <a:tcPr marL="0" marR="0" marT="0" marB="0" anchor="b"/>
+                </a:tc>
+                <a:tc>
+                  <a:txBody>
+                    <a:bodyPr/>
+                    <a:lstStyle/>
+                    <a:p>
+                      <a:pPr algn="ctr" fontAlgn="b"/>
+                      <a:r>
+                        <a:rPr lang="en-US" sz="1100" u="none" strike="noStrike" dirty="0">
+                          <a:effectLst/>
+                          <a:latin typeface="Times New Roman" panose="02020603050405020304" pitchFamily="18" charset="0"/>
+                          <a:cs typeface="Times New Roman" panose="02020603050405020304" pitchFamily="18" charset="0"/>
+                        </a:rPr>
+                        <a:t>0.5841</a:t>
+                      </a:r>
+                      <a:endParaRPr lang="en-US" sz="1100" b="0" i="0" u="none" strike="noStrike" dirty="0">
+                        <a:solidFill>
+                          <a:srgbClr val="000000"/>
+                        </a:solidFill>
+                        <a:effectLst/>
+                        <a:latin typeface="Times New Roman" panose="02020603050405020304" pitchFamily="18" charset="0"/>
+                        <a:cs typeface="Times New Roman" panose="02020603050405020304" pitchFamily="18" charset="0"/>
+                      </a:endParaRPr>
+                    </a:p>
+                  </a:txBody>
+                  <a:tcPr marL="0" marR="0" marT="0" marB="0" anchor="b"/>
+                </a:tc>
+                <a:tc>
+                  <a:txBody>
+                    <a:bodyPr/>
+                    <a:lstStyle/>
+                    <a:p>
+                      <a:pPr algn="ctr" fontAlgn="b"/>
+                      <a:r>
+                        <a:rPr lang="en-US" sz="1100" u="none" strike="noStrike" dirty="0">
+                          <a:effectLst/>
+                          <a:latin typeface="Times New Roman" panose="02020603050405020304" pitchFamily="18" charset="0"/>
+                          <a:cs typeface="Times New Roman" panose="02020603050405020304" pitchFamily="18" charset="0"/>
+                        </a:rPr>
+                        <a:t>0.7772</a:t>
+                      </a:r>
+                      <a:endParaRPr lang="en-US" sz="1100" b="0" i="0" u="none" strike="noStrike" dirty="0">
+                        <a:solidFill>
+                          <a:srgbClr val="000000"/>
+                        </a:solidFill>
+                        <a:effectLst/>
+                        <a:latin typeface="Times New Roman" panose="02020603050405020304" pitchFamily="18" charset="0"/>
+                        <a:cs typeface="Times New Roman" panose="02020603050405020304" pitchFamily="18" charset="0"/>
+                      </a:endParaRPr>
+                    </a:p>
+                  </a:txBody>
+                  <a:tcPr marL="0" marR="0" marT="0" marB="0" anchor="b"/>
+                </a:tc>
+                <a:tc>
+                  <a:txBody>
+                    <a:bodyPr/>
+                    <a:lstStyle/>
+                    <a:p>
+                      <a:pPr algn="ctr" fontAlgn="b"/>
+                      <a:r>
+                        <a:rPr lang="en-US" sz="1100" u="none" strike="noStrike" dirty="0">
+                          <a:effectLst/>
+                          <a:latin typeface="Times New Roman" panose="02020603050405020304" pitchFamily="18" charset="0"/>
+                          <a:cs typeface="Times New Roman" panose="02020603050405020304" pitchFamily="18" charset="0"/>
+                        </a:rPr>
+                        <a:t>0.8726</a:t>
+                      </a:r>
+                      <a:endParaRPr lang="en-US" sz="1100" b="0" i="0" u="none" strike="noStrike" dirty="0">
+                        <a:solidFill>
+                          <a:srgbClr val="000000"/>
+                        </a:solidFill>
+                        <a:effectLst/>
+                        <a:latin typeface="Times New Roman" panose="02020603050405020304" pitchFamily="18" charset="0"/>
+                        <a:cs typeface="Times New Roman" panose="02020603050405020304" pitchFamily="18" charset="0"/>
+                      </a:endParaRPr>
+                    </a:p>
+                  </a:txBody>
+                  <a:tcPr marL="0" marR="0" marT="0" marB="0" anchor="b"/>
+                </a:tc>
+                <a:tc>
+                  <a:txBody>
+                    <a:bodyPr/>
+                    <a:lstStyle/>
+                    <a:p>
+                      <a:pPr algn="ctr" fontAlgn="b"/>
+                      <a:r>
+                        <a:rPr lang="en-US" sz="1100" u="none" strike="noStrike" dirty="0">
+                          <a:solidFill>
+                            <a:srgbClr val="FF0000"/>
+                          </a:solidFill>
+                          <a:effectLst/>
+                          <a:latin typeface="Times New Roman" panose="02020603050405020304" pitchFamily="18" charset="0"/>
+                          <a:cs typeface="Times New Roman" panose="02020603050405020304" pitchFamily="18" charset="0"/>
+                        </a:rPr>
+                        <a:t>0.7782</a:t>
+                      </a:r>
+                      <a:endParaRPr lang="en-US" sz="1100" b="0" i="0" u="none" strike="noStrike" dirty="0">
+                        <a:solidFill>
+                          <a:srgbClr val="FF0000"/>
+                        </a:solidFill>
+                        <a:effectLst/>
+                        <a:latin typeface="Times New Roman" panose="02020603050405020304" pitchFamily="18" charset="0"/>
+                        <a:cs typeface="Times New Roman" panose="02020603050405020304" pitchFamily="18" charset="0"/>
+                      </a:endParaRPr>
+                    </a:p>
+                  </a:txBody>
+                  <a:tcPr marL="0" marR="0" marT="0" marB="0" anchor="b"/>
+                </a:tc>
+                <a:tc>
+                  <a:txBody>
+                    <a:bodyPr/>
+                    <a:lstStyle/>
+                    <a:p>
+                      <a:pPr algn="ctr" fontAlgn="b"/>
+                      <a:r>
+                        <a:rPr lang="en-US" sz="1100" u="none" strike="noStrike" dirty="0">
+                          <a:effectLst/>
+                          <a:latin typeface="Times New Roman" panose="02020603050405020304" pitchFamily="18" charset="0"/>
+                          <a:cs typeface="Times New Roman" panose="02020603050405020304" pitchFamily="18" charset="0"/>
+                        </a:rPr>
+                        <a:t>0.8880</a:t>
+                      </a:r>
+                      <a:endParaRPr lang="en-US" sz="1100" b="0" i="0" u="none" strike="noStrike" dirty="0">
+                        <a:solidFill>
+                          <a:srgbClr val="000000"/>
+                        </a:solidFill>
+                        <a:effectLst/>
+                        <a:latin typeface="Times New Roman" panose="02020603050405020304" pitchFamily="18" charset="0"/>
+                        <a:cs typeface="Times New Roman" panose="02020603050405020304" pitchFamily="18" charset="0"/>
+                      </a:endParaRPr>
+                    </a:p>
+                  </a:txBody>
+                  <a:tcPr marL="0" marR="0" marT="0" marB="0" anchor="b"/>
+                </a:tc>
+                <a:extLst>
+                  <a:ext uri="{0D108BD9-81ED-4DB2-BD59-A6C34878D82A}">
+                    <a16:rowId xmlns:a16="http://schemas.microsoft.com/office/drawing/2014/main" val="1425259477"/>
+                  </a:ext>
+                </a:extLst>
+              </a:tr>
+              <a:tr h="194162">
+                <a:tc>
+                  <a:txBody>
+                    <a:bodyPr/>
+                    <a:lstStyle/>
+                    <a:p>
+                      <a:pPr algn="ctr" fontAlgn="b"/>
+                      <a:r>
+                        <a:rPr lang="en-US" sz="1100" u="none" strike="noStrike" dirty="0">
+                          <a:effectLst/>
+                          <a:latin typeface="Times New Roman" panose="02020603050405020304" pitchFamily="18" charset="0"/>
+                          <a:cs typeface="Times New Roman" panose="02020603050405020304" pitchFamily="18" charset="0"/>
+                        </a:rPr>
+                        <a:t>Fun Conn</a:t>
+                      </a:r>
+                      <a:endParaRPr lang="en-US" sz="1100" b="1" i="0" u="none" strike="noStrike" dirty="0">
+                        <a:solidFill>
+                          <a:srgbClr val="000000"/>
+                        </a:solidFill>
+                        <a:effectLst/>
+                        <a:latin typeface="Times New Roman" panose="02020603050405020304" pitchFamily="18" charset="0"/>
+                        <a:cs typeface="Times New Roman" panose="02020603050405020304" pitchFamily="18" charset="0"/>
+                      </a:endParaRPr>
+                    </a:p>
+                  </a:txBody>
+                  <a:tcPr marL="0" marR="0" marT="0" marB="0" anchor="b"/>
+                </a:tc>
+                <a:tc>
+                  <a:txBody>
+                    <a:bodyPr/>
+                    <a:lstStyle/>
+                    <a:p>
+                      <a:pPr algn="ctr" fontAlgn="b"/>
+                      <a:r>
+                        <a:rPr lang="en-US" sz="1100" u="none" strike="noStrike" dirty="0">
+                          <a:effectLst/>
+                          <a:latin typeface="Times New Roman" panose="02020603050405020304" pitchFamily="18" charset="0"/>
+                          <a:cs typeface="Times New Roman" panose="02020603050405020304" pitchFamily="18" charset="0"/>
+                        </a:rPr>
+                        <a:t>0.6478</a:t>
+                      </a:r>
+                      <a:endParaRPr lang="en-US" sz="1100" b="0" i="0" u="none" strike="noStrike" dirty="0">
+                        <a:solidFill>
+                          <a:srgbClr val="000000"/>
+                        </a:solidFill>
+                        <a:effectLst/>
+                        <a:latin typeface="Times New Roman" panose="02020603050405020304" pitchFamily="18" charset="0"/>
+                        <a:cs typeface="Times New Roman" panose="02020603050405020304" pitchFamily="18" charset="0"/>
+                      </a:endParaRPr>
+                    </a:p>
+                  </a:txBody>
+                  <a:tcPr marL="0" marR="0" marT="0" marB="0" anchor="b"/>
+                </a:tc>
+                <a:tc>
+                  <a:txBody>
+                    <a:bodyPr/>
+                    <a:lstStyle/>
+                    <a:p>
+                      <a:pPr algn="ctr" fontAlgn="b"/>
+                      <a:r>
+                        <a:rPr lang="en-US" sz="1100" u="none" strike="noStrike" dirty="0">
+                          <a:effectLst/>
+                          <a:latin typeface="Times New Roman" panose="02020603050405020304" pitchFamily="18" charset="0"/>
+                          <a:cs typeface="Times New Roman" panose="02020603050405020304" pitchFamily="18" charset="0"/>
+                        </a:rPr>
+                        <a:t>0.2984</a:t>
+                      </a:r>
+                      <a:endParaRPr lang="en-US" sz="1100" b="0" i="0" u="none" strike="noStrike" dirty="0">
+                        <a:solidFill>
+                          <a:srgbClr val="000000"/>
+                        </a:solidFill>
+                        <a:effectLst/>
+                        <a:latin typeface="Times New Roman" panose="02020603050405020304" pitchFamily="18" charset="0"/>
+                        <a:cs typeface="Times New Roman" panose="02020603050405020304" pitchFamily="18" charset="0"/>
+                      </a:endParaRPr>
+                    </a:p>
+                  </a:txBody>
+                  <a:tcPr marL="0" marR="0" marT="0" marB="0" anchor="b"/>
+                </a:tc>
+                <a:tc>
+                  <a:txBody>
+                    <a:bodyPr/>
+                    <a:lstStyle/>
+                    <a:p>
+                      <a:pPr algn="ctr" fontAlgn="b"/>
+                      <a:r>
+                        <a:rPr lang="en-US" sz="1100" u="none" strike="noStrike" dirty="0">
+                          <a:effectLst/>
+                          <a:latin typeface="Times New Roman" panose="02020603050405020304" pitchFamily="18" charset="0"/>
+                          <a:cs typeface="Times New Roman" panose="02020603050405020304" pitchFamily="18" charset="0"/>
+                        </a:rPr>
+                        <a:t>0.6279</a:t>
+                      </a:r>
+                      <a:endParaRPr lang="en-US" sz="1100" b="0" i="0" u="none" strike="noStrike" dirty="0">
+                        <a:solidFill>
+                          <a:srgbClr val="000000"/>
+                        </a:solidFill>
+                        <a:effectLst/>
+                        <a:latin typeface="Times New Roman" panose="02020603050405020304" pitchFamily="18" charset="0"/>
+                        <a:cs typeface="Times New Roman" panose="02020603050405020304" pitchFamily="18" charset="0"/>
+                      </a:endParaRPr>
+                    </a:p>
+                  </a:txBody>
+                  <a:tcPr marL="0" marR="0" marT="0" marB="0" anchor="b"/>
+                </a:tc>
+                <a:tc>
+                  <a:txBody>
+                    <a:bodyPr/>
+                    <a:lstStyle/>
+                    <a:p>
+                      <a:pPr algn="ctr" fontAlgn="b"/>
+                      <a:r>
+                        <a:rPr lang="en-US" sz="1100" u="none" strike="noStrike" dirty="0">
+                          <a:effectLst/>
+                          <a:latin typeface="Times New Roman" panose="02020603050405020304" pitchFamily="18" charset="0"/>
+                          <a:cs typeface="Times New Roman" panose="02020603050405020304" pitchFamily="18" charset="0"/>
+                        </a:rPr>
+                        <a:t>0.7561</a:t>
+                      </a:r>
+                      <a:endParaRPr lang="en-US" sz="1100" b="0" i="0" u="none" strike="noStrike" dirty="0">
+                        <a:solidFill>
+                          <a:srgbClr val="000000"/>
+                        </a:solidFill>
+                        <a:effectLst/>
+                        <a:latin typeface="Times New Roman" panose="02020603050405020304" pitchFamily="18" charset="0"/>
+                        <a:cs typeface="Times New Roman" panose="02020603050405020304" pitchFamily="18" charset="0"/>
+                      </a:endParaRPr>
+                    </a:p>
+                  </a:txBody>
+                  <a:tcPr marL="0" marR="0" marT="0" marB="0" anchor="b"/>
+                </a:tc>
+                <a:tc>
+                  <a:txBody>
+                    <a:bodyPr/>
+                    <a:lstStyle/>
+                    <a:p>
+                      <a:pPr algn="ctr" fontAlgn="b"/>
+                      <a:r>
+                        <a:rPr lang="en-US" sz="1100" u="none" strike="noStrike" dirty="0">
+                          <a:effectLst/>
+                          <a:latin typeface="Times New Roman" panose="02020603050405020304" pitchFamily="18" charset="0"/>
+                          <a:cs typeface="Times New Roman" panose="02020603050405020304" pitchFamily="18" charset="0"/>
+                        </a:rPr>
+                        <a:t>0.6427</a:t>
+                      </a:r>
+                      <a:endParaRPr lang="en-US" sz="1100" b="0" i="0" u="none" strike="noStrike" dirty="0">
+                        <a:solidFill>
+                          <a:srgbClr val="000000"/>
+                        </a:solidFill>
+                        <a:effectLst/>
+                        <a:latin typeface="Times New Roman" panose="02020603050405020304" pitchFamily="18" charset="0"/>
+                        <a:cs typeface="Times New Roman" panose="02020603050405020304" pitchFamily="18" charset="0"/>
+                      </a:endParaRPr>
+                    </a:p>
+                  </a:txBody>
+                  <a:tcPr marL="0" marR="0" marT="0" marB="0" anchor="b"/>
+                </a:tc>
+                <a:tc>
+                  <a:txBody>
+                    <a:bodyPr/>
+                    <a:lstStyle/>
+                    <a:p>
+                      <a:pPr algn="ctr" fontAlgn="b"/>
+                      <a:r>
+                        <a:rPr lang="en-US" sz="1100" u="none" strike="noStrike" dirty="0">
+                          <a:effectLst/>
+                          <a:latin typeface="Times New Roman" panose="02020603050405020304" pitchFamily="18" charset="0"/>
+                          <a:cs typeface="Times New Roman" panose="02020603050405020304" pitchFamily="18" charset="0"/>
+                        </a:rPr>
+                        <a:t>0.7528</a:t>
+                      </a:r>
+                      <a:endParaRPr lang="en-US" sz="1100" b="0" i="0" u="none" strike="noStrike" dirty="0">
+                        <a:solidFill>
+                          <a:srgbClr val="000000"/>
+                        </a:solidFill>
+                        <a:effectLst/>
+                        <a:latin typeface="Times New Roman" panose="02020603050405020304" pitchFamily="18" charset="0"/>
+                        <a:cs typeface="Times New Roman" panose="02020603050405020304" pitchFamily="18" charset="0"/>
+                      </a:endParaRPr>
+                    </a:p>
+                  </a:txBody>
+                  <a:tcPr marL="0" marR="0" marT="0" marB="0" anchor="b"/>
+                </a:tc>
+                <a:extLst>
+                  <a:ext uri="{0D108BD9-81ED-4DB2-BD59-A6C34878D82A}">
+                    <a16:rowId xmlns:a16="http://schemas.microsoft.com/office/drawing/2014/main" val="2944680689"/>
+                  </a:ext>
+                </a:extLst>
+              </a:tr>
+            </a:tbl>
+          </a:graphicData>
+        </a:graphic>
+      </p:graphicFrame>
+      <p:graphicFrame>
+        <p:nvGraphicFramePr>
+          <p:cNvPr id="5" name="Table 4"/>
+          <p:cNvGraphicFramePr>
+            <a:graphicFrameLocks noGrp="1"/>
+          </p:cNvGraphicFramePr>
+          <p:nvPr>
+            <p:extLst>
+              <p:ext uri="{D42A27DB-BD31-4B8C-83A1-F6EECF244321}">
+                <p14:modId xmlns:p14="http://schemas.microsoft.com/office/powerpoint/2010/main" val="3201384141"/>
+              </p:ext>
+            </p:extLst>
+          </p:nvPr>
+        </p:nvGraphicFramePr>
+        <p:xfrm>
+          <a:off x="796455" y="1875033"/>
+          <a:ext cx="2514600" cy="1164972"/>
+        </p:xfrm>
+        <a:graphic>
+          <a:graphicData uri="http://schemas.openxmlformats.org/drawingml/2006/table">
+            <a:tbl>
+              <a:tblPr>
+                <a:tableStyleId>{616DA210-FB5B-4158-B5E0-FEB733F419BA}</a:tableStyleId>
+              </a:tblPr>
+              <a:tblGrid>
+                <a:gridCol w="419100">
+                  <a:extLst>
+                    <a:ext uri="{9D8B030D-6E8A-4147-A177-3AD203B41FA5}">
+                      <a16:colId xmlns:a16="http://schemas.microsoft.com/office/drawing/2014/main" val="1795574344"/>
+                    </a:ext>
+                  </a:extLst>
+                </a:gridCol>
+                <a:gridCol w="419100">
+                  <a:extLst>
+                    <a:ext uri="{9D8B030D-6E8A-4147-A177-3AD203B41FA5}">
+                      <a16:colId xmlns:a16="http://schemas.microsoft.com/office/drawing/2014/main" val="3229255292"/>
+                    </a:ext>
+                  </a:extLst>
+                </a:gridCol>
+                <a:gridCol w="419100">
+                  <a:extLst>
+                    <a:ext uri="{9D8B030D-6E8A-4147-A177-3AD203B41FA5}">
+                      <a16:colId xmlns:a16="http://schemas.microsoft.com/office/drawing/2014/main" val="93836132"/>
+                    </a:ext>
+                  </a:extLst>
+                </a:gridCol>
+                <a:gridCol w="419100">
+                  <a:extLst>
+                    <a:ext uri="{9D8B030D-6E8A-4147-A177-3AD203B41FA5}">
+                      <a16:colId xmlns:a16="http://schemas.microsoft.com/office/drawing/2014/main" val="454724856"/>
+                    </a:ext>
+                  </a:extLst>
+                </a:gridCol>
+                <a:gridCol w="419100">
+                  <a:extLst>
+                    <a:ext uri="{9D8B030D-6E8A-4147-A177-3AD203B41FA5}">
+                      <a16:colId xmlns:a16="http://schemas.microsoft.com/office/drawing/2014/main" val="1668938615"/>
+                    </a:ext>
+                  </a:extLst>
+                </a:gridCol>
+                <a:gridCol w="419100">
+                  <a:extLst>
+                    <a:ext uri="{9D8B030D-6E8A-4147-A177-3AD203B41FA5}">
+                      <a16:colId xmlns:a16="http://schemas.microsoft.com/office/drawing/2014/main" val="3870426133"/>
+                    </a:ext>
+                  </a:extLst>
+                </a:gridCol>
+              </a:tblGrid>
+              <a:tr h="194162">
+                <a:tc gridSpan="3">
+                  <a:txBody>
+                    <a:bodyPr/>
+                    <a:lstStyle/>
+                    <a:p>
+                      <a:pPr algn="ctr" fontAlgn="b"/>
+                      <a:r>
+                        <a:rPr lang="en-US" sz="1100" u="none" strike="noStrike" dirty="0">
+                          <a:effectLst/>
+                          <a:latin typeface="Times New Roman" panose="02020603050405020304" pitchFamily="18" charset="0"/>
+                          <a:cs typeface="Times New Roman" panose="02020603050405020304" pitchFamily="18" charset="0"/>
+                        </a:rPr>
+                        <a:t>Across Subjects</a:t>
+                      </a:r>
+                      <a:endParaRPr lang="en-US" sz="1100" b="0" i="0" u="none" strike="noStrike" dirty="0">
+                        <a:solidFill>
+                          <a:srgbClr val="000000"/>
+                        </a:solidFill>
+                        <a:effectLst/>
+                        <a:latin typeface="Times New Roman" panose="02020603050405020304" pitchFamily="18" charset="0"/>
+                        <a:cs typeface="Times New Roman" panose="02020603050405020304" pitchFamily="18" charset="0"/>
+                      </a:endParaRPr>
+                    </a:p>
+                  </a:txBody>
+                  <a:tcPr marL="0" marR="0" marT="0" marB="0" anchor="b"/>
+                </a:tc>
+                <a:tc hMerge="1">
+                  <a:txBody>
+                    <a:bodyPr/>
+                    <a:lstStyle/>
+                    <a:p>
+                      <a:endParaRPr lang="en-US"/>
+                    </a:p>
+                  </a:txBody>
+                  <a:tcPr/>
+                </a:tc>
+                <a:tc hMerge="1">
+                  <a:txBody>
+                    <a:bodyPr/>
+                    <a:lstStyle/>
+                    <a:p>
+                      <a:endParaRPr lang="en-US"/>
+                    </a:p>
+                  </a:txBody>
+                  <a:tcPr/>
+                </a:tc>
+                <a:tc gridSpan="3">
+                  <a:txBody>
+                    <a:bodyPr/>
+                    <a:lstStyle/>
+                    <a:p>
+                      <a:pPr algn="ctr" fontAlgn="b"/>
+                      <a:r>
+                        <a:rPr lang="en-US" sz="1100" u="none" strike="noStrike" dirty="0">
+                          <a:effectLst/>
+                          <a:latin typeface="Times New Roman" panose="02020603050405020304" pitchFamily="18" charset="0"/>
+                          <a:cs typeface="Times New Roman" panose="02020603050405020304" pitchFamily="18" charset="0"/>
+                        </a:rPr>
+                        <a:t>Across Sessions</a:t>
+                      </a:r>
+                      <a:endParaRPr lang="en-US" sz="1100" b="0" i="0" u="none" strike="noStrike" dirty="0">
+                        <a:solidFill>
+                          <a:srgbClr val="000000"/>
+                        </a:solidFill>
+                        <a:effectLst/>
+                        <a:latin typeface="Times New Roman" panose="02020603050405020304" pitchFamily="18" charset="0"/>
+                        <a:cs typeface="Times New Roman" panose="02020603050405020304" pitchFamily="18" charset="0"/>
+                      </a:endParaRPr>
+                    </a:p>
+                  </a:txBody>
+                  <a:tcPr marL="0" marR="0" marT="0" marB="0" anchor="b"/>
+                </a:tc>
+                <a:tc hMerge="1">
+                  <a:txBody>
+                    <a:bodyPr/>
+                    <a:lstStyle/>
+                    <a:p>
+                      <a:endParaRPr lang="en-US"/>
+                    </a:p>
+                  </a:txBody>
+                  <a:tcPr/>
+                </a:tc>
+                <a:tc hMerge="1">
+                  <a:txBody>
+                    <a:bodyPr/>
+                    <a:lstStyle/>
+                    <a:p>
+                      <a:endParaRPr lang="en-US"/>
+                    </a:p>
+                  </a:txBody>
+                  <a:tcPr/>
+                </a:tc>
+                <a:extLst>
+                  <a:ext uri="{0D108BD9-81ED-4DB2-BD59-A6C34878D82A}">
+                    <a16:rowId xmlns:a16="http://schemas.microsoft.com/office/drawing/2014/main" val="1281324877"/>
+                  </a:ext>
+                </a:extLst>
+              </a:tr>
+              <a:tr h="194162">
+                <a:tc>
+                  <a:txBody>
+                    <a:bodyPr/>
+                    <a:lstStyle/>
+                    <a:p>
+                      <a:pPr algn="ctr" fontAlgn="b"/>
+                      <a:r>
+                        <a:rPr lang="en-US" sz="1100" u="none" strike="noStrike" dirty="0">
+                          <a:effectLst/>
+                          <a:latin typeface="Times New Roman" panose="02020603050405020304" pitchFamily="18" charset="0"/>
+                          <a:cs typeface="Times New Roman" panose="02020603050405020304" pitchFamily="18" charset="0"/>
+                        </a:rPr>
+                        <a:t>PRE</a:t>
+                      </a:r>
+                      <a:endParaRPr lang="en-US" sz="1100" b="1" i="0" u="none" strike="noStrike" dirty="0">
+                        <a:solidFill>
+                          <a:srgbClr val="000000"/>
+                        </a:solidFill>
+                        <a:effectLst/>
+                        <a:latin typeface="Times New Roman" panose="02020603050405020304" pitchFamily="18" charset="0"/>
+                        <a:cs typeface="Times New Roman" panose="02020603050405020304" pitchFamily="18" charset="0"/>
+                      </a:endParaRPr>
+                    </a:p>
+                  </a:txBody>
+                  <a:tcPr marL="0" marR="0" marT="0" marB="0" anchor="b"/>
+                </a:tc>
+                <a:tc>
+                  <a:txBody>
+                    <a:bodyPr/>
+                    <a:lstStyle/>
+                    <a:p>
+                      <a:pPr algn="ctr" fontAlgn="b"/>
+                      <a:r>
+                        <a:rPr lang="en-US" sz="1100" u="none" strike="noStrike" dirty="0">
+                          <a:effectLst/>
+                          <a:latin typeface="Times New Roman" panose="02020603050405020304" pitchFamily="18" charset="0"/>
+                          <a:cs typeface="Times New Roman" panose="02020603050405020304" pitchFamily="18" charset="0"/>
+                        </a:rPr>
+                        <a:t>MTG</a:t>
+                      </a:r>
+                      <a:endParaRPr lang="en-US" sz="1100" b="1" i="0" u="none" strike="noStrike" dirty="0">
+                        <a:solidFill>
+                          <a:srgbClr val="000000"/>
+                        </a:solidFill>
+                        <a:effectLst/>
+                        <a:latin typeface="Times New Roman" panose="02020603050405020304" pitchFamily="18" charset="0"/>
+                        <a:cs typeface="Times New Roman" panose="02020603050405020304" pitchFamily="18" charset="0"/>
+                      </a:endParaRPr>
+                    </a:p>
+                  </a:txBody>
+                  <a:tcPr marL="0" marR="0" marT="0" marB="0" anchor="b"/>
+                </a:tc>
+                <a:tc>
+                  <a:txBody>
+                    <a:bodyPr/>
+                    <a:lstStyle/>
+                    <a:p>
+                      <a:pPr algn="ctr" fontAlgn="b"/>
+                      <a:r>
+                        <a:rPr lang="en-US" sz="1100" u="none" strike="noStrike" dirty="0">
+                          <a:effectLst/>
+                          <a:latin typeface="Times New Roman" panose="02020603050405020304" pitchFamily="18" charset="0"/>
+                          <a:cs typeface="Times New Roman" panose="02020603050405020304" pitchFamily="18" charset="0"/>
+                        </a:rPr>
+                        <a:t>MFG</a:t>
+                      </a:r>
+                      <a:endParaRPr lang="en-US" sz="1100" b="1" i="0" u="none" strike="noStrike" dirty="0">
+                        <a:solidFill>
+                          <a:srgbClr val="000000"/>
+                        </a:solidFill>
+                        <a:effectLst/>
+                        <a:latin typeface="Times New Roman" panose="02020603050405020304" pitchFamily="18" charset="0"/>
+                        <a:cs typeface="Times New Roman" panose="02020603050405020304" pitchFamily="18" charset="0"/>
+                      </a:endParaRPr>
+                    </a:p>
+                  </a:txBody>
+                  <a:tcPr marL="0" marR="0" marT="0" marB="0" anchor="b"/>
+                </a:tc>
+                <a:tc>
+                  <a:txBody>
+                    <a:bodyPr/>
+                    <a:lstStyle/>
+                    <a:p>
+                      <a:pPr algn="ctr" fontAlgn="b"/>
+                      <a:r>
+                        <a:rPr lang="en-US" sz="1100" u="none" strike="noStrike" dirty="0">
+                          <a:effectLst/>
+                          <a:latin typeface="Times New Roman" panose="02020603050405020304" pitchFamily="18" charset="0"/>
+                          <a:cs typeface="Times New Roman" panose="02020603050405020304" pitchFamily="18" charset="0"/>
+                        </a:rPr>
+                        <a:t>PRE</a:t>
+                      </a:r>
+                      <a:endParaRPr lang="en-US" sz="1100" b="1" i="0" u="none" strike="noStrike" dirty="0">
+                        <a:solidFill>
+                          <a:srgbClr val="000000"/>
+                        </a:solidFill>
+                        <a:effectLst/>
+                        <a:latin typeface="Times New Roman" panose="02020603050405020304" pitchFamily="18" charset="0"/>
+                        <a:cs typeface="Times New Roman" panose="02020603050405020304" pitchFamily="18" charset="0"/>
+                      </a:endParaRPr>
+                    </a:p>
+                  </a:txBody>
+                  <a:tcPr marL="0" marR="0" marT="0" marB="0" anchor="b"/>
+                </a:tc>
+                <a:tc>
+                  <a:txBody>
+                    <a:bodyPr/>
+                    <a:lstStyle/>
+                    <a:p>
+                      <a:pPr algn="ctr" fontAlgn="b"/>
+                      <a:r>
+                        <a:rPr lang="en-US" sz="1100" u="none" strike="noStrike" dirty="0">
+                          <a:effectLst/>
+                          <a:latin typeface="Times New Roman" panose="02020603050405020304" pitchFamily="18" charset="0"/>
+                          <a:cs typeface="Times New Roman" panose="02020603050405020304" pitchFamily="18" charset="0"/>
+                        </a:rPr>
+                        <a:t>MTG</a:t>
+                      </a:r>
+                      <a:endParaRPr lang="en-US" sz="1100" b="1" i="0" u="none" strike="noStrike" dirty="0">
+                        <a:solidFill>
+                          <a:srgbClr val="000000"/>
+                        </a:solidFill>
+                        <a:effectLst/>
+                        <a:latin typeface="Times New Roman" panose="02020603050405020304" pitchFamily="18" charset="0"/>
+                        <a:cs typeface="Times New Roman" panose="02020603050405020304" pitchFamily="18" charset="0"/>
+                      </a:endParaRPr>
+                    </a:p>
+                  </a:txBody>
+                  <a:tcPr marL="0" marR="0" marT="0" marB="0" anchor="b"/>
+                </a:tc>
+                <a:tc>
+                  <a:txBody>
+                    <a:bodyPr/>
+                    <a:lstStyle/>
+                    <a:p>
+                      <a:pPr algn="ctr" fontAlgn="b"/>
+                      <a:r>
+                        <a:rPr lang="en-US" sz="1100" u="none" strike="noStrike" dirty="0">
+                          <a:effectLst/>
+                          <a:latin typeface="Times New Roman" panose="02020603050405020304" pitchFamily="18" charset="0"/>
+                          <a:cs typeface="Times New Roman" panose="02020603050405020304" pitchFamily="18" charset="0"/>
+                        </a:rPr>
+                        <a:t>MFG</a:t>
+                      </a:r>
+                      <a:endParaRPr lang="en-US" sz="1100" b="1" i="0" u="none" strike="noStrike" dirty="0">
+                        <a:solidFill>
+                          <a:srgbClr val="000000"/>
+                        </a:solidFill>
+                        <a:effectLst/>
+                        <a:latin typeface="Times New Roman" panose="02020603050405020304" pitchFamily="18" charset="0"/>
+                        <a:cs typeface="Times New Roman" panose="02020603050405020304" pitchFamily="18" charset="0"/>
+                      </a:endParaRPr>
+                    </a:p>
+                  </a:txBody>
+                  <a:tcPr marL="0" marR="0" marT="0" marB="0" anchor="b"/>
+                </a:tc>
+                <a:extLst>
+                  <a:ext uri="{0D108BD9-81ED-4DB2-BD59-A6C34878D82A}">
+                    <a16:rowId xmlns:a16="http://schemas.microsoft.com/office/drawing/2014/main" val="2736478541"/>
+                  </a:ext>
+                </a:extLst>
+              </a:tr>
+              <a:tr h="194162">
+                <a:tc>
+                  <a:txBody>
+                    <a:bodyPr/>
+                    <a:lstStyle/>
+                    <a:p>
+                      <a:pPr algn="ctr" fontAlgn="b"/>
+                      <a:r>
+                        <a:rPr lang="en-US" sz="1100" u="none" strike="noStrike" dirty="0">
+                          <a:solidFill>
+                            <a:srgbClr val="FF0000"/>
+                          </a:solidFill>
+                          <a:effectLst/>
+                          <a:latin typeface="Times New Roman" panose="02020603050405020304" pitchFamily="18" charset="0"/>
+                          <a:cs typeface="Times New Roman" panose="02020603050405020304" pitchFamily="18" charset="0"/>
+                        </a:rPr>
+                        <a:t>0.8986</a:t>
+                      </a:r>
+                      <a:endParaRPr lang="en-US" sz="1100" b="0" i="0" u="none" strike="noStrike" dirty="0">
+                        <a:solidFill>
+                          <a:srgbClr val="FF0000"/>
+                        </a:solidFill>
+                        <a:effectLst/>
+                        <a:latin typeface="Times New Roman" panose="02020603050405020304" pitchFamily="18" charset="0"/>
+                        <a:cs typeface="Times New Roman" panose="02020603050405020304" pitchFamily="18" charset="0"/>
+                      </a:endParaRPr>
+                    </a:p>
+                  </a:txBody>
+                  <a:tcPr marL="0" marR="0" marT="0" marB="0" anchor="b"/>
+                </a:tc>
+                <a:tc>
+                  <a:txBody>
+                    <a:bodyPr/>
+                    <a:lstStyle/>
+                    <a:p>
+                      <a:pPr algn="ctr" fontAlgn="b"/>
+                      <a:r>
+                        <a:rPr lang="en-US" sz="1100" b="0" i="0" u="none" strike="noStrike" dirty="0">
+                          <a:solidFill>
+                            <a:srgbClr val="FF0000"/>
+                          </a:solidFill>
+                          <a:effectLst/>
+                          <a:latin typeface="Times New Roman" panose="02020603050405020304" pitchFamily="18" charset="0"/>
+                          <a:cs typeface="Times New Roman" panose="02020603050405020304" pitchFamily="18" charset="0"/>
+                        </a:rPr>
+                        <a:t>0.9090</a:t>
+                      </a:r>
+                    </a:p>
+                  </a:txBody>
+                  <a:tcPr marL="0" marR="0" marT="0" marB="0" anchor="b"/>
+                </a:tc>
+                <a:tc>
+                  <a:txBody>
+                    <a:bodyPr/>
+                    <a:lstStyle/>
+                    <a:p>
+                      <a:pPr algn="ctr" fontAlgn="b"/>
+                      <a:r>
+                        <a:rPr lang="en-US" sz="1100" b="0" i="0" u="none" strike="noStrike" dirty="0">
+                          <a:solidFill>
+                            <a:srgbClr val="FF0000"/>
+                          </a:solidFill>
+                          <a:effectLst/>
+                          <a:latin typeface="Times New Roman" panose="02020603050405020304" pitchFamily="18" charset="0"/>
+                          <a:cs typeface="Times New Roman" panose="02020603050405020304" pitchFamily="18" charset="0"/>
+                        </a:rPr>
+                        <a:t>0.9257</a:t>
+                      </a:r>
+                    </a:p>
+                  </a:txBody>
+                  <a:tcPr marL="0" marR="0" marT="0" marB="0" anchor="b"/>
+                </a:tc>
+                <a:tc>
+                  <a:txBody>
+                    <a:bodyPr/>
+                    <a:lstStyle/>
+                    <a:p>
+                      <a:pPr algn="ctr" fontAlgn="b"/>
+                      <a:r>
+                        <a:rPr lang="en-US" sz="1100" u="none" strike="noStrike" dirty="0">
+                          <a:solidFill>
+                            <a:srgbClr val="FF0000"/>
+                          </a:solidFill>
+                          <a:effectLst/>
+                          <a:latin typeface="Times New Roman" panose="02020603050405020304" pitchFamily="18" charset="0"/>
+                          <a:cs typeface="Times New Roman" panose="02020603050405020304" pitchFamily="18" charset="0"/>
+                        </a:rPr>
+                        <a:t>0.9429</a:t>
+                      </a:r>
+                      <a:endParaRPr lang="en-US" sz="1100" b="0" i="0" u="none" strike="noStrike" dirty="0">
+                        <a:solidFill>
+                          <a:srgbClr val="FF0000"/>
+                        </a:solidFill>
+                        <a:effectLst/>
+                        <a:latin typeface="Times New Roman" panose="02020603050405020304" pitchFamily="18" charset="0"/>
+                        <a:cs typeface="Times New Roman" panose="02020603050405020304" pitchFamily="18" charset="0"/>
+                      </a:endParaRPr>
+                    </a:p>
+                  </a:txBody>
+                  <a:tcPr marL="0" marR="0" marT="0" marB="0" anchor="b"/>
+                </a:tc>
+                <a:tc>
+                  <a:txBody>
+                    <a:bodyPr/>
+                    <a:lstStyle/>
+                    <a:p>
+                      <a:pPr algn="ctr" fontAlgn="b"/>
+                      <a:r>
+                        <a:rPr lang="en-US" sz="1100" b="0" i="0" u="none" strike="noStrike" dirty="0">
+                          <a:solidFill>
+                            <a:srgbClr val="FF0000"/>
+                          </a:solidFill>
+                          <a:effectLst/>
+                          <a:latin typeface="Times New Roman" panose="02020603050405020304" pitchFamily="18" charset="0"/>
+                          <a:cs typeface="Times New Roman" panose="02020603050405020304" pitchFamily="18" charset="0"/>
+                        </a:rPr>
+                        <a:t>0.9473</a:t>
+                      </a:r>
+                    </a:p>
+                  </a:txBody>
+                  <a:tcPr marL="0" marR="0" marT="0" marB="0" anchor="b"/>
+                </a:tc>
+                <a:tc>
+                  <a:txBody>
+                    <a:bodyPr/>
+                    <a:lstStyle/>
+                    <a:p>
+                      <a:pPr algn="ctr" fontAlgn="b"/>
+                      <a:r>
+                        <a:rPr lang="en-US" sz="1100" b="0" i="0" u="none" strike="noStrike" dirty="0">
+                          <a:solidFill>
+                            <a:srgbClr val="FF0000"/>
+                          </a:solidFill>
+                          <a:effectLst/>
+                          <a:latin typeface="Times New Roman" panose="02020603050405020304" pitchFamily="18" charset="0"/>
+                          <a:cs typeface="Times New Roman" panose="02020603050405020304" pitchFamily="18" charset="0"/>
+                        </a:rPr>
+                        <a:t>0.9613</a:t>
+                      </a:r>
+                    </a:p>
+                  </a:txBody>
+                  <a:tcPr marL="0" marR="0" marT="0" marB="0" anchor="b"/>
+                </a:tc>
+                <a:extLst>
+                  <a:ext uri="{0D108BD9-81ED-4DB2-BD59-A6C34878D82A}">
+                    <a16:rowId xmlns:a16="http://schemas.microsoft.com/office/drawing/2014/main" val="2015474771"/>
+                  </a:ext>
+                </a:extLst>
+              </a:tr>
+              <a:tr h="194162">
+                <a:tc>
+                  <a:txBody>
+                    <a:bodyPr/>
+                    <a:lstStyle/>
+                    <a:p>
+                      <a:pPr algn="ctr" fontAlgn="b"/>
+                      <a:r>
+                        <a:rPr lang="en-US" sz="1100" b="0" i="0" u="none" strike="noStrike" dirty="0">
+                          <a:solidFill>
+                            <a:srgbClr val="000000"/>
+                          </a:solidFill>
+                          <a:effectLst/>
+                          <a:latin typeface="Times New Roman" panose="02020603050405020304" pitchFamily="18" charset="0"/>
+                          <a:cs typeface="Times New Roman" panose="02020603050405020304" pitchFamily="18" charset="0"/>
+                        </a:rPr>
+                        <a:t>0.8834</a:t>
+                      </a:r>
+                    </a:p>
+                  </a:txBody>
+                  <a:tcPr marL="0" marR="0" marT="0" marB="0" anchor="b"/>
+                </a:tc>
+                <a:tc>
+                  <a:txBody>
+                    <a:bodyPr/>
+                    <a:lstStyle/>
+                    <a:p>
+                      <a:pPr algn="ctr" fontAlgn="b"/>
+                      <a:r>
+                        <a:rPr lang="en-US" sz="1100" b="0" i="0" u="none" strike="noStrike" dirty="0">
+                          <a:solidFill>
+                            <a:srgbClr val="000000"/>
+                          </a:solidFill>
+                          <a:effectLst/>
+                          <a:latin typeface="Times New Roman" panose="02020603050405020304" pitchFamily="18" charset="0"/>
+                          <a:cs typeface="Times New Roman" panose="02020603050405020304" pitchFamily="18" charset="0"/>
+                        </a:rPr>
+                        <a:t>0.8940</a:t>
+                      </a:r>
+                    </a:p>
+                  </a:txBody>
+                  <a:tcPr marL="0" marR="0" marT="0" marB="0" anchor="b"/>
+                </a:tc>
+                <a:tc>
+                  <a:txBody>
+                    <a:bodyPr/>
+                    <a:lstStyle/>
+                    <a:p>
+                      <a:pPr algn="ctr" fontAlgn="b"/>
+                      <a:r>
+                        <a:rPr lang="en-US" sz="1100" u="none" strike="noStrike" dirty="0">
+                          <a:effectLst/>
+                          <a:latin typeface="Times New Roman" panose="02020603050405020304" pitchFamily="18" charset="0"/>
+                          <a:cs typeface="Times New Roman" panose="02020603050405020304" pitchFamily="18" charset="0"/>
+                        </a:rPr>
+                        <a:t>0.8978</a:t>
+                      </a:r>
+                      <a:endParaRPr lang="en-US" sz="1100" b="0" i="0" u="none" strike="noStrike" dirty="0">
+                        <a:solidFill>
+                          <a:srgbClr val="000000"/>
+                        </a:solidFill>
+                        <a:effectLst/>
+                        <a:latin typeface="Times New Roman" panose="02020603050405020304" pitchFamily="18" charset="0"/>
+                        <a:cs typeface="Times New Roman" panose="02020603050405020304" pitchFamily="18" charset="0"/>
+                      </a:endParaRPr>
+                    </a:p>
+                  </a:txBody>
+                  <a:tcPr marL="0" marR="0" marT="0" marB="0" anchor="b"/>
+                </a:tc>
+                <a:tc>
+                  <a:txBody>
+                    <a:bodyPr/>
+                    <a:lstStyle/>
+                    <a:p>
+                      <a:pPr algn="ctr" fontAlgn="b"/>
+                      <a:r>
+                        <a:rPr lang="en-US" sz="1100" u="none" strike="noStrike" dirty="0">
+                          <a:effectLst/>
+                          <a:latin typeface="Times New Roman" panose="02020603050405020304" pitchFamily="18" charset="0"/>
+                          <a:cs typeface="Times New Roman" panose="02020603050405020304" pitchFamily="18" charset="0"/>
+                        </a:rPr>
+                        <a:t>0.9332</a:t>
+                      </a:r>
+                      <a:endParaRPr lang="en-US" sz="1100" b="0" i="0" u="none" strike="noStrike" dirty="0">
+                        <a:solidFill>
+                          <a:srgbClr val="000000"/>
+                        </a:solidFill>
+                        <a:effectLst/>
+                        <a:latin typeface="Times New Roman" panose="02020603050405020304" pitchFamily="18" charset="0"/>
+                        <a:cs typeface="Times New Roman" panose="02020603050405020304" pitchFamily="18" charset="0"/>
+                      </a:endParaRPr>
+                    </a:p>
+                  </a:txBody>
+                  <a:tcPr marL="0" marR="0" marT="0" marB="0" anchor="b"/>
+                </a:tc>
+                <a:tc>
+                  <a:txBody>
+                    <a:bodyPr/>
+                    <a:lstStyle/>
+                    <a:p>
+                      <a:pPr algn="ctr" fontAlgn="b"/>
+                      <a:r>
+                        <a:rPr lang="en-US" sz="1100" b="0" i="0" u="none" strike="noStrike" dirty="0">
+                          <a:solidFill>
+                            <a:srgbClr val="000000"/>
+                          </a:solidFill>
+                          <a:effectLst/>
+                          <a:latin typeface="Times New Roman" panose="02020603050405020304" pitchFamily="18" charset="0"/>
+                          <a:cs typeface="Times New Roman" panose="02020603050405020304" pitchFamily="18" charset="0"/>
+                        </a:rPr>
+                        <a:t>0.9403</a:t>
+                      </a:r>
+                    </a:p>
+                  </a:txBody>
+                  <a:tcPr marL="0" marR="0" marT="0" marB="0" anchor="b"/>
+                </a:tc>
+                <a:tc>
+                  <a:txBody>
+                    <a:bodyPr/>
+                    <a:lstStyle/>
+                    <a:p>
+                      <a:pPr algn="ctr" fontAlgn="b"/>
+                      <a:r>
+                        <a:rPr lang="en-US" sz="1100" b="0" i="0" u="none" strike="noStrike" dirty="0">
+                          <a:solidFill>
+                            <a:srgbClr val="000000"/>
+                          </a:solidFill>
+                          <a:effectLst/>
+                          <a:latin typeface="Times New Roman" panose="02020603050405020304" pitchFamily="18" charset="0"/>
+                          <a:cs typeface="Times New Roman" panose="02020603050405020304" pitchFamily="18" charset="0"/>
+                        </a:rPr>
+                        <a:t>0.9483</a:t>
+                      </a:r>
+                    </a:p>
+                  </a:txBody>
+                  <a:tcPr marL="0" marR="0" marT="0" marB="0" anchor="b"/>
+                </a:tc>
+                <a:extLst>
+                  <a:ext uri="{0D108BD9-81ED-4DB2-BD59-A6C34878D82A}">
+                    <a16:rowId xmlns:a16="http://schemas.microsoft.com/office/drawing/2014/main" val="1584494603"/>
+                  </a:ext>
+                </a:extLst>
+              </a:tr>
+              <a:tr h="194162">
+                <a:tc>
+                  <a:txBody>
+                    <a:bodyPr/>
+                    <a:lstStyle/>
+                    <a:p>
+                      <a:pPr algn="ctr" fontAlgn="b"/>
+                      <a:r>
+                        <a:rPr lang="en-US" sz="1100" u="none" strike="noStrike" dirty="0">
+                          <a:effectLst/>
+                          <a:latin typeface="Times New Roman" panose="02020603050405020304" pitchFamily="18" charset="0"/>
+                          <a:cs typeface="Times New Roman" panose="02020603050405020304" pitchFamily="18" charset="0"/>
+                        </a:rPr>
+                        <a:t>0.8754</a:t>
+                      </a:r>
+                      <a:endParaRPr lang="en-US" sz="1100" b="0" i="0" u="none" strike="noStrike" dirty="0">
+                        <a:solidFill>
+                          <a:srgbClr val="000000"/>
+                        </a:solidFill>
+                        <a:effectLst/>
+                        <a:latin typeface="Times New Roman" panose="02020603050405020304" pitchFamily="18" charset="0"/>
+                        <a:cs typeface="Times New Roman" panose="02020603050405020304" pitchFamily="18" charset="0"/>
+                      </a:endParaRPr>
+                    </a:p>
+                  </a:txBody>
+                  <a:tcPr marL="0" marR="0" marT="0" marB="0" anchor="b"/>
+                </a:tc>
+                <a:tc>
+                  <a:txBody>
+                    <a:bodyPr/>
+                    <a:lstStyle/>
+                    <a:p>
+                      <a:pPr algn="ctr" fontAlgn="b"/>
+                      <a:r>
+                        <a:rPr lang="en-US" sz="1100" b="0" i="0" u="none" strike="noStrike" dirty="0">
+                          <a:solidFill>
+                            <a:srgbClr val="000000"/>
+                          </a:solidFill>
+                          <a:effectLst/>
+                          <a:latin typeface="Times New Roman" panose="02020603050405020304" pitchFamily="18" charset="0"/>
+                          <a:cs typeface="Times New Roman" panose="02020603050405020304" pitchFamily="18" charset="0"/>
+                        </a:rPr>
+                        <a:t>0.8863</a:t>
+                      </a:r>
+                    </a:p>
+                  </a:txBody>
+                  <a:tcPr marL="0" marR="0" marT="0" marB="0" anchor="b"/>
+                </a:tc>
+                <a:tc>
+                  <a:txBody>
+                    <a:bodyPr/>
+                    <a:lstStyle/>
+                    <a:p>
+                      <a:pPr algn="ctr" fontAlgn="b"/>
+                      <a:r>
+                        <a:rPr lang="en-US" sz="1100" b="0" i="0" u="none" strike="noStrike" dirty="0">
+                          <a:solidFill>
+                            <a:srgbClr val="000000"/>
+                          </a:solidFill>
+                          <a:effectLst/>
+                          <a:latin typeface="Times New Roman" panose="02020603050405020304" pitchFamily="18" charset="0"/>
+                          <a:cs typeface="Times New Roman" panose="02020603050405020304" pitchFamily="18" charset="0"/>
+                        </a:rPr>
+                        <a:t>0.8666</a:t>
+                      </a:r>
+                    </a:p>
+                  </a:txBody>
+                  <a:tcPr marL="0" marR="0" marT="0" marB="0" anchor="b"/>
+                </a:tc>
+                <a:tc>
+                  <a:txBody>
+                    <a:bodyPr/>
+                    <a:lstStyle/>
+                    <a:p>
+                      <a:pPr algn="ctr" fontAlgn="b"/>
+                      <a:r>
+                        <a:rPr lang="en-US" sz="1100" u="none" strike="noStrike" dirty="0">
+                          <a:effectLst/>
+                          <a:latin typeface="Times New Roman" panose="02020603050405020304" pitchFamily="18" charset="0"/>
+                          <a:cs typeface="Times New Roman" panose="02020603050405020304" pitchFamily="18" charset="0"/>
+                        </a:rPr>
+                        <a:t>0.9280</a:t>
+                      </a:r>
+                      <a:endParaRPr lang="en-US" sz="1100" b="0" i="0" u="none" strike="noStrike" dirty="0">
+                        <a:solidFill>
+                          <a:srgbClr val="000000"/>
+                        </a:solidFill>
+                        <a:effectLst/>
+                        <a:latin typeface="Times New Roman" panose="02020603050405020304" pitchFamily="18" charset="0"/>
+                        <a:cs typeface="Times New Roman" panose="02020603050405020304" pitchFamily="18" charset="0"/>
+                      </a:endParaRPr>
+                    </a:p>
+                  </a:txBody>
+                  <a:tcPr marL="0" marR="0" marT="0" marB="0" anchor="b"/>
+                </a:tc>
+                <a:tc>
+                  <a:txBody>
+                    <a:bodyPr/>
+                    <a:lstStyle/>
+                    <a:p>
+                      <a:pPr algn="ctr" fontAlgn="b"/>
+                      <a:r>
+                        <a:rPr lang="en-US" sz="1100" b="0" i="0" u="none" strike="noStrike" dirty="0">
+                          <a:solidFill>
+                            <a:srgbClr val="000000"/>
+                          </a:solidFill>
+                          <a:effectLst/>
+                          <a:latin typeface="Times New Roman" panose="02020603050405020304" pitchFamily="18" charset="0"/>
+                          <a:cs typeface="Times New Roman" panose="02020603050405020304" pitchFamily="18" charset="0"/>
+                        </a:rPr>
+                        <a:t>0.9380</a:t>
+                      </a:r>
+                    </a:p>
+                  </a:txBody>
+                  <a:tcPr marL="0" marR="0" marT="0" marB="0" anchor="b"/>
+                </a:tc>
+                <a:tc>
+                  <a:txBody>
+                    <a:bodyPr/>
+                    <a:lstStyle/>
+                    <a:p>
+                      <a:pPr algn="ctr" fontAlgn="b"/>
+                      <a:r>
+                        <a:rPr lang="en-US" sz="1100" b="0" i="0" u="none" strike="noStrike" dirty="0">
+                          <a:solidFill>
+                            <a:srgbClr val="000000"/>
+                          </a:solidFill>
+                          <a:effectLst/>
+                          <a:latin typeface="Times New Roman" panose="02020603050405020304" pitchFamily="18" charset="0"/>
+                          <a:cs typeface="Times New Roman" panose="02020603050405020304" pitchFamily="18" charset="0"/>
+                        </a:rPr>
+                        <a:t>0.9358</a:t>
+                      </a:r>
+                    </a:p>
+                  </a:txBody>
+                  <a:tcPr marL="0" marR="0" marT="0" marB="0" anchor="b"/>
+                </a:tc>
+                <a:extLst>
+                  <a:ext uri="{0D108BD9-81ED-4DB2-BD59-A6C34878D82A}">
+                    <a16:rowId xmlns:a16="http://schemas.microsoft.com/office/drawing/2014/main" val="1686287627"/>
+                  </a:ext>
+                </a:extLst>
+              </a:tr>
+              <a:tr h="194162">
+                <a:tc>
+                  <a:txBody>
+                    <a:bodyPr/>
+                    <a:lstStyle/>
+                    <a:p>
+                      <a:pPr algn="ctr" fontAlgn="b"/>
+                      <a:r>
+                        <a:rPr lang="en-US" sz="1100" u="none" strike="noStrike" dirty="0">
+                          <a:effectLst/>
+                          <a:latin typeface="Times New Roman" panose="02020603050405020304" pitchFamily="18" charset="0"/>
+                          <a:cs typeface="Times New Roman" panose="02020603050405020304" pitchFamily="18" charset="0"/>
+                        </a:rPr>
+                        <a:t>0.6477</a:t>
+                      </a:r>
+                      <a:endParaRPr lang="en-US" sz="1100" b="0" i="0" u="none" strike="noStrike" dirty="0">
+                        <a:solidFill>
+                          <a:srgbClr val="000000"/>
+                        </a:solidFill>
+                        <a:effectLst/>
+                        <a:latin typeface="Times New Roman" panose="02020603050405020304" pitchFamily="18" charset="0"/>
+                        <a:cs typeface="Times New Roman" panose="02020603050405020304" pitchFamily="18" charset="0"/>
+                      </a:endParaRPr>
+                    </a:p>
+                  </a:txBody>
+                  <a:tcPr marL="0" marR="0" marT="0" marB="0" anchor="b"/>
+                </a:tc>
+                <a:tc>
+                  <a:txBody>
+                    <a:bodyPr/>
+                    <a:lstStyle/>
+                    <a:p>
+                      <a:pPr algn="ctr" fontAlgn="b"/>
+                      <a:r>
+                        <a:rPr lang="en-US" sz="1100" b="0" i="0" u="none" strike="noStrike" dirty="0">
+                          <a:solidFill>
+                            <a:srgbClr val="000000"/>
+                          </a:solidFill>
+                          <a:effectLst/>
+                          <a:latin typeface="Times New Roman" panose="02020603050405020304" pitchFamily="18" charset="0"/>
+                          <a:cs typeface="Times New Roman" panose="02020603050405020304" pitchFamily="18" charset="0"/>
+                        </a:rPr>
+                        <a:t>0.8125</a:t>
+                      </a:r>
+                    </a:p>
+                  </a:txBody>
+                  <a:tcPr marL="0" marR="0" marT="0" marB="0" anchor="b"/>
+                </a:tc>
+                <a:tc>
+                  <a:txBody>
+                    <a:bodyPr/>
+                    <a:lstStyle/>
+                    <a:p>
+                      <a:pPr algn="ctr" fontAlgn="b"/>
+                      <a:r>
+                        <a:rPr lang="en-US" sz="1100" u="none" strike="noStrike" dirty="0">
+                          <a:effectLst/>
+                          <a:latin typeface="Times New Roman" panose="02020603050405020304" pitchFamily="18" charset="0"/>
+                          <a:cs typeface="Times New Roman" panose="02020603050405020304" pitchFamily="18" charset="0"/>
+                        </a:rPr>
+                        <a:t>0.6629</a:t>
+                      </a:r>
+                      <a:endParaRPr lang="en-US" sz="1100" b="0" i="0" u="none" strike="noStrike" dirty="0">
+                        <a:solidFill>
+                          <a:srgbClr val="000000"/>
+                        </a:solidFill>
+                        <a:effectLst/>
+                        <a:latin typeface="Times New Roman" panose="02020603050405020304" pitchFamily="18" charset="0"/>
+                        <a:cs typeface="Times New Roman" panose="02020603050405020304" pitchFamily="18" charset="0"/>
+                      </a:endParaRPr>
+                    </a:p>
+                  </a:txBody>
+                  <a:tcPr marL="0" marR="0" marT="0" marB="0" anchor="b"/>
+                </a:tc>
+                <a:tc>
+                  <a:txBody>
+                    <a:bodyPr/>
+                    <a:lstStyle/>
+                    <a:p>
+                      <a:pPr algn="ctr" fontAlgn="b"/>
+                      <a:r>
+                        <a:rPr lang="en-US" sz="1100" u="none" strike="noStrike" dirty="0">
+                          <a:effectLst/>
+                          <a:latin typeface="Times New Roman" panose="02020603050405020304" pitchFamily="18" charset="0"/>
+                          <a:cs typeface="Times New Roman" panose="02020603050405020304" pitchFamily="18" charset="0"/>
+                        </a:rPr>
+                        <a:t>0.8371</a:t>
+                      </a:r>
+                      <a:endParaRPr lang="en-US" sz="1100" b="0" i="0" u="none" strike="noStrike" dirty="0">
+                        <a:solidFill>
+                          <a:srgbClr val="000000"/>
+                        </a:solidFill>
+                        <a:effectLst/>
+                        <a:latin typeface="Times New Roman" panose="02020603050405020304" pitchFamily="18" charset="0"/>
+                        <a:cs typeface="Times New Roman" panose="02020603050405020304" pitchFamily="18" charset="0"/>
+                      </a:endParaRPr>
+                    </a:p>
+                  </a:txBody>
+                  <a:tcPr marL="0" marR="0" marT="0" marB="0" anchor="b"/>
+                </a:tc>
+                <a:tc>
+                  <a:txBody>
+                    <a:bodyPr/>
+                    <a:lstStyle/>
+                    <a:p>
+                      <a:pPr algn="ctr" fontAlgn="b"/>
+                      <a:r>
+                        <a:rPr lang="en-US" sz="1100" b="0" i="0" u="none" strike="noStrike" dirty="0">
+                          <a:solidFill>
+                            <a:srgbClr val="000000"/>
+                          </a:solidFill>
+                          <a:effectLst/>
+                          <a:latin typeface="Times New Roman" panose="02020603050405020304" pitchFamily="18" charset="0"/>
+                          <a:cs typeface="Times New Roman" panose="02020603050405020304" pitchFamily="18" charset="0"/>
+                        </a:rPr>
+                        <a:t>0.8942</a:t>
+                      </a:r>
+                    </a:p>
+                  </a:txBody>
+                  <a:tcPr marL="0" marR="0" marT="0" marB="0" anchor="b"/>
+                </a:tc>
+                <a:tc>
+                  <a:txBody>
+                    <a:bodyPr/>
+                    <a:lstStyle/>
+                    <a:p>
+                      <a:pPr algn="ctr" fontAlgn="b"/>
+                      <a:r>
+                        <a:rPr lang="en-US" sz="1100" b="0" i="0" u="none" strike="noStrike" dirty="0">
+                          <a:solidFill>
+                            <a:srgbClr val="000000"/>
+                          </a:solidFill>
+                          <a:effectLst/>
+                          <a:latin typeface="Times New Roman" panose="02020603050405020304" pitchFamily="18" charset="0"/>
+                          <a:cs typeface="Times New Roman" panose="02020603050405020304" pitchFamily="18" charset="0"/>
+                        </a:rPr>
+                        <a:t>0.8208</a:t>
+                      </a:r>
+                    </a:p>
+                  </a:txBody>
+                  <a:tcPr marL="0" marR="0" marT="0" marB="0" anchor="b"/>
+                </a:tc>
+                <a:extLst>
+                  <a:ext uri="{0D108BD9-81ED-4DB2-BD59-A6C34878D82A}">
+                    <a16:rowId xmlns:a16="http://schemas.microsoft.com/office/drawing/2014/main" val="1632202869"/>
+                  </a:ext>
+                </a:extLst>
+              </a:tr>
+            </a:tbl>
+          </a:graphicData>
+        </a:graphic>
+      </p:graphicFrame>
+      <p:sp>
+        <p:nvSpPr>
+          <p:cNvPr id="6" name="TextBox 5"/>
+          <p:cNvSpPr txBox="1"/>
+          <p:nvPr/>
+        </p:nvSpPr>
+        <p:spPr>
+          <a:xfrm>
+            <a:off x="944917" y="95422"/>
+            <a:ext cx="1566454" cy="307777"/>
+          </a:xfrm>
+          <a:prstGeom prst="rect">
+            <a:avLst/>
+          </a:prstGeom>
+          <a:noFill/>
+        </p:spPr>
+        <p:txBody>
+          <a:bodyPr wrap="none" rtlCol="0">
+            <a:spAutoFit/>
+          </a:bodyPr>
+          <a:lstStyle/>
+          <a:p>
+            <a:r>
+              <a:rPr lang="en-US" sz="1400" dirty="0">
+                <a:latin typeface="Times New Roman" panose="02020603050405020304" pitchFamily="18" charset="0"/>
+                <a:cs typeface="Times New Roman" panose="02020603050405020304" pitchFamily="18" charset="0"/>
+              </a:rPr>
+              <a:t>Spectral Clustering</a:t>
+            </a:r>
+          </a:p>
+        </p:txBody>
+      </p:sp>
+      <p:sp>
+        <p:nvSpPr>
+          <p:cNvPr id="7" name="TextBox 6"/>
+          <p:cNvSpPr txBox="1"/>
+          <p:nvPr/>
+        </p:nvSpPr>
+        <p:spPr>
+          <a:xfrm>
+            <a:off x="1034685" y="1614282"/>
+            <a:ext cx="1386918" cy="307777"/>
+          </a:xfrm>
+          <a:prstGeom prst="rect">
+            <a:avLst/>
+          </a:prstGeom>
+          <a:noFill/>
+        </p:spPr>
+        <p:txBody>
+          <a:bodyPr wrap="none" rtlCol="0">
+            <a:spAutoFit/>
+          </a:bodyPr>
+          <a:lstStyle/>
+          <a:p>
+            <a:r>
+              <a:rPr lang="en-US" sz="1400" dirty="0">
+                <a:latin typeface="Times New Roman" panose="02020603050405020304" pitchFamily="18" charset="0"/>
+                <a:cs typeface="Times New Roman" panose="02020603050405020304" pitchFamily="18" charset="0"/>
+              </a:rPr>
+              <a:t>Region Growing</a:t>
+            </a:r>
+          </a:p>
+        </p:txBody>
+      </p:sp>
+      <p:graphicFrame>
+        <p:nvGraphicFramePr>
+          <p:cNvPr id="8" name="Table 7"/>
+          <p:cNvGraphicFramePr>
+            <a:graphicFrameLocks noGrp="1"/>
+          </p:cNvGraphicFramePr>
+          <p:nvPr>
+            <p:extLst>
+              <p:ext uri="{D42A27DB-BD31-4B8C-83A1-F6EECF244321}">
+                <p14:modId xmlns:p14="http://schemas.microsoft.com/office/powerpoint/2010/main" val="1382537244"/>
+              </p:ext>
+            </p:extLst>
+          </p:nvPr>
+        </p:nvGraphicFramePr>
+        <p:xfrm>
+          <a:off x="169392" y="1875033"/>
+          <a:ext cx="627063" cy="1164972"/>
+        </p:xfrm>
+        <a:graphic>
+          <a:graphicData uri="http://schemas.openxmlformats.org/drawingml/2006/table">
+            <a:tbl>
+              <a:tblPr>
+                <a:tableStyleId>{616DA210-FB5B-4158-B5E0-FEB733F419BA}</a:tableStyleId>
+              </a:tblPr>
+              <a:tblGrid>
+                <a:gridCol w="627063">
+                  <a:extLst>
+                    <a:ext uri="{9D8B030D-6E8A-4147-A177-3AD203B41FA5}">
+                      <a16:colId xmlns:a16="http://schemas.microsoft.com/office/drawing/2014/main" val="3460353807"/>
+                    </a:ext>
+                  </a:extLst>
+                </a:gridCol>
+              </a:tblGrid>
+              <a:tr h="194162">
+                <a:tc>
+                  <a:txBody>
+                    <a:bodyPr/>
+                    <a:lstStyle/>
+                    <a:p>
+                      <a:pPr algn="ctr" fontAlgn="b"/>
+                      <a:r>
+                        <a:rPr lang="en-US" sz="1100" u="none" strike="noStrike" dirty="0">
+                          <a:effectLst/>
+                          <a:latin typeface="Times New Roman" panose="02020603050405020304" pitchFamily="18" charset="0"/>
+                          <a:cs typeface="Times New Roman" panose="02020603050405020304" pitchFamily="18" charset="0"/>
+                        </a:rPr>
+                        <a:t> </a:t>
+                      </a:r>
+                      <a:endParaRPr lang="en-US" sz="1100" b="0" i="0" u="none" strike="noStrike" dirty="0">
+                        <a:solidFill>
+                          <a:srgbClr val="000000"/>
+                        </a:solidFill>
+                        <a:effectLst/>
+                        <a:latin typeface="Times New Roman" panose="02020603050405020304" pitchFamily="18" charset="0"/>
+                        <a:cs typeface="Times New Roman" panose="02020603050405020304" pitchFamily="18" charset="0"/>
+                      </a:endParaRPr>
+                    </a:p>
+                  </a:txBody>
+                  <a:tcPr marL="0" marR="0" marT="0" marB="0" anchor="b"/>
+                </a:tc>
+                <a:extLst>
+                  <a:ext uri="{0D108BD9-81ED-4DB2-BD59-A6C34878D82A}">
+                    <a16:rowId xmlns:a16="http://schemas.microsoft.com/office/drawing/2014/main" val="1721532473"/>
+                  </a:ext>
+                </a:extLst>
+              </a:tr>
+              <a:tr h="194162">
+                <a:tc>
+                  <a:txBody>
+                    <a:bodyPr/>
+                    <a:lstStyle/>
+                    <a:p>
+                      <a:pPr algn="ctr" fontAlgn="b"/>
+                      <a:r>
+                        <a:rPr lang="en-US" sz="1100" u="none" strike="noStrike" dirty="0">
+                          <a:effectLst/>
+                          <a:latin typeface="Times New Roman" panose="02020603050405020304" pitchFamily="18" charset="0"/>
+                          <a:cs typeface="Times New Roman" panose="02020603050405020304" pitchFamily="18" charset="0"/>
+                        </a:rPr>
+                        <a:t> </a:t>
+                      </a:r>
+                      <a:endParaRPr lang="en-US" sz="1100" b="0" i="0" u="none" strike="noStrike" dirty="0">
+                        <a:solidFill>
+                          <a:srgbClr val="000000"/>
+                        </a:solidFill>
+                        <a:effectLst/>
+                        <a:latin typeface="Times New Roman" panose="02020603050405020304" pitchFamily="18" charset="0"/>
+                        <a:cs typeface="Times New Roman" panose="02020603050405020304" pitchFamily="18" charset="0"/>
+                      </a:endParaRPr>
+                    </a:p>
+                  </a:txBody>
+                  <a:tcPr marL="0" marR="0" marT="0" marB="0" anchor="b"/>
+                </a:tc>
+                <a:extLst>
+                  <a:ext uri="{0D108BD9-81ED-4DB2-BD59-A6C34878D82A}">
+                    <a16:rowId xmlns:a16="http://schemas.microsoft.com/office/drawing/2014/main" val="1586652319"/>
+                  </a:ext>
+                </a:extLst>
+              </a:tr>
+              <a:tr h="194162">
+                <a:tc>
+                  <a:txBody>
+                    <a:bodyPr/>
+                    <a:lstStyle/>
+                    <a:p>
+                      <a:pPr algn="ctr" fontAlgn="b"/>
+                      <a:r>
+                        <a:rPr lang="en-US" sz="1100" u="none" strike="noStrike" dirty="0">
+                          <a:effectLst/>
+                          <a:latin typeface="Times New Roman" panose="02020603050405020304" pitchFamily="18" charset="0"/>
+                          <a:cs typeface="Times New Roman" panose="02020603050405020304" pitchFamily="18" charset="0"/>
+                        </a:rPr>
+                        <a:t>Geodesic</a:t>
+                      </a:r>
+                      <a:endParaRPr lang="en-US" sz="1100" b="1" i="0" u="none" strike="noStrike" dirty="0">
+                        <a:solidFill>
+                          <a:srgbClr val="000000"/>
+                        </a:solidFill>
+                        <a:effectLst/>
+                        <a:latin typeface="Times New Roman" panose="02020603050405020304" pitchFamily="18" charset="0"/>
+                        <a:cs typeface="Times New Roman" panose="02020603050405020304" pitchFamily="18" charset="0"/>
+                      </a:endParaRPr>
+                    </a:p>
+                  </a:txBody>
+                  <a:tcPr marL="0" marR="0" marT="0" marB="0" anchor="b"/>
+                </a:tc>
+                <a:extLst>
+                  <a:ext uri="{0D108BD9-81ED-4DB2-BD59-A6C34878D82A}">
+                    <a16:rowId xmlns:a16="http://schemas.microsoft.com/office/drawing/2014/main" val="4261459553"/>
+                  </a:ext>
+                </a:extLst>
+              </a:tr>
+              <a:tr h="194162">
+                <a:tc>
+                  <a:txBody>
+                    <a:bodyPr/>
+                    <a:lstStyle/>
+                    <a:p>
+                      <a:pPr algn="l" fontAlgn="b"/>
+                      <a:r>
+                        <a:rPr lang="en-US" sz="1100" u="none" strike="noStrike" dirty="0">
+                          <a:effectLst/>
+                          <a:latin typeface="Times New Roman" panose="02020603050405020304" pitchFamily="18" charset="0"/>
+                          <a:cs typeface="Times New Roman" panose="02020603050405020304" pitchFamily="18" charset="0"/>
+                        </a:rPr>
+                        <a:t> Euclidean</a:t>
+                      </a:r>
+                      <a:endParaRPr lang="en-US" sz="1100" b="0" i="0" u="none" strike="noStrike" dirty="0">
+                        <a:solidFill>
+                          <a:srgbClr val="000000"/>
+                        </a:solidFill>
+                        <a:effectLst/>
+                        <a:latin typeface="Times New Roman" panose="02020603050405020304" pitchFamily="18" charset="0"/>
+                        <a:cs typeface="Times New Roman" panose="02020603050405020304" pitchFamily="18" charset="0"/>
+                      </a:endParaRPr>
+                    </a:p>
+                  </a:txBody>
+                  <a:tcPr marL="0" marR="0" marT="0" marB="0"/>
+                </a:tc>
+                <a:extLst>
+                  <a:ext uri="{0D108BD9-81ED-4DB2-BD59-A6C34878D82A}">
+                    <a16:rowId xmlns:a16="http://schemas.microsoft.com/office/drawing/2014/main" val="1029907468"/>
+                  </a:ext>
+                </a:extLst>
+              </a:tr>
+              <a:tr h="194162">
+                <a:tc>
+                  <a:txBody>
+                    <a:bodyPr/>
+                    <a:lstStyle/>
+                    <a:p>
+                      <a:pPr algn="ctr" fontAlgn="b"/>
+                      <a:r>
+                        <a:rPr lang="en-US" sz="1100" u="none" strike="noStrike" dirty="0" err="1">
+                          <a:effectLst/>
+                          <a:latin typeface="Times New Roman" panose="02020603050405020304" pitchFamily="18" charset="0"/>
+                          <a:cs typeface="Times New Roman" panose="02020603050405020304" pitchFamily="18" charset="0"/>
+                        </a:rPr>
+                        <a:t>Exp</a:t>
+                      </a:r>
+                      <a:r>
+                        <a:rPr lang="en-US" sz="1100" u="none" strike="noStrike" baseline="0" dirty="0">
+                          <a:effectLst/>
+                          <a:latin typeface="Times New Roman" panose="02020603050405020304" pitchFamily="18" charset="0"/>
+                          <a:cs typeface="Times New Roman" panose="02020603050405020304" pitchFamily="18" charset="0"/>
+                        </a:rPr>
+                        <a:t> Ker</a:t>
+                      </a:r>
+                      <a:endParaRPr lang="en-US" sz="1100" b="1" i="0" u="none" strike="noStrike" dirty="0">
+                        <a:solidFill>
+                          <a:srgbClr val="000000"/>
+                        </a:solidFill>
+                        <a:effectLst/>
+                        <a:latin typeface="Times New Roman" panose="02020603050405020304" pitchFamily="18" charset="0"/>
+                        <a:cs typeface="Times New Roman" panose="02020603050405020304" pitchFamily="18" charset="0"/>
+                      </a:endParaRPr>
+                    </a:p>
+                  </a:txBody>
+                  <a:tcPr marL="0" marR="0" marT="0" marB="0" anchor="b"/>
+                </a:tc>
+                <a:extLst>
+                  <a:ext uri="{0D108BD9-81ED-4DB2-BD59-A6C34878D82A}">
+                    <a16:rowId xmlns:a16="http://schemas.microsoft.com/office/drawing/2014/main" val="3596042596"/>
+                  </a:ext>
+                </a:extLst>
+              </a:tr>
+              <a:tr h="194162">
+                <a:tc>
+                  <a:txBody>
+                    <a:bodyPr/>
+                    <a:lstStyle/>
+                    <a:p>
+                      <a:pPr algn="ctr" fontAlgn="b"/>
+                      <a:r>
+                        <a:rPr lang="en-US" sz="1100" u="none" strike="noStrike" dirty="0">
+                          <a:effectLst/>
+                          <a:latin typeface="Times New Roman" panose="02020603050405020304" pitchFamily="18" charset="0"/>
+                          <a:cs typeface="Times New Roman" panose="02020603050405020304" pitchFamily="18" charset="0"/>
+                        </a:rPr>
+                        <a:t>Fun Conn</a:t>
+                      </a:r>
+                      <a:endParaRPr lang="en-US" sz="1100" b="1" i="0" u="none" strike="noStrike" dirty="0">
+                        <a:solidFill>
+                          <a:srgbClr val="000000"/>
+                        </a:solidFill>
+                        <a:effectLst/>
+                        <a:latin typeface="Times New Roman" panose="02020603050405020304" pitchFamily="18" charset="0"/>
+                        <a:cs typeface="Times New Roman" panose="02020603050405020304" pitchFamily="18" charset="0"/>
+                      </a:endParaRPr>
+                    </a:p>
+                  </a:txBody>
+                  <a:tcPr marL="0" marR="0" marT="0" marB="0" anchor="b"/>
+                </a:tc>
+                <a:extLst>
+                  <a:ext uri="{0D108BD9-81ED-4DB2-BD59-A6C34878D82A}">
+                    <a16:rowId xmlns:a16="http://schemas.microsoft.com/office/drawing/2014/main" val="251301056"/>
+                  </a:ext>
+                </a:extLst>
+              </a:tr>
+            </a:tbl>
+          </a:graphicData>
+        </a:graphic>
+      </p:graphicFrame>
+    </p:spTree>
+    <p:extLst>
+      <p:ext uri="{BB962C8B-B14F-4D97-AF65-F5344CB8AC3E}">
+        <p14:creationId xmlns:p14="http://schemas.microsoft.com/office/powerpoint/2010/main" val="4053530102"/>
+      </p:ext>
+    </p:extLst>
+  </p:cSld>
+  <p:clrMapOvr>
+    <a:masterClrMapping/>
+  </p:clrMapOvr>
+</p:sld>
+</file>
+
 <file path=ppt/theme/theme1.xml><?xml version="1.0" encoding="utf-8"?>
 <a:theme xmlns:a="http://schemas.openxmlformats.org/drawingml/2006/main" name="Office Theme">
   <a:themeElements>
@@ -5414,25 +10031,25 @@
 
 <file path=customXml/item1.xml><?xml version="1.0" encoding="utf-8"?>
 <Control xmlns="http://schemas.microsoft.com/VisualStudio/2011/storyboarding/control/v1.0">
-  <Id Name="System.Storyboarding.Icons.FolderOpen" RevisionId="05cd6d03-c0b2-488e-98a7-d68de69a2cfc" Stencil="System.Storyboarding.Icons" StencilRevisionId="05cd6d03-c0b2-488e-98a7-d68de69a2cfc" StencilVersion="0.1"/>
+  <Id Name="System.Storyboarding.Common.Text" RevisionId="68ea164d-c1de-47a5-804f-d4d1290fa524" Stencil="System.Storyboarding.Common" StencilRevisionId="68ea164d-c1de-47a5-804f-d4d1290fa524" StencilVersion="0.1"/>
 </Control>
 </file>
 
 <file path=customXml/item10.xml><?xml version="1.0" encoding="utf-8"?>
 <Control xmlns="http://schemas.microsoft.com/VisualStudio/2011/storyboarding/control/v1.0">
-  <Id Name="System.Storyboarding.Common.Breadcrumb" RevisionId="68ea164d-c1de-47a5-804f-d4d1290fa524" Stencil="System.Storyboarding.Common" StencilRevisionId="68ea164d-c1de-47a5-804f-d4d1290fa524" StencilVersion="0.1"/>
+  <Id Name="System.Storyboarding.Media.Image" RevisionId="658c0869-8ded-44f2-a68a-f8e8fcb7d3bd" Stencil="System.Storyboarding.Media" StencilRevisionId="658c0869-8ded-44f2-a68a-f8e8fcb7d3bd" StencilVersion="0.1"/>
 </Control>
 </file>
 
 <file path=customXml/item11.xml><?xml version="1.0" encoding="utf-8"?>
 <Control xmlns="http://schemas.microsoft.com/VisualStudio/2011/storyboarding/control/v1.0">
-  <Id Name="System.Storyboarding.Icons.Help" RevisionId="05cd6d03-c0b2-488e-98a7-d68de69a2cfc" Stencil="System.Storyboarding.Icons" StencilRevisionId="05cd6d03-c0b2-488e-98a7-d68de69a2cfc" StencilVersion="0.1"/>
+  <Id Name="System.Storyboarding.Common.Text" RevisionId="68ea164d-c1de-47a5-804f-d4d1290fa524" Stencil="System.Storyboarding.Common" StencilRevisionId="68ea164d-c1de-47a5-804f-d4d1290fa524" StencilVersion="0.1"/>
 </Control>
 </file>
 
 <file path=customXml/item12.xml><?xml version="1.0" encoding="utf-8"?>
-<Control xmlns="http://schemas.microsoft.com/VisualStudio/2011/storyboarding/control/v1.0">
-  <Id Name="System.Storyboarding.Common.SearchBox" RevisionId="68ea164d-c1de-47a5-804f-d4d1290fa524" Stencil="System.Storyboarding.Common" StencilRevisionId="68ea164d-c1de-47a5-804f-d4d1290fa524" StencilVersion="0.1"/>
+<Control xmlns="http://schemas.microsoft.com/VisualStudio/2011/storyboarding/control">
+  <Id Name="System.Storyboarding.Backgrounds.SharePoint" Revision="1" Stencil="System.Storyboarding.Backgrounds" StencilVersion="0.1"/>
 </Control>
 </file>
 
@@ -5444,25 +10061,25 @@
 
 <file path=customXml/item2.xml><?xml version="1.0" encoding="utf-8"?>
 <Control xmlns="http://schemas.microsoft.com/VisualStudio/2011/storyboarding/control/v1.0">
-  <Id Name="System.Storyboarding.Common.Text" RevisionId="68ea164d-c1de-47a5-804f-d4d1290fa524" Stencil="System.Storyboarding.Common" StencilRevisionId="68ea164d-c1de-47a5-804f-d4d1290fa524" StencilVersion="0.1"/>
+  <Id Name="System.Storyboarding.Common.DropdownBox" RevisionId="68ea164d-c1de-47a5-804f-d4d1290fa524" Stencil="System.Storyboarding.Common" StencilRevisionId="68ea164d-c1de-47a5-804f-d4d1290fa524" StencilVersion="0.1"/>
 </Control>
 </file>
 
 <file path=customXml/item3.xml><?xml version="1.0" encoding="utf-8"?>
 <Control xmlns="http://schemas.microsoft.com/VisualStudio/2011/storyboarding/control/v1.0">
-  <Id Name="System.Storyboarding.Common.Text" RevisionId="68ea164d-c1de-47a5-804f-d4d1290fa524" Stencil="System.Storyboarding.Common" StencilRevisionId="68ea164d-c1de-47a5-804f-d4d1290fa524" StencilVersion="0.1"/>
+  <Id Name="System.Storyboarding.Common.SearchBox" RevisionId="68ea164d-c1de-47a5-804f-d4d1290fa524" Stencil="System.Storyboarding.Common" StencilRevisionId="68ea164d-c1de-47a5-804f-d4d1290fa524" StencilVersion="0.1"/>
 </Control>
 </file>
 
 <file path=customXml/item4.xml><?xml version="1.0" encoding="utf-8"?>
 <Control xmlns="http://schemas.microsoft.com/VisualStudio/2011/storyboarding/control/v1.0">
-  <Id Name="System.Storyboarding.Media.Image" RevisionId="658c0869-8ded-44f2-a68a-f8e8fcb7d3bd" Stencil="System.Storyboarding.Media" StencilRevisionId="658c0869-8ded-44f2-a68a-f8e8fcb7d3bd" StencilVersion="0.1"/>
+  <Id Name="System.Storyboarding.Common.Text" RevisionId="68ea164d-c1de-47a5-804f-d4d1290fa524" Stencil="System.Storyboarding.Common" StencilRevisionId="68ea164d-c1de-47a5-804f-d4d1290fa524" StencilVersion="0.1"/>
 </Control>
 </file>
 
 <file path=customXml/item5.xml><?xml version="1.0" encoding="utf-8"?>
 <Control xmlns="http://schemas.microsoft.com/VisualStudio/2011/storyboarding/control/v1.0">
-  <Id Name="System.Storyboarding.Common.Text" RevisionId="68ea164d-c1de-47a5-804f-d4d1290fa524" Stencil="System.Storyboarding.Common" StencilRevisionId="68ea164d-c1de-47a5-804f-d4d1290fa524" StencilVersion="0.1"/>
+  <Id Name="System.Storyboarding.Icons.FolderOpen" RevisionId="05cd6d03-c0b2-488e-98a7-d68de69a2cfc" Stencil="System.Storyboarding.Icons" StencilRevisionId="05cd6d03-c0b2-488e-98a7-d68de69a2cfc" StencilVersion="0.1"/>
 </Control>
 </file>
 
@@ -5474,24 +10091,24 @@
 
 <file path=customXml/item7.xml><?xml version="1.0" encoding="utf-8"?>
 <Control xmlns="http://schemas.microsoft.com/VisualStudio/2011/storyboarding/control/v1.0">
-  <Id Name="System.Storyboarding.Common.DropdownBox" RevisionId="68ea164d-c1de-47a5-804f-d4d1290fa524" Stencil="System.Storyboarding.Common" StencilRevisionId="68ea164d-c1de-47a5-804f-d4d1290fa524" StencilVersion="0.1"/>
+  <Id Name="System.Storyboarding.Icons.Help" RevisionId="05cd6d03-c0b2-488e-98a7-d68de69a2cfc" Stencil="System.Storyboarding.Icons" StencilRevisionId="05cd6d03-c0b2-488e-98a7-d68de69a2cfc" StencilVersion="0.1"/>
 </Control>
 </file>
 
 <file path=customXml/item8.xml><?xml version="1.0" encoding="utf-8"?>
-<Control xmlns="http://schemas.microsoft.com/VisualStudio/2011/storyboarding/control">
-  <Id Name="System.Storyboarding.Backgrounds.SharePoint" Revision="1" Stencil="System.Storyboarding.Backgrounds" StencilVersion="0.1"/>
+<Control xmlns="http://schemas.microsoft.com/VisualStudio/2011/storyboarding/control/v1.0">
+  <Id Name="System.Storyboarding.Common.Text" RevisionId="68ea164d-c1de-47a5-804f-d4d1290fa524" Stencil="System.Storyboarding.Common" StencilRevisionId="68ea164d-c1de-47a5-804f-d4d1290fa524" StencilVersion="0.1"/>
 </Control>
 </file>
 
 <file path=customXml/item9.xml><?xml version="1.0" encoding="utf-8"?>
 <Control xmlns="http://schemas.microsoft.com/VisualStudio/2011/storyboarding/control/v1.0">
-  <Id Name="System.Storyboarding.Common.Text" RevisionId="68ea164d-c1de-47a5-804f-d4d1290fa524" Stencil="System.Storyboarding.Common" StencilRevisionId="68ea164d-c1de-47a5-804f-d4d1290fa524" StencilVersion="0.1"/>
+  <Id Name="System.Storyboarding.Common.Breadcrumb" RevisionId="68ea164d-c1de-47a5-804f-d4d1290fa524" Stencil="System.Storyboarding.Common" StencilRevisionId="68ea164d-c1de-47a5-804f-d4d1290fa524" StencilVersion="0.1"/>
 </Control>
 </file>
 
 <file path=customXml/itemProps1.xml><?xml version="1.0" encoding="utf-8"?>
-<ds:datastoreItem xmlns:ds="http://schemas.openxmlformats.org/officeDocument/2006/customXml" ds:itemID="{6CA1E503-3BE5-48F9-8903-1F5A0E5B53FA}">
+<ds:datastoreItem xmlns:ds="http://schemas.openxmlformats.org/officeDocument/2006/customXml" ds:itemID="{BCFDDF06-4D2E-4D6D-9A1B-C447B3F4EA67}">
   <ds:schemaRefs>
     <ds:schemaRef ds:uri="http://schemas.microsoft.com/VisualStudio/2011/storyboarding/control/v1.0"/>
   </ds:schemaRefs>
@@ -5499,7 +10116,7 @@
 </file>
 
 <file path=customXml/itemProps10.xml><?xml version="1.0" encoding="utf-8"?>
-<ds:datastoreItem xmlns:ds="http://schemas.openxmlformats.org/officeDocument/2006/customXml" ds:itemID="{2ED57B16-65F0-4D88-8FC8-86653DF414F3}">
+<ds:datastoreItem xmlns:ds="http://schemas.openxmlformats.org/officeDocument/2006/customXml" ds:itemID="{366DA436-CE30-453F-9CC1-28AD3B50F144}">
   <ds:schemaRefs>
     <ds:schemaRef ds:uri="http://schemas.microsoft.com/VisualStudio/2011/storyboarding/control/v1.0"/>
   </ds:schemaRefs>
@@ -5507,7 +10124,7 @@
 </file>
 
 <file path=customXml/itemProps11.xml><?xml version="1.0" encoding="utf-8"?>
-<ds:datastoreItem xmlns:ds="http://schemas.openxmlformats.org/officeDocument/2006/customXml" ds:itemID="{E8B65369-76D4-44B9-8CEB-D454AC76CCEB}">
+<ds:datastoreItem xmlns:ds="http://schemas.openxmlformats.org/officeDocument/2006/customXml" ds:itemID="{4475BC4D-1BB3-42EE-94C9-1B162D8BAFED}">
   <ds:schemaRefs>
     <ds:schemaRef ds:uri="http://schemas.microsoft.com/VisualStudio/2011/storyboarding/control/v1.0"/>
   </ds:schemaRefs>
@@ -5515,9 +10132,9 @@
 </file>
 
 <file path=customXml/itemProps12.xml><?xml version="1.0" encoding="utf-8"?>
-<ds:datastoreItem xmlns:ds="http://schemas.openxmlformats.org/officeDocument/2006/customXml" ds:itemID="{AB8AF5A6-FA45-4246-A67D-74215671FBEF}">
+<ds:datastoreItem xmlns:ds="http://schemas.openxmlformats.org/officeDocument/2006/customXml" ds:itemID="{069915B3-BF01-48A2-8E49-D2C3133D0F02}">
   <ds:schemaRefs>
-    <ds:schemaRef ds:uri="http://schemas.microsoft.com/VisualStudio/2011/storyboarding/control/v1.0"/>
+    <ds:schemaRef ds:uri="http://schemas.microsoft.com/VisualStudio/2011/storyboarding/control"/>
   </ds:schemaRefs>
 </ds:datastoreItem>
 </file>
@@ -5531,6 +10148,22 @@
 </file>
 
 <file path=customXml/itemProps2.xml><?xml version="1.0" encoding="utf-8"?>
+<ds:datastoreItem xmlns:ds="http://schemas.openxmlformats.org/officeDocument/2006/customXml" ds:itemID="{5A6F5145-09F5-421E-ABA8-035D9DF59D73}">
+  <ds:schemaRefs>
+    <ds:schemaRef ds:uri="http://schemas.microsoft.com/VisualStudio/2011/storyboarding/control/v1.0"/>
+  </ds:schemaRefs>
+</ds:datastoreItem>
+</file>
+
+<file path=customXml/itemProps3.xml><?xml version="1.0" encoding="utf-8"?>
+<ds:datastoreItem xmlns:ds="http://schemas.openxmlformats.org/officeDocument/2006/customXml" ds:itemID="{AB8AF5A6-FA45-4246-A67D-74215671FBEF}">
+  <ds:schemaRefs>
+    <ds:schemaRef ds:uri="http://schemas.microsoft.com/VisualStudio/2011/storyboarding/control/v1.0"/>
+  </ds:schemaRefs>
+</ds:datastoreItem>
+</file>
+
+<file path=customXml/itemProps4.xml><?xml version="1.0" encoding="utf-8"?>
 <ds:datastoreItem xmlns:ds="http://schemas.openxmlformats.org/officeDocument/2006/customXml" ds:itemID="{D876FCC0-9E7A-48B1-8E50-1A0759F74E0A}">
   <ds:schemaRefs>
     <ds:schemaRef ds:uri="http://schemas.microsoft.com/VisualStudio/2011/storyboarding/control/v1.0"/>
@@ -5538,24 +10171,8 @@
 </ds:datastoreItem>
 </file>
 
-<file path=customXml/itemProps3.xml><?xml version="1.0" encoding="utf-8"?>
-<ds:datastoreItem xmlns:ds="http://schemas.openxmlformats.org/officeDocument/2006/customXml" ds:itemID="{BCFDDF06-4D2E-4D6D-9A1B-C447B3F4EA67}">
-  <ds:schemaRefs>
-    <ds:schemaRef ds:uri="http://schemas.microsoft.com/VisualStudio/2011/storyboarding/control/v1.0"/>
-  </ds:schemaRefs>
-</ds:datastoreItem>
-</file>
-
-<file path=customXml/itemProps4.xml><?xml version="1.0" encoding="utf-8"?>
-<ds:datastoreItem xmlns:ds="http://schemas.openxmlformats.org/officeDocument/2006/customXml" ds:itemID="{366DA436-CE30-453F-9CC1-28AD3B50F144}">
-  <ds:schemaRefs>
-    <ds:schemaRef ds:uri="http://schemas.microsoft.com/VisualStudio/2011/storyboarding/control/v1.0"/>
-  </ds:schemaRefs>
-</ds:datastoreItem>
-</file>
-
 <file path=customXml/itemProps5.xml><?xml version="1.0" encoding="utf-8"?>
-<ds:datastoreItem xmlns:ds="http://schemas.openxmlformats.org/officeDocument/2006/customXml" ds:itemID="{6089AD14-2AFF-487A-A99A-106B05215CC5}">
+<ds:datastoreItem xmlns:ds="http://schemas.openxmlformats.org/officeDocument/2006/customXml" ds:itemID="{6CA1E503-3BE5-48F9-8903-1F5A0E5B53FA}">
   <ds:schemaRefs>
     <ds:schemaRef ds:uri="http://schemas.microsoft.com/VisualStudio/2011/storyboarding/control/v1.0"/>
   </ds:schemaRefs>
@@ -5571,7 +10188,7 @@
 </file>
 
 <file path=customXml/itemProps7.xml><?xml version="1.0" encoding="utf-8"?>
-<ds:datastoreItem xmlns:ds="http://schemas.openxmlformats.org/officeDocument/2006/customXml" ds:itemID="{5A6F5145-09F5-421E-ABA8-035D9DF59D73}">
+<ds:datastoreItem xmlns:ds="http://schemas.openxmlformats.org/officeDocument/2006/customXml" ds:itemID="{E8B65369-76D4-44B9-8CEB-D454AC76CCEB}">
   <ds:schemaRefs>
     <ds:schemaRef ds:uri="http://schemas.microsoft.com/VisualStudio/2011/storyboarding/control/v1.0"/>
   </ds:schemaRefs>
@@ -5579,15 +10196,15 @@
 </file>
 
 <file path=customXml/itemProps8.xml><?xml version="1.0" encoding="utf-8"?>
-<ds:datastoreItem xmlns:ds="http://schemas.openxmlformats.org/officeDocument/2006/customXml" ds:itemID="{069915B3-BF01-48A2-8E49-D2C3133D0F02}">
+<ds:datastoreItem xmlns:ds="http://schemas.openxmlformats.org/officeDocument/2006/customXml" ds:itemID="{6089AD14-2AFF-487A-A99A-106B05215CC5}">
   <ds:schemaRefs>
-    <ds:schemaRef ds:uri="http://schemas.microsoft.com/VisualStudio/2011/storyboarding/control"/>
+    <ds:schemaRef ds:uri="http://schemas.microsoft.com/VisualStudio/2011/storyboarding/control/v1.0"/>
   </ds:schemaRefs>
 </ds:datastoreItem>
 </file>
 
 <file path=customXml/itemProps9.xml><?xml version="1.0" encoding="utf-8"?>
-<ds:datastoreItem xmlns:ds="http://schemas.openxmlformats.org/officeDocument/2006/customXml" ds:itemID="{4475BC4D-1BB3-42EE-94C9-1B162D8BAFED}">
+<ds:datastoreItem xmlns:ds="http://schemas.openxmlformats.org/officeDocument/2006/customXml" ds:itemID="{2ED57B16-65F0-4D88-8FC8-86653DF414F3}">
   <ds:schemaRefs>
     <ds:schemaRef ds:uri="http://schemas.microsoft.com/VisualStudio/2011/storyboarding/control/v1.0"/>
   </ds:schemaRefs>
